--- a/01_Resources/Timeline.pptx
+++ b/01_Resources/Timeline.pptx
@@ -5047,8 +5047,8 @@
         </p:nvSpPr>
         <p:spPr>
           <a:xfrm rot="5400000">
-            <a:off x="3379682" y="3941109"/>
-            <a:ext cx="4320000" cy="144000"/>
+            <a:off x="3433682" y="3982204"/>
+            <a:ext cx="4212000" cy="144000"/>
           </a:xfrm>
           <a:prstGeom prst="roundRect">
             <a:avLst/>
@@ -5374,7 +5374,7 @@
         <p:spPr>
           <a:xfrm>
             <a:off x="5643602" y="2236827"/>
-            <a:ext cx="4398531" cy="461665"/>
+            <a:ext cx="4398531" cy="646331"/>
           </a:xfrm>
           <a:prstGeom prst="rect">
             <a:avLst/>
@@ -5403,10 +5403,40 @@
               <a:rPr lang="en-GB" sz="1200" dirty="0" smtClean="0"/>
             </a:br>
             <a:r>
+              <a:rPr lang="en-GB" sz="1200" dirty="0" smtClean="0"/>
+              <a:t>1. </a:t>
+            </a:r>
+            <a:r>
               <a:rPr lang="en-GB" sz="1200" i="1" dirty="0" smtClean="0"/>
-              <a:t>Subject: Glossary Acceptance by the Working Group.</a:t>
-            </a:r>
-            <a:endParaRPr lang="en-GB" sz="1200" i="1" dirty="0"/>
+              <a:t>Glossary </a:t>
+            </a:r>
+            <a:r>
+              <a:rPr lang="en-GB" sz="1200" i="1" dirty="0"/>
+              <a:t>a</a:t>
+            </a:r>
+            <a:r>
+              <a:rPr lang="en-GB" sz="1200" i="1" dirty="0" smtClean="0"/>
+              <a:t>cceptance </a:t>
+            </a:r>
+            <a:r>
+              <a:rPr lang="en-GB" sz="1200" i="1" dirty="0" smtClean="0"/>
+              <a:t>by the Working Group</a:t>
+            </a:r>
+            <a:r>
+              <a:rPr lang="en-GB" sz="1200" i="1" dirty="0" smtClean="0"/>
+              <a:t>.</a:t>
+            </a:r>
+          </a:p>
+          <a:p>
+            <a:r>
+              <a:rPr lang="en-GB" sz="1200" dirty="0" smtClean="0"/>
+              <a:t>2. </a:t>
+            </a:r>
+            <a:r>
+              <a:rPr lang="en-GB" sz="1200" i="1" dirty="0" smtClean="0"/>
+              <a:t>Sample Competency Questions delivered by OP.</a:t>
+            </a:r>
+            <a:endParaRPr lang="en-GB" sz="1200" dirty="0"/>
           </a:p>
         </p:txBody>
       </p:sp>
@@ -5418,7 +5448,56 @@
         </p:nvSpPr>
         <p:spPr>
           <a:xfrm rot="5400000">
-            <a:off x="5532189" y="2326580"/>
+            <a:off x="5539504" y="2326580"/>
+            <a:ext cx="72000" cy="72000"/>
+          </a:xfrm>
+          <a:prstGeom prst="ellipse">
+            <a:avLst/>
+          </a:prstGeom>
+          <a:solidFill>
+            <a:schemeClr val="accent1">
+              <a:lumMod val="60000"/>
+              <a:lumOff val="40000"/>
+            </a:schemeClr>
+          </a:solidFill>
+          <a:ln>
+            <a:noFill/>
+          </a:ln>
+        </p:spPr>
+        <p:style>
+          <a:lnRef idx="2">
+            <a:schemeClr val="dk1">
+              <a:shade val="50000"/>
+            </a:schemeClr>
+          </a:lnRef>
+          <a:fillRef idx="1">
+            <a:schemeClr val="dk1"/>
+          </a:fillRef>
+          <a:effectRef idx="0">
+            <a:schemeClr val="dk1"/>
+          </a:effectRef>
+          <a:fontRef idx="minor">
+            <a:schemeClr val="lt1"/>
+          </a:fontRef>
+        </p:style>
+        <p:txBody>
+          <a:bodyPr rtlCol="0" anchor="ctr"/>
+          <a:lstStyle/>
+          <a:p>
+            <a:pPr algn="ctr"/>
+            <a:endParaRPr lang="en-GB"/>
+          </a:p>
+        </p:txBody>
+      </p:sp>
+      <p:sp>
+        <p:nvSpPr>
+          <p:cNvPr id="19" name="Elipse 18"/>
+          <p:cNvSpPr/>
+          <p:nvPr/>
+        </p:nvSpPr>
+        <p:spPr>
+          <a:xfrm rot="5400000">
+            <a:off x="5465131" y="2325364"/>
             <a:ext cx="72000" cy="72000"/>
           </a:xfrm>
           <a:prstGeom prst="ellipse">

--- a/01_Resources/Timeline.pptx
+++ b/01_Resources/Timeline.pptx
@@ -4855,8 +4855,8 @@
         </p:nvSpPr>
         <p:spPr>
           <a:xfrm>
-            <a:off x="1471215" y="4934794"/>
-            <a:ext cx="3964547" cy="461665"/>
+            <a:off x="1037228" y="4934794"/>
+            <a:ext cx="4398534" cy="646331"/>
           </a:xfrm>
           <a:prstGeom prst="rect">
             <a:avLst/>
@@ -4864,7 +4864,7 @@
           <a:noFill/>
         </p:spPr>
         <p:txBody>
-          <a:bodyPr wrap="none" rtlCol="0">
+          <a:bodyPr wrap="square" rtlCol="0">
             <a:spAutoFit/>
           </a:bodyPr>
           <a:lstStyle/>
@@ -4915,7 +4915,7 @@
                   </a:schemeClr>
                 </a:solidFill>
               </a:rPr>
-              <a:t>Subject: Results of the </a:t>
+              <a:t>Subject: Revision of the ontology, OWL implementation and results of the </a:t>
             </a:r>
             <a:r>
               <a:rPr lang="en-GB" sz="1200" i="1" dirty="0" err="1" smtClean="0">
@@ -4937,7 +4937,7 @@
                   </a:schemeClr>
                 </a:solidFill>
               </a:rPr>
-              <a:t> and progress on the final version.</a:t>
+              <a:t>.</a:t>
             </a:r>
             <a:endParaRPr lang="en-GB" sz="1200" i="1" dirty="0">
               <a:solidFill>
@@ -5004,7 +5004,7 @@
         </p:nvSpPr>
         <p:spPr>
           <a:xfrm rot="5400000">
-            <a:off x="5482018" y="728163"/>
+            <a:off x="5480652" y="728163"/>
             <a:ext cx="115330" cy="115330"/>
           </a:xfrm>
           <a:prstGeom prst="ellipse">
@@ -5041,21 +5041,33 @@
       </p:sp>
       <p:sp>
         <p:nvSpPr>
-          <p:cNvPr id="24" name="Rectángulo redondeado 23"/>
+          <p:cNvPr id="45" name="Rectángulo redondeado 44"/>
           <p:cNvSpPr/>
           <p:nvPr/>
         </p:nvSpPr>
         <p:spPr>
           <a:xfrm rot="5400000">
-            <a:off x="3433682" y="3982204"/>
-            <a:ext cx="4212000" cy="144000"/>
+            <a:off x="5289990" y="2063002"/>
+            <a:ext cx="504000" cy="118800"/>
           </a:xfrm>
           <a:prstGeom prst="roundRect">
             <a:avLst/>
           </a:prstGeom>
-          <a:solidFill>
-            <a:srgbClr val="F8FECA"/>
-          </a:solidFill>
+          <a:gradFill flip="none" rotWithShape="1">
+            <a:gsLst>
+              <a:gs pos="61000">
+                <a:srgbClr val="E1EA99"/>
+              </a:gs>
+              <a:gs pos="0">
+                <a:srgbClr val="F8FECA"/>
+              </a:gs>
+              <a:gs pos="100000">
+                <a:srgbClr val="9AAE04"/>
+              </a:gs>
+            </a:gsLst>
+            <a:lin ang="10800000" scaled="1"/>
+            <a:tileRect/>
+          </a:gradFill>
           <a:ln>
             <a:noFill/>
           </a:ln>
@@ -5087,13 +5099,59 @@
       </p:sp>
       <p:sp>
         <p:nvSpPr>
+          <p:cNvPr id="24" name="Rectángulo redondeado 23"/>
+          <p:cNvSpPr/>
+          <p:nvPr/>
+        </p:nvSpPr>
+        <p:spPr>
+          <a:xfrm rot="5400000">
+            <a:off x="3651990" y="4175445"/>
+            <a:ext cx="3780000" cy="118800"/>
+          </a:xfrm>
+          <a:prstGeom prst="roundRect">
+            <a:avLst/>
+          </a:prstGeom>
+          <a:solidFill>
+            <a:srgbClr val="F8FECA"/>
+          </a:solidFill>
+          <a:ln>
+            <a:noFill/>
+          </a:ln>
+        </p:spPr>
+        <p:style>
+          <a:lnRef idx="2">
+            <a:schemeClr val="accent1">
+              <a:shade val="50000"/>
+            </a:schemeClr>
+          </a:lnRef>
+          <a:fillRef idx="1">
+            <a:schemeClr val="accent1"/>
+          </a:fillRef>
+          <a:effectRef idx="0">
+            <a:schemeClr val="accent1"/>
+          </a:effectRef>
+          <a:fontRef idx="minor">
+            <a:schemeClr val="lt1"/>
+          </a:fontRef>
+        </p:style>
+        <p:txBody>
+          <a:bodyPr rtlCol="0" anchor="ctr"/>
+          <a:lstStyle/>
+          <a:p>
+            <a:pPr algn="ctr"/>
+            <a:endParaRPr lang="en-GB"/>
+          </a:p>
+        </p:txBody>
+      </p:sp>
+      <p:sp>
+        <p:nvSpPr>
           <p:cNvPr id="25" name="Elipse 24"/>
           <p:cNvSpPr/>
           <p:nvPr/>
         </p:nvSpPr>
         <p:spPr>
           <a:xfrm rot="5400000">
-            <a:off x="5482018" y="1798137"/>
+            <a:off x="5480652" y="1798137"/>
             <a:ext cx="115330" cy="115330"/>
           </a:xfrm>
           <a:prstGeom prst="ellipse">
@@ -5136,7 +5194,7 @@
         </p:nvSpPr>
         <p:spPr>
           <a:xfrm rot="5400000">
-            <a:off x="5482819" y="6094514"/>
+            <a:off x="5480652" y="6094514"/>
             <a:ext cx="115330" cy="115330"/>
           </a:xfrm>
           <a:prstGeom prst="ellipse">
@@ -5185,7 +5243,7 @@
         </p:nvSpPr>
         <p:spPr>
           <a:xfrm rot="5400000">
-            <a:off x="5482017" y="2863762"/>
+            <a:off x="5480652" y="2863762"/>
             <a:ext cx="115330" cy="115330"/>
           </a:xfrm>
           <a:prstGeom prst="ellipse">
@@ -5234,7 +5292,7 @@
         </p:nvSpPr>
         <p:spPr>
           <a:xfrm rot="5400000">
-            <a:off x="5482017" y="3927959"/>
+            <a:off x="5480652" y="3927959"/>
             <a:ext cx="115330" cy="115330"/>
           </a:xfrm>
           <a:prstGeom prst="ellipse">
@@ -5283,7 +5341,7 @@
         </p:nvSpPr>
         <p:spPr>
           <a:xfrm rot="5400000">
-            <a:off x="5482819" y="5036649"/>
+            <a:off x="5480652" y="5036649"/>
             <a:ext cx="115330" cy="115330"/>
           </a:xfrm>
           <a:prstGeom prst="ellipse">
@@ -5373,8 +5431,8 @@
         </p:nvSpPr>
         <p:spPr>
           <a:xfrm>
-            <a:off x="5643602" y="2236827"/>
-            <a:ext cx="4398531" cy="646331"/>
+            <a:off x="5643602" y="2055852"/>
+            <a:ext cx="4398531" cy="600164"/>
           </a:xfrm>
           <a:prstGeom prst="rect">
             <a:avLst/>
@@ -5388,55 +5446,48 @@
           <a:lstStyle/>
           <a:p>
             <a:r>
-              <a:rPr lang="en-GB" sz="1200" dirty="0" smtClean="0"/>
+              <a:rPr lang="en-GB" sz="1100" dirty="0" smtClean="0"/>
               <a:t>9</a:t>
             </a:r>
             <a:r>
-              <a:rPr lang="en-GB" sz="1200" baseline="30000" dirty="0" smtClean="0"/>
+              <a:rPr lang="en-GB" sz="1100" baseline="30000" dirty="0" smtClean="0"/>
               <a:t>th</a:t>
             </a:r>
             <a:r>
-              <a:rPr lang="en-GB" sz="1200" dirty="0" smtClean="0"/>
+              <a:rPr lang="en-GB" sz="1100" dirty="0" smtClean="0"/>
               <a:t> March</a:t>
             </a:r>
-            <a:br>
-              <a:rPr lang="en-GB" sz="1200" dirty="0" smtClean="0"/>
-            </a:br>
-            <a:r>
-              <a:rPr lang="en-GB" sz="1200" dirty="0" smtClean="0"/>
+          </a:p>
+          <a:p>
+            <a:pPr lvl="1"/>
+            <a:r>
+              <a:rPr lang="en-GB" sz="1100" dirty="0" smtClean="0"/>
               <a:t>1. </a:t>
             </a:r>
             <a:r>
-              <a:rPr lang="en-GB" sz="1200" i="1" dirty="0" smtClean="0"/>
+              <a:rPr lang="en-GB" sz="1100" i="1" dirty="0" smtClean="0"/>
               <a:t>Glossary </a:t>
             </a:r>
             <a:r>
-              <a:rPr lang="en-GB" sz="1200" i="1" dirty="0"/>
+              <a:rPr lang="en-GB" sz="1100" i="1" dirty="0"/>
               <a:t>a</a:t>
             </a:r>
             <a:r>
-              <a:rPr lang="en-GB" sz="1200" i="1" dirty="0" smtClean="0"/>
-              <a:t>cceptance </a:t>
-            </a:r>
-            <a:r>
-              <a:rPr lang="en-GB" sz="1200" i="1" dirty="0" smtClean="0"/>
-              <a:t>by the Working Group</a:t>
-            </a:r>
-            <a:r>
-              <a:rPr lang="en-GB" sz="1200" i="1" dirty="0" smtClean="0"/>
-              <a:t>.</a:t>
-            </a:r>
-          </a:p>
-          <a:p>
-            <a:r>
-              <a:rPr lang="en-GB" sz="1200" dirty="0" smtClean="0"/>
+              <a:rPr lang="en-GB" sz="1100" i="1" dirty="0" smtClean="0"/>
+              <a:t>cceptance by the Working Group.</a:t>
+            </a:r>
+          </a:p>
+          <a:p>
+            <a:pPr lvl="1"/>
+            <a:r>
+              <a:rPr lang="en-GB" sz="1100" dirty="0" smtClean="0"/>
               <a:t>2. </a:t>
             </a:r>
             <a:r>
-              <a:rPr lang="en-GB" sz="1200" i="1" dirty="0" smtClean="0"/>
+              <a:rPr lang="en-GB" sz="1100" i="1" dirty="0" smtClean="0"/>
               <a:t>Sample Competency Questions delivered by OP.</a:t>
             </a:r>
-            <a:endParaRPr lang="en-GB" sz="1200" dirty="0"/>
+            <a:endParaRPr lang="en-GB" sz="1100" dirty="0"/>
           </a:p>
         </p:txBody>
       </p:sp>
@@ -5448,7 +5499,7 @@
         </p:nvSpPr>
         <p:spPr>
           <a:xfrm rot="5400000">
-            <a:off x="5539504" y="2326580"/>
+            <a:off x="5502317" y="2326580"/>
             <a:ext cx="72000" cy="72000"/>
           </a:xfrm>
           <a:prstGeom prst="ellipse">
@@ -5497,7 +5548,7 @@
         </p:nvSpPr>
         <p:spPr>
           <a:xfrm rot="5400000">
-            <a:off x="5465131" y="2325364"/>
+            <a:off x="5502317" y="2325364"/>
             <a:ext cx="72000" cy="72000"/>
           </a:xfrm>
           <a:prstGeom prst="ellipse">
@@ -5535,6 +5586,394 @@
           <a:p>
             <a:pPr algn="ctr"/>
             <a:endParaRPr lang="en-GB"/>
+          </a:p>
+        </p:txBody>
+      </p:sp>
+      <p:sp>
+        <p:nvSpPr>
+          <p:cNvPr id="37" name="Elipse 36"/>
+          <p:cNvSpPr/>
+          <p:nvPr/>
+        </p:nvSpPr>
+        <p:spPr>
+          <a:xfrm rot="5400000">
+            <a:off x="5502317" y="2698055"/>
+            <a:ext cx="72000" cy="72000"/>
+          </a:xfrm>
+          <a:prstGeom prst="ellipse">
+            <a:avLst/>
+          </a:prstGeom>
+          <a:solidFill>
+            <a:schemeClr val="accent1">
+              <a:lumMod val="60000"/>
+              <a:lumOff val="40000"/>
+            </a:schemeClr>
+          </a:solidFill>
+          <a:ln>
+            <a:noFill/>
+          </a:ln>
+        </p:spPr>
+        <p:style>
+          <a:lnRef idx="2">
+            <a:schemeClr val="dk1">
+              <a:shade val="50000"/>
+            </a:schemeClr>
+          </a:lnRef>
+          <a:fillRef idx="1">
+            <a:schemeClr val="dk1"/>
+          </a:fillRef>
+          <a:effectRef idx="0">
+            <a:schemeClr val="dk1"/>
+          </a:effectRef>
+          <a:fontRef idx="minor">
+            <a:schemeClr val="lt1"/>
+          </a:fontRef>
+        </p:style>
+        <p:txBody>
+          <a:bodyPr rtlCol="0" anchor="ctr"/>
+          <a:lstStyle/>
+          <a:p>
+            <a:pPr algn="ctr"/>
+            <a:endParaRPr lang="en-GB"/>
+          </a:p>
+        </p:txBody>
+      </p:sp>
+      <p:sp>
+        <p:nvSpPr>
+          <p:cNvPr id="38" name="CuadroTexto 37"/>
+          <p:cNvSpPr txBox="1"/>
+          <p:nvPr/>
+        </p:nvSpPr>
+        <p:spPr>
+          <a:xfrm>
+            <a:off x="5657936" y="2597746"/>
+            <a:ext cx="4398531" cy="261610"/>
+          </a:xfrm>
+          <a:prstGeom prst="rect">
+            <a:avLst/>
+          </a:prstGeom>
+          <a:noFill/>
+        </p:spPr>
+        <p:txBody>
+          <a:bodyPr wrap="square" rtlCol="0">
+            <a:spAutoFit/>
+          </a:bodyPr>
+          <a:lstStyle/>
+          <a:p>
+            <a:r>
+              <a:rPr lang="en-GB" sz="1100" dirty="0" smtClean="0"/>
+              <a:t>23</a:t>
+            </a:r>
+            <a:r>
+              <a:rPr lang="en-GB" sz="1100" baseline="30000" dirty="0" smtClean="0"/>
+              <a:t>rd </a:t>
+            </a:r>
+            <a:r>
+              <a:rPr lang="en-GB" sz="1100" dirty="0" smtClean="0"/>
+              <a:t>March: </a:t>
+            </a:r>
+            <a:r>
+              <a:rPr lang="en-GB" sz="1100" i="1" dirty="0" smtClean="0"/>
+              <a:t>Conceptual data model available</a:t>
+            </a:r>
+            <a:r>
+              <a:rPr lang="en-GB" sz="1100" i="1" dirty="0"/>
+              <a:t> </a:t>
+            </a:r>
+            <a:r>
+              <a:rPr lang="en-GB" sz="1100" i="1" dirty="0" smtClean="0"/>
+              <a:t>for revision by WG.</a:t>
+            </a:r>
+            <a:endParaRPr lang="en-GB" sz="1100" i="1" dirty="0"/>
+          </a:p>
+        </p:txBody>
+      </p:sp>
+      <p:sp>
+        <p:nvSpPr>
+          <p:cNvPr id="40" name="Elipse 39"/>
+          <p:cNvSpPr/>
+          <p:nvPr/>
+        </p:nvSpPr>
+        <p:spPr>
+          <a:xfrm rot="5400000">
+            <a:off x="5502317" y="3726755"/>
+            <a:ext cx="72000" cy="72000"/>
+          </a:xfrm>
+          <a:prstGeom prst="ellipse">
+            <a:avLst/>
+          </a:prstGeom>
+          <a:solidFill>
+            <a:schemeClr val="accent1">
+              <a:lumMod val="60000"/>
+              <a:lumOff val="40000"/>
+            </a:schemeClr>
+          </a:solidFill>
+          <a:ln>
+            <a:noFill/>
+          </a:ln>
+        </p:spPr>
+        <p:style>
+          <a:lnRef idx="2">
+            <a:schemeClr val="dk1">
+              <a:shade val="50000"/>
+            </a:schemeClr>
+          </a:lnRef>
+          <a:fillRef idx="1">
+            <a:schemeClr val="dk1"/>
+          </a:fillRef>
+          <a:effectRef idx="0">
+            <a:schemeClr val="dk1"/>
+          </a:effectRef>
+          <a:fontRef idx="minor">
+            <a:schemeClr val="lt1"/>
+          </a:fontRef>
+        </p:style>
+        <p:txBody>
+          <a:bodyPr rtlCol="0" anchor="ctr"/>
+          <a:lstStyle/>
+          <a:p>
+            <a:pPr algn="ctr"/>
+            <a:endParaRPr lang="en-GB"/>
+          </a:p>
+        </p:txBody>
+      </p:sp>
+      <p:sp>
+        <p:nvSpPr>
+          <p:cNvPr id="41" name="CuadroTexto 40"/>
+          <p:cNvSpPr txBox="1"/>
+          <p:nvPr/>
+        </p:nvSpPr>
+        <p:spPr>
+          <a:xfrm>
+            <a:off x="5657936" y="3626531"/>
+            <a:ext cx="3876589" cy="430887"/>
+          </a:xfrm>
+          <a:prstGeom prst="rect">
+            <a:avLst/>
+          </a:prstGeom>
+          <a:noFill/>
+        </p:spPr>
+        <p:txBody>
+          <a:bodyPr wrap="square" rtlCol="0">
+            <a:spAutoFit/>
+          </a:bodyPr>
+          <a:lstStyle/>
+          <a:p>
+            <a:r>
+              <a:rPr lang="en-GB" sz="1100" dirty="0" smtClean="0"/>
+              <a:t>19</a:t>
+            </a:r>
+            <a:r>
+              <a:rPr lang="en-GB" sz="1100" baseline="30000" dirty="0" smtClean="0"/>
+              <a:t>th</a:t>
+            </a:r>
+            <a:r>
+              <a:rPr lang="en-GB" sz="1100" dirty="0" smtClean="0"/>
+              <a:t> April: </a:t>
+            </a:r>
+            <a:r>
+              <a:rPr lang="en-GB" sz="1100" i="1" dirty="0" err="1" smtClean="0"/>
+              <a:t>PoC</a:t>
+            </a:r>
+            <a:r>
+              <a:rPr lang="en-GB" sz="1100" i="1" dirty="0" smtClean="0"/>
+              <a:t> and new version of the conceptual data model available</a:t>
+            </a:r>
+            <a:r>
+              <a:rPr lang="en-GB" sz="1100" i="1" dirty="0"/>
+              <a:t> </a:t>
+            </a:r>
+            <a:r>
+              <a:rPr lang="en-GB" sz="1100" i="1" dirty="0" smtClean="0"/>
+              <a:t>for revision by WG.</a:t>
+            </a:r>
+            <a:endParaRPr lang="en-GB" sz="1100" i="1" dirty="0"/>
+          </a:p>
+        </p:txBody>
+      </p:sp>
+      <p:sp>
+        <p:nvSpPr>
+          <p:cNvPr id="42" name="Elipse 41"/>
+          <p:cNvSpPr/>
+          <p:nvPr/>
+        </p:nvSpPr>
+        <p:spPr>
+          <a:xfrm rot="5400000">
+            <a:off x="5502317" y="4864355"/>
+            <a:ext cx="72000" cy="72000"/>
+          </a:xfrm>
+          <a:prstGeom prst="ellipse">
+            <a:avLst/>
+          </a:prstGeom>
+          <a:solidFill>
+            <a:schemeClr val="accent1">
+              <a:lumMod val="60000"/>
+              <a:lumOff val="40000"/>
+            </a:schemeClr>
+          </a:solidFill>
+          <a:ln>
+            <a:noFill/>
+          </a:ln>
+        </p:spPr>
+        <p:style>
+          <a:lnRef idx="2">
+            <a:schemeClr val="dk1">
+              <a:shade val="50000"/>
+            </a:schemeClr>
+          </a:lnRef>
+          <a:fillRef idx="1">
+            <a:schemeClr val="dk1"/>
+          </a:fillRef>
+          <a:effectRef idx="0">
+            <a:schemeClr val="dk1"/>
+          </a:effectRef>
+          <a:fontRef idx="minor">
+            <a:schemeClr val="lt1"/>
+          </a:fontRef>
+        </p:style>
+        <p:txBody>
+          <a:bodyPr rtlCol="0" anchor="ctr"/>
+          <a:lstStyle/>
+          <a:p>
+            <a:pPr algn="ctr"/>
+            <a:endParaRPr lang="en-GB"/>
+          </a:p>
+        </p:txBody>
+      </p:sp>
+      <p:sp>
+        <p:nvSpPr>
+          <p:cNvPr id="43" name="CuadroTexto 42"/>
+          <p:cNvSpPr txBox="1"/>
+          <p:nvPr/>
+        </p:nvSpPr>
+        <p:spPr>
+          <a:xfrm>
+            <a:off x="5660208" y="4764131"/>
+            <a:ext cx="3874317" cy="261610"/>
+          </a:xfrm>
+          <a:prstGeom prst="rect">
+            <a:avLst/>
+          </a:prstGeom>
+          <a:noFill/>
+        </p:spPr>
+        <p:txBody>
+          <a:bodyPr wrap="square" rtlCol="0">
+            <a:spAutoFit/>
+          </a:bodyPr>
+          <a:lstStyle/>
+          <a:p>
+            <a:r>
+              <a:rPr lang="en-GB" sz="1100" dirty="0" smtClean="0"/>
+              <a:t>26</a:t>
+            </a:r>
+            <a:r>
+              <a:rPr lang="en-GB" sz="1100" baseline="30000" dirty="0" smtClean="0"/>
+              <a:t>th</a:t>
+            </a:r>
+            <a:r>
+              <a:rPr lang="en-GB" sz="1100" dirty="0" smtClean="0"/>
+              <a:t> April: </a:t>
+            </a:r>
+            <a:r>
+              <a:rPr lang="en-GB" sz="1100" dirty="0" err="1" smtClean="0"/>
+              <a:t>PoC</a:t>
+            </a:r>
+            <a:r>
+              <a:rPr lang="en-GB" sz="1100" dirty="0" smtClean="0"/>
+              <a:t> Report available for revision by WG</a:t>
+            </a:r>
+            <a:r>
+              <a:rPr lang="en-GB" sz="1100" i="1" dirty="0" smtClean="0"/>
+              <a:t>.</a:t>
+            </a:r>
+            <a:endParaRPr lang="en-GB" sz="1100" i="1" dirty="0"/>
+          </a:p>
+        </p:txBody>
+      </p:sp>
+      <p:sp>
+        <p:nvSpPr>
+          <p:cNvPr id="39" name="Elipse 38"/>
+          <p:cNvSpPr/>
+          <p:nvPr/>
+        </p:nvSpPr>
+        <p:spPr>
+          <a:xfrm rot="5400000">
+            <a:off x="5502317" y="5892515"/>
+            <a:ext cx="72000" cy="72000"/>
+          </a:xfrm>
+          <a:prstGeom prst="ellipse">
+            <a:avLst/>
+          </a:prstGeom>
+          <a:solidFill>
+            <a:schemeClr val="accent1">
+              <a:lumMod val="60000"/>
+              <a:lumOff val="40000"/>
+            </a:schemeClr>
+          </a:solidFill>
+          <a:ln>
+            <a:noFill/>
+          </a:ln>
+        </p:spPr>
+        <p:style>
+          <a:lnRef idx="2">
+            <a:schemeClr val="dk1">
+              <a:shade val="50000"/>
+            </a:schemeClr>
+          </a:lnRef>
+          <a:fillRef idx="1">
+            <a:schemeClr val="dk1"/>
+          </a:fillRef>
+          <a:effectRef idx="0">
+            <a:schemeClr val="dk1"/>
+          </a:effectRef>
+          <a:fontRef idx="minor">
+            <a:schemeClr val="lt1"/>
+          </a:fontRef>
+        </p:style>
+        <p:txBody>
+          <a:bodyPr rtlCol="0" anchor="ctr"/>
+          <a:lstStyle/>
+          <a:p>
+            <a:pPr algn="ctr"/>
+            <a:endParaRPr lang="en-GB"/>
+          </a:p>
+        </p:txBody>
+      </p:sp>
+      <p:sp>
+        <p:nvSpPr>
+          <p:cNvPr id="44" name="CuadroTexto 43"/>
+          <p:cNvSpPr txBox="1"/>
+          <p:nvPr/>
+        </p:nvSpPr>
+        <p:spPr>
+          <a:xfrm>
+            <a:off x="5658060" y="5792291"/>
+            <a:ext cx="3874317" cy="261610"/>
+          </a:xfrm>
+          <a:prstGeom prst="rect">
+            <a:avLst/>
+          </a:prstGeom>
+          <a:noFill/>
+        </p:spPr>
+        <p:txBody>
+          <a:bodyPr wrap="square" rtlCol="0">
+            <a:spAutoFit/>
+          </a:bodyPr>
+          <a:lstStyle/>
+          <a:p>
+            <a:r>
+              <a:rPr lang="en-GB" sz="1100" dirty="0" smtClean="0"/>
+              <a:t>18</a:t>
+            </a:r>
+            <a:r>
+              <a:rPr lang="en-GB" sz="1100" baseline="30000" dirty="0" smtClean="0"/>
+              <a:t>th</a:t>
+            </a:r>
+            <a:r>
+              <a:rPr lang="en-GB" sz="1100" dirty="0" smtClean="0"/>
+              <a:t> June: Complete release v2.0.0 available for revision by WG.</a:t>
+            </a:r>
+            <a:endParaRPr lang="en-GB" sz="1100" i="1" dirty="0"/>
           </a:p>
         </p:txBody>
       </p:sp>

--- a/01_Resources/Timeline.pptx
+++ b/01_Resources/Timeline.pptx
@@ -256,7 +256,7 @@
           <a:p>
             <a:fld id="{DD47B1ED-05C6-43AD-85E9-3FF99C9F49B3}" type="datetimeFigureOut">
               <a:rPr lang="en-GB" smtClean="0"/>
-              <a:t>27/02/2018</a:t>
+              <a:t>02/03/2018</a:t>
             </a:fld>
             <a:endParaRPr lang="en-GB"/>
           </a:p>
@@ -426,7 +426,7 @@
           <a:p>
             <a:fld id="{DD47B1ED-05C6-43AD-85E9-3FF99C9F49B3}" type="datetimeFigureOut">
               <a:rPr lang="en-GB" smtClean="0"/>
-              <a:t>27/02/2018</a:t>
+              <a:t>02/03/2018</a:t>
             </a:fld>
             <a:endParaRPr lang="en-GB"/>
           </a:p>
@@ -606,7 +606,7 @@
           <a:p>
             <a:fld id="{DD47B1ED-05C6-43AD-85E9-3FF99C9F49B3}" type="datetimeFigureOut">
               <a:rPr lang="en-GB" smtClean="0"/>
-              <a:t>27/02/2018</a:t>
+              <a:t>02/03/2018</a:t>
             </a:fld>
             <a:endParaRPr lang="en-GB"/>
           </a:p>
@@ -776,7 +776,7 @@
           <a:p>
             <a:fld id="{DD47B1ED-05C6-43AD-85E9-3FF99C9F49B3}" type="datetimeFigureOut">
               <a:rPr lang="en-GB" smtClean="0"/>
-              <a:t>27/02/2018</a:t>
+              <a:t>02/03/2018</a:t>
             </a:fld>
             <a:endParaRPr lang="en-GB"/>
           </a:p>
@@ -1022,7 +1022,7 @@
           <a:p>
             <a:fld id="{DD47B1ED-05C6-43AD-85E9-3FF99C9F49B3}" type="datetimeFigureOut">
               <a:rPr lang="en-GB" smtClean="0"/>
-              <a:t>27/02/2018</a:t>
+              <a:t>02/03/2018</a:t>
             </a:fld>
             <a:endParaRPr lang="en-GB"/>
           </a:p>
@@ -1254,7 +1254,7 @@
           <a:p>
             <a:fld id="{DD47B1ED-05C6-43AD-85E9-3FF99C9F49B3}" type="datetimeFigureOut">
               <a:rPr lang="en-GB" smtClean="0"/>
-              <a:t>27/02/2018</a:t>
+              <a:t>02/03/2018</a:t>
             </a:fld>
             <a:endParaRPr lang="en-GB"/>
           </a:p>
@@ -1621,7 +1621,7 @@
           <a:p>
             <a:fld id="{DD47B1ED-05C6-43AD-85E9-3FF99C9F49B3}" type="datetimeFigureOut">
               <a:rPr lang="en-GB" smtClean="0"/>
-              <a:t>27/02/2018</a:t>
+              <a:t>02/03/2018</a:t>
             </a:fld>
             <a:endParaRPr lang="en-GB"/>
           </a:p>
@@ -1739,7 +1739,7 @@
           <a:p>
             <a:fld id="{DD47B1ED-05C6-43AD-85E9-3FF99C9F49B3}" type="datetimeFigureOut">
               <a:rPr lang="en-GB" smtClean="0"/>
-              <a:t>27/02/2018</a:t>
+              <a:t>02/03/2018</a:t>
             </a:fld>
             <a:endParaRPr lang="en-GB"/>
           </a:p>
@@ -1834,7 +1834,7 @@
           <a:p>
             <a:fld id="{DD47B1ED-05C6-43AD-85E9-3FF99C9F49B3}" type="datetimeFigureOut">
               <a:rPr lang="en-GB" smtClean="0"/>
-              <a:t>27/02/2018</a:t>
+              <a:t>02/03/2018</a:t>
             </a:fld>
             <a:endParaRPr lang="en-GB"/>
           </a:p>
@@ -2111,7 +2111,7 @@
           <a:p>
             <a:fld id="{DD47B1ED-05C6-43AD-85E9-3FF99C9F49B3}" type="datetimeFigureOut">
               <a:rPr lang="en-GB" smtClean="0"/>
-              <a:t>27/02/2018</a:t>
+              <a:t>02/03/2018</a:t>
             </a:fld>
             <a:endParaRPr lang="en-GB"/>
           </a:p>
@@ -2364,7 +2364,7 @@
           <a:p>
             <a:fld id="{DD47B1ED-05C6-43AD-85E9-3FF99C9F49B3}" type="datetimeFigureOut">
               <a:rPr lang="en-GB" smtClean="0"/>
-              <a:t>27/02/2018</a:t>
+              <a:t>02/03/2018</a:t>
             </a:fld>
             <a:endParaRPr lang="en-GB"/>
           </a:p>
@@ -2577,7 +2577,7 @@
           <a:p>
             <a:fld id="{DD47B1ED-05C6-43AD-85E9-3FF99C9F49B3}" type="datetimeFigureOut">
               <a:rPr lang="en-GB" smtClean="0"/>
-              <a:t>27/02/2018</a:t>
+              <a:t>02/03/2018</a:t>
             </a:fld>
             <a:endParaRPr lang="en-GB"/>
           </a:p>
@@ -5455,8 +5455,13 @@
             </a:r>
             <a:r>
               <a:rPr lang="en-GB" sz="1100" dirty="0" smtClean="0"/>
-              <a:t> March</a:t>
-            </a:r>
+              <a:t> </a:t>
+            </a:r>
+            <a:r>
+              <a:rPr lang="en-GB" sz="1100" dirty="0" smtClean="0"/>
+              <a:t>March:</a:t>
+            </a:r>
+            <a:endParaRPr lang="en-GB" sz="1100" dirty="0" smtClean="0"/>
           </a:p>
           <a:p>
             <a:pPr lvl="1"/>
@@ -5484,8 +5489,8 @@
               <a:t>2. </a:t>
             </a:r>
             <a:r>
-              <a:rPr lang="en-GB" sz="1100" i="1" dirty="0" smtClean="0"/>
-              <a:t>Sample Competency Questions delivered by OP.</a:t>
+              <a:rPr lang="en-GB" sz="1100" i="1" dirty="0"/>
+              <a:t>Sample Competency Questions available for the WG.</a:t>
             </a:r>
             <a:endParaRPr lang="en-GB" sz="1100" dirty="0"/>
           </a:p>
@@ -5646,8 +5651,8 @@
         </p:nvSpPr>
         <p:spPr>
           <a:xfrm>
-            <a:off x="5657936" y="2597746"/>
-            <a:ext cx="4398531" cy="261610"/>
+            <a:off x="5657936" y="2604570"/>
+            <a:ext cx="4398531" cy="600164"/>
           </a:xfrm>
           <a:prstGeom prst="rect">
             <a:avLst/>
@@ -5670,7 +5675,15 @@
             </a:r>
             <a:r>
               <a:rPr lang="en-GB" sz="1100" dirty="0" smtClean="0"/>
-              <a:t>March: </a:t>
+              <a:t>March:</a:t>
+            </a:r>
+            <a:endParaRPr lang="en-GB" sz="1100" dirty="0" smtClean="0"/>
+          </a:p>
+          <a:p>
+            <a:pPr lvl="1"/>
+            <a:r>
+              <a:rPr lang="en-GB" sz="1100" dirty="0" smtClean="0"/>
+              <a:t>1. </a:t>
             </a:r>
             <a:r>
               <a:rPr lang="en-GB" sz="1100" i="1" dirty="0" smtClean="0"/>
@@ -5684,7 +5697,17 @@
               <a:rPr lang="en-GB" sz="1100" i="1" dirty="0" smtClean="0"/>
               <a:t>for revision by WG.</a:t>
             </a:r>
-            <a:endParaRPr lang="en-GB" sz="1100" i="1" dirty="0"/>
+          </a:p>
+          <a:p>
+            <a:pPr lvl="1"/>
+            <a:r>
+              <a:rPr lang="en-GB" sz="1100" dirty="0"/>
+              <a:t>2. </a:t>
+            </a:r>
+            <a:r>
+              <a:rPr lang="en-GB" sz="1100" i="1" dirty="0"/>
+              <a:t>WG to provide competency questions</a:t>
+            </a:r>
           </a:p>
         </p:txBody>
       </p:sp>

--- a/01_Resources/Timeline.pptx
+++ b/01_Resources/Timeline.pptx
@@ -5,8 +5,7 @@
     <p:sldMasterId id="2147483648" r:id="rId1"/>
   </p:sldMasterIdLst>
   <p:sldIdLst>
-    <p:sldId id="256" r:id="rId2"/>
-    <p:sldId id="258" r:id="rId3"/>
+    <p:sldId id="258" r:id="rId2"/>
   </p:sldIdLst>
   <p:sldSz cx="12192000" cy="6858000"/>
   <p:notesSz cx="6858000" cy="9144000"/>
@@ -256,7 +255,7 @@
           <a:p>
             <a:fld id="{DD47B1ED-05C6-43AD-85E9-3FF99C9F49B3}" type="datetimeFigureOut">
               <a:rPr lang="en-GB" smtClean="0"/>
-              <a:t>02/03/2018</a:t>
+              <a:t>28/03/2018</a:t>
             </a:fld>
             <a:endParaRPr lang="en-GB"/>
           </a:p>
@@ -426,7 +425,7 @@
           <a:p>
             <a:fld id="{DD47B1ED-05C6-43AD-85E9-3FF99C9F49B3}" type="datetimeFigureOut">
               <a:rPr lang="en-GB" smtClean="0"/>
-              <a:t>02/03/2018</a:t>
+              <a:t>28/03/2018</a:t>
             </a:fld>
             <a:endParaRPr lang="en-GB"/>
           </a:p>
@@ -606,7 +605,7 @@
           <a:p>
             <a:fld id="{DD47B1ED-05C6-43AD-85E9-3FF99C9F49B3}" type="datetimeFigureOut">
               <a:rPr lang="en-GB" smtClean="0"/>
-              <a:t>02/03/2018</a:t>
+              <a:t>28/03/2018</a:t>
             </a:fld>
             <a:endParaRPr lang="en-GB"/>
           </a:p>
@@ -776,7 +775,7 @@
           <a:p>
             <a:fld id="{DD47B1ED-05C6-43AD-85E9-3FF99C9F49B3}" type="datetimeFigureOut">
               <a:rPr lang="en-GB" smtClean="0"/>
-              <a:t>02/03/2018</a:t>
+              <a:t>28/03/2018</a:t>
             </a:fld>
             <a:endParaRPr lang="en-GB"/>
           </a:p>
@@ -1022,7 +1021,7 @@
           <a:p>
             <a:fld id="{DD47B1ED-05C6-43AD-85E9-3FF99C9F49B3}" type="datetimeFigureOut">
               <a:rPr lang="en-GB" smtClean="0"/>
-              <a:t>02/03/2018</a:t>
+              <a:t>28/03/2018</a:t>
             </a:fld>
             <a:endParaRPr lang="en-GB"/>
           </a:p>
@@ -1254,7 +1253,7 @@
           <a:p>
             <a:fld id="{DD47B1ED-05C6-43AD-85E9-3FF99C9F49B3}" type="datetimeFigureOut">
               <a:rPr lang="en-GB" smtClean="0"/>
-              <a:t>02/03/2018</a:t>
+              <a:t>28/03/2018</a:t>
             </a:fld>
             <a:endParaRPr lang="en-GB"/>
           </a:p>
@@ -1621,7 +1620,7 @@
           <a:p>
             <a:fld id="{DD47B1ED-05C6-43AD-85E9-3FF99C9F49B3}" type="datetimeFigureOut">
               <a:rPr lang="en-GB" smtClean="0"/>
-              <a:t>02/03/2018</a:t>
+              <a:t>28/03/2018</a:t>
             </a:fld>
             <a:endParaRPr lang="en-GB"/>
           </a:p>
@@ -1739,7 +1738,7 @@
           <a:p>
             <a:fld id="{DD47B1ED-05C6-43AD-85E9-3FF99C9F49B3}" type="datetimeFigureOut">
               <a:rPr lang="en-GB" smtClean="0"/>
-              <a:t>02/03/2018</a:t>
+              <a:t>28/03/2018</a:t>
             </a:fld>
             <a:endParaRPr lang="en-GB"/>
           </a:p>
@@ -1834,7 +1833,7 @@
           <a:p>
             <a:fld id="{DD47B1ED-05C6-43AD-85E9-3FF99C9F49B3}" type="datetimeFigureOut">
               <a:rPr lang="en-GB" smtClean="0"/>
-              <a:t>02/03/2018</a:t>
+              <a:t>28/03/2018</a:t>
             </a:fld>
             <a:endParaRPr lang="en-GB"/>
           </a:p>
@@ -2111,7 +2110,7 @@
           <a:p>
             <a:fld id="{DD47B1ED-05C6-43AD-85E9-3FF99C9F49B3}" type="datetimeFigureOut">
               <a:rPr lang="en-GB" smtClean="0"/>
-              <a:t>02/03/2018</a:t>
+              <a:t>28/03/2018</a:t>
             </a:fld>
             <a:endParaRPr lang="en-GB"/>
           </a:p>
@@ -2364,7 +2363,7 @@
           <a:p>
             <a:fld id="{DD47B1ED-05C6-43AD-85E9-3FF99C9F49B3}" type="datetimeFigureOut">
               <a:rPr lang="en-GB" smtClean="0"/>
-              <a:t>02/03/2018</a:t>
+              <a:t>28/03/2018</a:t>
             </a:fld>
             <a:endParaRPr lang="en-GB"/>
           </a:p>
@@ -2577,7 +2576,7 @@
           <a:p>
             <a:fld id="{DD47B1ED-05C6-43AD-85E9-3FF99C9F49B3}" type="datetimeFigureOut">
               <a:rPr lang="en-GB" smtClean="0"/>
-              <a:t>02/03/2018</a:t>
+              <a:t>28/03/2018</a:t>
             </a:fld>
             <a:endParaRPr lang="en-GB"/>
           </a:p>
@@ -2994,14 +2993,404 @@
       </p:grpSpPr>
       <p:sp>
         <p:nvSpPr>
-          <p:cNvPr id="4" name="Rectángulo redondeado 3"/>
+          <p:cNvPr id="22" name="CuadroTexto 21"/>
+          <p:cNvSpPr txBox="1"/>
+          <p:nvPr/>
+        </p:nvSpPr>
+        <p:spPr>
+          <a:xfrm>
+            <a:off x="3282608" y="628882"/>
+            <a:ext cx="2153154" cy="276999"/>
+          </a:xfrm>
+          <a:prstGeom prst="rect">
+            <a:avLst/>
+          </a:prstGeom>
+          <a:noFill/>
+        </p:spPr>
+        <p:txBody>
+          <a:bodyPr wrap="none" rtlCol="0">
+            <a:spAutoFit/>
+          </a:bodyPr>
+          <a:lstStyle/>
+          <a:p>
+            <a:pPr algn="r"/>
+            <a:r>
+              <a:rPr lang="en-GB" sz="1200" b="1" dirty="0" smtClean="0"/>
+              <a:t>Kick-off Meeting (23</a:t>
+            </a:r>
+            <a:r>
+              <a:rPr lang="en-GB" sz="1200" b="1" baseline="30000" dirty="0" smtClean="0"/>
+              <a:t>rd</a:t>
+            </a:r>
+            <a:r>
+              <a:rPr lang="en-GB" sz="1200" b="1" dirty="0" smtClean="0"/>
+              <a:t> January)</a:t>
+            </a:r>
+            <a:endParaRPr lang="en-GB" sz="1200" b="1" dirty="0"/>
+          </a:p>
+        </p:txBody>
+      </p:sp>
+      <p:sp>
+        <p:nvSpPr>
+          <p:cNvPr id="23" name="CuadroTexto 22"/>
+          <p:cNvSpPr txBox="1"/>
+          <p:nvPr/>
+        </p:nvSpPr>
+        <p:spPr>
+          <a:xfrm>
+            <a:off x="3196751" y="5997339"/>
+            <a:ext cx="2239011" cy="276999"/>
+          </a:xfrm>
+          <a:prstGeom prst="rect">
+            <a:avLst/>
+          </a:prstGeom>
+          <a:noFill/>
+        </p:spPr>
+        <p:txBody>
+          <a:bodyPr wrap="none" rtlCol="0">
+            <a:spAutoFit/>
+          </a:bodyPr>
+          <a:lstStyle/>
+          <a:p>
+            <a:pPr algn="r"/>
+            <a:r>
+              <a:rPr lang="en-GB" sz="1200" b="1" dirty="0" smtClean="0">
+                <a:solidFill>
+                  <a:schemeClr val="tx1">
+                    <a:lumMod val="65000"/>
+                    <a:lumOff val="35000"/>
+                  </a:schemeClr>
+                </a:solidFill>
+              </a:rPr>
+              <a:t>Release version 2.0.0 (25</a:t>
+            </a:r>
+            <a:r>
+              <a:rPr lang="en-GB" sz="1200" b="1" baseline="30000" dirty="0" smtClean="0">
+                <a:solidFill>
+                  <a:schemeClr val="tx1">
+                    <a:lumMod val="65000"/>
+                    <a:lumOff val="35000"/>
+                  </a:schemeClr>
+                </a:solidFill>
+              </a:rPr>
+              <a:t>th</a:t>
+            </a:r>
+            <a:r>
+              <a:rPr lang="en-GB" sz="1200" b="1" dirty="0" smtClean="0">
+                <a:solidFill>
+                  <a:schemeClr val="tx1">
+                    <a:lumMod val="65000"/>
+                    <a:lumOff val="35000"/>
+                  </a:schemeClr>
+                </a:solidFill>
+              </a:rPr>
+              <a:t> June)</a:t>
+            </a:r>
+            <a:endParaRPr lang="en-GB" sz="1200" b="1" dirty="0">
+              <a:solidFill>
+                <a:schemeClr val="tx1">
+                  <a:lumMod val="65000"/>
+                  <a:lumOff val="35000"/>
+                </a:schemeClr>
+              </a:solidFill>
+            </a:endParaRPr>
+          </a:p>
+        </p:txBody>
+      </p:sp>
+      <p:sp>
+        <p:nvSpPr>
+          <p:cNvPr id="26" name="CuadroTexto 25"/>
+          <p:cNvSpPr txBox="1"/>
+          <p:nvPr/>
+        </p:nvSpPr>
+        <p:spPr>
+          <a:xfrm>
+            <a:off x="1037229" y="1698856"/>
+            <a:ext cx="4398531" cy="646331"/>
+          </a:xfrm>
+          <a:prstGeom prst="rect">
+            <a:avLst/>
+          </a:prstGeom>
+          <a:noFill/>
+        </p:spPr>
+        <p:txBody>
+          <a:bodyPr wrap="square" rtlCol="0">
+            <a:spAutoFit/>
+          </a:bodyPr>
+          <a:lstStyle/>
+          <a:p>
+            <a:pPr algn="r"/>
+            <a:r>
+              <a:rPr lang="en-GB" sz="1200" dirty="0" smtClean="0"/>
+              <a:t>Working Group Meeting (23</a:t>
+            </a:r>
+            <a:r>
+              <a:rPr lang="en-GB" sz="1200" baseline="30000" dirty="0" smtClean="0"/>
+              <a:t>rd</a:t>
+            </a:r>
+            <a:r>
+              <a:rPr lang="en-GB" sz="1200" dirty="0" smtClean="0"/>
+              <a:t> February)</a:t>
+            </a:r>
+          </a:p>
+          <a:p>
+            <a:pPr algn="r"/>
+            <a:r>
+              <a:rPr lang="en-GB" sz="1200" i="1" dirty="0" smtClean="0"/>
+              <a:t>Subject: Presentation of the new mission, considerations on the scope and methodology.</a:t>
+            </a:r>
+            <a:endParaRPr lang="en-GB" sz="1200" i="1" dirty="0"/>
+          </a:p>
+        </p:txBody>
+      </p:sp>
+      <p:sp>
+        <p:nvSpPr>
+          <p:cNvPr id="29" name="CuadroTexto 28"/>
+          <p:cNvSpPr txBox="1"/>
+          <p:nvPr/>
+        </p:nvSpPr>
+        <p:spPr>
+          <a:xfrm>
+            <a:off x="1037228" y="2778415"/>
+            <a:ext cx="4398533" cy="646331"/>
+          </a:xfrm>
+          <a:prstGeom prst="rect">
+            <a:avLst/>
+          </a:prstGeom>
+          <a:noFill/>
+        </p:spPr>
+        <p:txBody>
+          <a:bodyPr wrap="square" rtlCol="0">
+            <a:spAutoFit/>
+          </a:bodyPr>
+          <a:lstStyle/>
+          <a:p>
+            <a:pPr algn="r"/>
+            <a:r>
+              <a:rPr lang="en-GB" sz="1200" dirty="0" smtClean="0"/>
+              <a:t>Working Group Meeting (28</a:t>
+            </a:r>
+            <a:r>
+              <a:rPr lang="en-GB" sz="1200" baseline="30000" dirty="0" smtClean="0"/>
+              <a:t>th</a:t>
+            </a:r>
+            <a:r>
+              <a:rPr lang="en-GB" sz="1200" dirty="0" smtClean="0"/>
+              <a:t> March)</a:t>
+            </a:r>
+          </a:p>
+          <a:p>
+            <a:pPr algn="r"/>
+            <a:r>
+              <a:rPr lang="en-GB" sz="1200" i="1" dirty="0" smtClean="0"/>
+              <a:t>Subject: </a:t>
+            </a:r>
+            <a:r>
+              <a:rPr lang="en-GB" sz="1200" i="1" dirty="0" err="1" smtClean="0"/>
+              <a:t>PoC</a:t>
+            </a:r>
+            <a:r>
+              <a:rPr lang="en-GB" sz="1200" i="1" dirty="0" smtClean="0"/>
+              <a:t> validation of the approach, the use case and the expected results.</a:t>
+            </a:r>
+            <a:endParaRPr lang="en-GB" sz="1200" i="1" dirty="0"/>
+          </a:p>
+        </p:txBody>
+      </p:sp>
+      <p:sp>
+        <p:nvSpPr>
+          <p:cNvPr id="31" name="CuadroTexto 30"/>
+          <p:cNvSpPr txBox="1"/>
+          <p:nvPr/>
+        </p:nvSpPr>
+        <p:spPr>
+          <a:xfrm>
+            <a:off x="1037228" y="3857974"/>
+            <a:ext cx="4398534" cy="646331"/>
+          </a:xfrm>
+          <a:prstGeom prst="rect">
+            <a:avLst/>
+          </a:prstGeom>
+          <a:noFill/>
+        </p:spPr>
+        <p:txBody>
+          <a:bodyPr wrap="square" rtlCol="0">
+            <a:spAutoFit/>
+          </a:bodyPr>
+          <a:lstStyle/>
+          <a:p>
+            <a:pPr algn="r"/>
+            <a:r>
+              <a:rPr lang="en-GB" sz="1200" dirty="0" smtClean="0">
+                <a:solidFill>
+                  <a:schemeClr val="tx1">
+                    <a:lumMod val="65000"/>
+                    <a:lumOff val="35000"/>
+                  </a:schemeClr>
+                </a:solidFill>
+              </a:rPr>
+              <a:t>Working Group Meeting (27</a:t>
+            </a:r>
+            <a:r>
+              <a:rPr lang="en-GB" sz="1200" baseline="30000" dirty="0" smtClean="0">
+                <a:solidFill>
+                  <a:schemeClr val="tx1">
+                    <a:lumMod val="65000"/>
+                    <a:lumOff val="35000"/>
+                  </a:schemeClr>
+                </a:solidFill>
+              </a:rPr>
+              <a:t>th</a:t>
+            </a:r>
+            <a:r>
+              <a:rPr lang="en-GB" sz="1200" dirty="0" smtClean="0">
+                <a:solidFill>
+                  <a:schemeClr val="tx1">
+                    <a:lumMod val="65000"/>
+                    <a:lumOff val="35000"/>
+                  </a:schemeClr>
+                </a:solidFill>
+              </a:rPr>
+              <a:t> April)</a:t>
+            </a:r>
+          </a:p>
+          <a:p>
+            <a:pPr algn="r"/>
+            <a:r>
+              <a:rPr lang="en-GB" sz="1200" i="1" dirty="0" smtClean="0">
+                <a:solidFill>
+                  <a:schemeClr val="tx1">
+                    <a:lumMod val="65000"/>
+                    <a:lumOff val="35000"/>
+                  </a:schemeClr>
+                </a:solidFill>
+              </a:rPr>
+              <a:t>Subject: Revision of the ontology, conceptual model and design considerations.</a:t>
+            </a:r>
+            <a:endParaRPr lang="en-GB" sz="1200" i="1" dirty="0">
+              <a:solidFill>
+                <a:schemeClr val="tx1">
+                  <a:lumMod val="65000"/>
+                  <a:lumOff val="35000"/>
+                </a:schemeClr>
+              </a:solidFill>
+            </a:endParaRPr>
+          </a:p>
+        </p:txBody>
+      </p:sp>
+      <p:sp>
+        <p:nvSpPr>
+          <p:cNvPr id="33" name="CuadroTexto 32"/>
+          <p:cNvSpPr txBox="1"/>
+          <p:nvPr/>
+        </p:nvSpPr>
+        <p:spPr>
+          <a:xfrm>
+            <a:off x="1037228" y="4934794"/>
+            <a:ext cx="4398534" cy="646331"/>
+          </a:xfrm>
+          <a:prstGeom prst="rect">
+            <a:avLst/>
+          </a:prstGeom>
+          <a:noFill/>
+        </p:spPr>
+        <p:txBody>
+          <a:bodyPr wrap="square" rtlCol="0">
+            <a:spAutoFit/>
+          </a:bodyPr>
+          <a:lstStyle/>
+          <a:p>
+            <a:pPr algn="r"/>
+            <a:r>
+              <a:rPr lang="en-GB" sz="1200" dirty="0" smtClean="0">
+                <a:solidFill>
+                  <a:schemeClr val="tx1">
+                    <a:lumMod val="65000"/>
+                    <a:lumOff val="35000"/>
+                  </a:schemeClr>
+                </a:solidFill>
+              </a:rPr>
+              <a:t>Working Group Meeting (1</a:t>
+            </a:r>
+            <a:r>
+              <a:rPr lang="en-GB" sz="1200" baseline="30000" dirty="0" smtClean="0">
+                <a:solidFill>
+                  <a:schemeClr val="tx1">
+                    <a:lumMod val="65000"/>
+                    <a:lumOff val="35000"/>
+                  </a:schemeClr>
+                </a:solidFill>
+              </a:rPr>
+              <a:t>st</a:t>
+            </a:r>
+            <a:r>
+              <a:rPr lang="en-GB" sz="1200" dirty="0" smtClean="0">
+                <a:solidFill>
+                  <a:schemeClr val="tx1">
+                    <a:lumMod val="65000"/>
+                    <a:lumOff val="35000"/>
+                  </a:schemeClr>
+                </a:solidFill>
+              </a:rPr>
+              <a:t> June)</a:t>
+            </a:r>
+          </a:p>
+          <a:p>
+            <a:pPr algn="r"/>
+            <a:r>
+              <a:rPr lang="en-GB" sz="1200" i="1" dirty="0" smtClean="0">
+                <a:solidFill>
+                  <a:schemeClr val="tx1">
+                    <a:lumMod val="65000"/>
+                    <a:lumOff val="35000"/>
+                  </a:schemeClr>
+                </a:solidFill>
+              </a:rPr>
+              <a:t>Subject: Revision of the ontology, OWL implementation and results of the </a:t>
+            </a:r>
+            <a:r>
+              <a:rPr lang="en-GB" sz="1200" i="1" dirty="0" err="1" smtClean="0">
+                <a:solidFill>
+                  <a:schemeClr val="tx1">
+                    <a:lumMod val="65000"/>
+                    <a:lumOff val="35000"/>
+                  </a:schemeClr>
+                </a:solidFill>
+              </a:rPr>
+              <a:t>PoC</a:t>
+            </a:r>
+            <a:r>
+              <a:rPr lang="en-GB" sz="1200" i="1" dirty="0" smtClean="0">
+                <a:solidFill>
+                  <a:schemeClr val="tx1">
+                    <a:lumMod val="65000"/>
+                    <a:lumOff val="35000"/>
+                  </a:schemeClr>
+                </a:solidFill>
+              </a:rPr>
+              <a:t>.</a:t>
+            </a:r>
+            <a:endParaRPr lang="en-GB" sz="1200" i="1" dirty="0">
+              <a:solidFill>
+                <a:schemeClr val="tx1">
+                  <a:lumMod val="65000"/>
+                  <a:lumOff val="35000"/>
+                </a:schemeClr>
+              </a:solidFill>
+            </a:endParaRPr>
+          </a:p>
+        </p:txBody>
+      </p:sp>
+      <p:sp>
+        <p:nvSpPr>
+          <p:cNvPr id="20" name="Rectángulo redondeado 19"/>
           <p:cNvSpPr/>
           <p:nvPr/>
         </p:nvSpPr>
         <p:spPr>
-          <a:xfrm>
-            <a:off x="897924" y="2207740"/>
-            <a:ext cx="5400000" cy="115330"/>
+          <a:xfrm rot="5400000">
+            <a:off x="2837948" y="3401715"/>
+            <a:ext cx="5400000" cy="118800"/>
           </a:xfrm>
           <a:prstGeom prst="roundRect">
             <a:avLst/>
@@ -3040,13 +3429,13 @@
       </p:sp>
       <p:sp>
         <p:nvSpPr>
-          <p:cNvPr id="5" name="Elipse 4"/>
+          <p:cNvPr id="21" name="Elipse 20"/>
           <p:cNvSpPr/>
           <p:nvPr/>
         </p:nvSpPr>
         <p:spPr>
-          <a:xfrm>
-            <a:off x="864972" y="2207740"/>
+          <a:xfrm rot="5400000">
+            <a:off x="5480652" y="728163"/>
             <a:ext cx="115330" cy="115330"/>
           </a:xfrm>
           <a:prstGeom prst="ellipse">
@@ -3083,118 +3472,14 @@
       </p:sp>
       <p:sp>
         <p:nvSpPr>
-          <p:cNvPr id="6" name="CuadroTexto 5"/>
-          <p:cNvSpPr txBox="1"/>
-          <p:nvPr/>
-        </p:nvSpPr>
-        <p:spPr>
-          <a:xfrm rot="19017403">
-            <a:off x="564551" y="1386694"/>
-            <a:ext cx="1976823" cy="253916"/>
-          </a:xfrm>
-          <a:prstGeom prst="rect">
-            <a:avLst/>
-          </a:prstGeom>
-          <a:noFill/>
-        </p:spPr>
-        <p:txBody>
-          <a:bodyPr wrap="none" rtlCol="0">
-            <a:spAutoFit/>
-          </a:bodyPr>
-          <a:lstStyle/>
-          <a:p>
-            <a:r>
-              <a:rPr lang="en-GB" sz="1050" b="1" dirty="0" smtClean="0"/>
-              <a:t>Kick-off Meeting (23</a:t>
-            </a:r>
-            <a:r>
-              <a:rPr lang="en-GB" sz="1050" b="1" baseline="30000" dirty="0" smtClean="0"/>
-              <a:t>rd</a:t>
-            </a:r>
-            <a:r>
-              <a:rPr lang="en-GB" sz="1050" b="1" dirty="0" smtClean="0"/>
-              <a:t> January)</a:t>
-            </a:r>
-            <a:endParaRPr lang="en-GB" sz="1050" b="1" dirty="0"/>
-          </a:p>
-        </p:txBody>
-      </p:sp>
-      <p:sp>
-        <p:nvSpPr>
-          <p:cNvPr id="8" name="CuadroTexto 7"/>
-          <p:cNvSpPr txBox="1"/>
-          <p:nvPr/>
-        </p:nvSpPr>
-        <p:spPr>
-          <a:xfrm rot="19017403">
-            <a:off x="5936044" y="1384506"/>
-            <a:ext cx="1983235" cy="253916"/>
-          </a:xfrm>
-          <a:prstGeom prst="rect">
-            <a:avLst/>
-          </a:prstGeom>
-          <a:noFill/>
-        </p:spPr>
-        <p:txBody>
-          <a:bodyPr wrap="none" rtlCol="0">
-            <a:spAutoFit/>
-          </a:bodyPr>
-          <a:lstStyle/>
-          <a:p>
-            <a:r>
-              <a:rPr lang="en-GB" sz="1050" b="1" dirty="0" smtClean="0">
-                <a:solidFill>
-                  <a:schemeClr val="tx1">
-                    <a:lumMod val="65000"/>
-                    <a:lumOff val="35000"/>
-                  </a:schemeClr>
-                </a:solidFill>
-              </a:rPr>
-              <a:t>Release version 2.0.0 (25</a:t>
-            </a:r>
-            <a:r>
-              <a:rPr lang="en-GB" sz="1050" b="1" baseline="30000" dirty="0" smtClean="0">
-                <a:solidFill>
-                  <a:schemeClr val="tx1">
-                    <a:lumMod val="65000"/>
-                    <a:lumOff val="35000"/>
-                  </a:schemeClr>
-                </a:solidFill>
-              </a:rPr>
-              <a:t>th</a:t>
-            </a:r>
-            <a:r>
-              <a:rPr lang="en-GB" sz="1050" b="1" dirty="0" smtClean="0">
-                <a:solidFill>
-                  <a:schemeClr val="tx1">
-                    <a:lumMod val="65000"/>
-                    <a:lumOff val="35000"/>
-                  </a:schemeClr>
-                </a:solidFill>
-              </a:rPr>
-              <a:t> June)</a:t>
-            </a:r>
-            <a:endParaRPr lang="en-GB" sz="1050" b="1" dirty="0">
-              <a:solidFill>
-                <a:schemeClr val="tx1">
-                  <a:lumMod val="65000"/>
-                  <a:lumOff val="35000"/>
-                </a:schemeClr>
-              </a:solidFill>
-            </a:endParaRPr>
-          </a:p>
-        </p:txBody>
-      </p:sp>
-      <p:sp>
-        <p:nvSpPr>
-          <p:cNvPr id="19" name="Rectángulo redondeado 18"/>
+          <p:cNvPr id="24" name="Rectángulo redondeado 23"/>
           <p:cNvSpPr/>
           <p:nvPr/>
         </p:nvSpPr>
         <p:spPr>
-          <a:xfrm>
-            <a:off x="1991665" y="2206939"/>
-            <a:ext cx="4320000" cy="115330"/>
+          <a:xfrm rot="5400000">
+            <a:off x="3920190" y="4465620"/>
+            <a:ext cx="3240000" cy="122400"/>
           </a:xfrm>
           <a:prstGeom prst="roundRect">
             <a:avLst/>
@@ -3233,1822 +3518,14 @@
       </p:sp>
       <p:sp>
         <p:nvSpPr>
-          <p:cNvPr id="11" name="Elipse 10"/>
-          <p:cNvSpPr/>
-          <p:nvPr/>
-        </p:nvSpPr>
-        <p:spPr>
-          <a:xfrm>
-            <a:off x="1934946" y="2207740"/>
-            <a:ext cx="115330" cy="115330"/>
-          </a:xfrm>
-          <a:prstGeom prst="ellipse">
-            <a:avLst/>
-          </a:prstGeom>
-          <a:ln>
-            <a:noFill/>
-          </a:ln>
-        </p:spPr>
-        <p:style>
-          <a:lnRef idx="2">
-            <a:schemeClr val="dk1">
-              <a:shade val="50000"/>
-            </a:schemeClr>
-          </a:lnRef>
-          <a:fillRef idx="1">
-            <a:schemeClr val="dk1"/>
-          </a:fillRef>
-          <a:effectRef idx="0">
-            <a:schemeClr val="dk1"/>
-          </a:effectRef>
-          <a:fontRef idx="minor">
-            <a:schemeClr val="lt1"/>
-          </a:fontRef>
-        </p:style>
-        <p:txBody>
-          <a:bodyPr rtlCol="0" anchor="ctr"/>
-          <a:lstStyle/>
-          <a:p>
-            <a:pPr algn="ctr"/>
-            <a:endParaRPr lang="en-GB"/>
-          </a:p>
-        </p:txBody>
-      </p:sp>
-      <p:sp>
-        <p:nvSpPr>
-          <p:cNvPr id="12" name="CuadroTexto 11"/>
-          <p:cNvSpPr txBox="1"/>
-          <p:nvPr/>
-        </p:nvSpPr>
-        <p:spPr>
-          <a:xfrm rot="19017403">
-            <a:off x="1574069" y="1232968"/>
-            <a:ext cx="2427268" cy="253916"/>
-          </a:xfrm>
-          <a:prstGeom prst="rect">
-            <a:avLst/>
-          </a:prstGeom>
-          <a:noFill/>
-        </p:spPr>
-        <p:txBody>
-          <a:bodyPr wrap="none" rtlCol="0">
-            <a:spAutoFit/>
-          </a:bodyPr>
-          <a:lstStyle/>
-          <a:p>
-            <a:r>
-              <a:rPr lang="en-GB" sz="1050" dirty="0" smtClean="0"/>
-              <a:t>Working Group Meeting (23</a:t>
-            </a:r>
-            <a:r>
-              <a:rPr lang="en-GB" sz="1050" baseline="30000" dirty="0" smtClean="0"/>
-              <a:t>rd</a:t>
-            </a:r>
-            <a:r>
-              <a:rPr lang="en-GB" sz="1050" dirty="0" smtClean="0"/>
-              <a:t> February)</a:t>
-            </a:r>
-            <a:endParaRPr lang="en-GB" sz="1050" dirty="0"/>
-          </a:p>
-        </p:txBody>
-      </p:sp>
-      <p:sp>
-        <p:nvSpPr>
-          <p:cNvPr id="7" name="Elipse 6"/>
-          <p:cNvSpPr/>
-          <p:nvPr/>
-        </p:nvSpPr>
-        <p:spPr>
-          <a:xfrm>
-            <a:off x="6231323" y="2206939"/>
-            <a:ext cx="115330" cy="115330"/>
-          </a:xfrm>
-          <a:prstGeom prst="ellipse">
-            <a:avLst/>
-          </a:prstGeom>
-          <a:solidFill>
-            <a:schemeClr val="tx1">
-              <a:lumMod val="65000"/>
-              <a:lumOff val="35000"/>
-            </a:schemeClr>
-          </a:solidFill>
-          <a:ln>
-            <a:noFill/>
-          </a:ln>
-        </p:spPr>
-        <p:style>
-          <a:lnRef idx="2">
-            <a:schemeClr val="dk1">
-              <a:shade val="50000"/>
-            </a:schemeClr>
-          </a:lnRef>
-          <a:fillRef idx="1">
-            <a:schemeClr val="dk1"/>
-          </a:fillRef>
-          <a:effectRef idx="0">
-            <a:schemeClr val="dk1"/>
-          </a:effectRef>
-          <a:fontRef idx="minor">
-            <a:schemeClr val="lt1"/>
-          </a:fontRef>
-        </p:style>
-        <p:txBody>
-          <a:bodyPr rtlCol="0" anchor="ctr"/>
-          <a:lstStyle/>
-          <a:p>
-            <a:pPr algn="ctr"/>
-            <a:endParaRPr lang="en-GB"/>
-          </a:p>
-        </p:txBody>
-      </p:sp>
-      <p:sp>
-        <p:nvSpPr>
-          <p:cNvPr id="13" name="Elipse 12"/>
-          <p:cNvSpPr/>
-          <p:nvPr/>
-        </p:nvSpPr>
-        <p:spPr>
-          <a:xfrm>
-            <a:off x="3000571" y="2207741"/>
-            <a:ext cx="115330" cy="115330"/>
-          </a:xfrm>
-          <a:prstGeom prst="ellipse">
-            <a:avLst/>
-          </a:prstGeom>
-          <a:solidFill>
-            <a:schemeClr val="tx1">
-              <a:lumMod val="65000"/>
-              <a:lumOff val="35000"/>
-            </a:schemeClr>
-          </a:solidFill>
-          <a:ln>
-            <a:noFill/>
-          </a:ln>
-        </p:spPr>
-        <p:style>
-          <a:lnRef idx="2">
-            <a:schemeClr val="dk1">
-              <a:shade val="50000"/>
-            </a:schemeClr>
-          </a:lnRef>
-          <a:fillRef idx="1">
-            <a:schemeClr val="dk1"/>
-          </a:fillRef>
-          <a:effectRef idx="0">
-            <a:schemeClr val="dk1"/>
-          </a:effectRef>
-          <a:fontRef idx="minor">
-            <a:schemeClr val="lt1"/>
-          </a:fontRef>
-        </p:style>
-        <p:txBody>
-          <a:bodyPr rtlCol="0" anchor="ctr"/>
-          <a:lstStyle/>
-          <a:p>
-            <a:pPr algn="ctr"/>
-            <a:endParaRPr lang="en-GB"/>
-          </a:p>
-        </p:txBody>
-      </p:sp>
-      <p:sp>
-        <p:nvSpPr>
-          <p:cNvPr id="14" name="CuadroTexto 13"/>
-          <p:cNvSpPr txBox="1"/>
-          <p:nvPr/>
-        </p:nvSpPr>
-        <p:spPr>
-          <a:xfrm rot="19017403">
-            <a:off x="2676384" y="1302993"/>
-            <a:ext cx="2222083" cy="253916"/>
-          </a:xfrm>
-          <a:prstGeom prst="rect">
-            <a:avLst/>
-          </a:prstGeom>
-          <a:noFill/>
-        </p:spPr>
-        <p:txBody>
-          <a:bodyPr wrap="none" rtlCol="0">
-            <a:spAutoFit/>
-          </a:bodyPr>
-          <a:lstStyle/>
-          <a:p>
-            <a:r>
-              <a:rPr lang="en-GB" sz="1050" dirty="0" smtClean="0">
-                <a:solidFill>
-                  <a:schemeClr val="tx1">
-                    <a:lumMod val="65000"/>
-                    <a:lumOff val="35000"/>
-                  </a:schemeClr>
-                </a:solidFill>
-              </a:rPr>
-              <a:t>Working Group Meeting (28</a:t>
-            </a:r>
-            <a:r>
-              <a:rPr lang="en-GB" sz="1050" baseline="30000" dirty="0" smtClean="0">
-                <a:solidFill>
-                  <a:schemeClr val="tx1">
-                    <a:lumMod val="65000"/>
-                    <a:lumOff val="35000"/>
-                  </a:schemeClr>
-                </a:solidFill>
-              </a:rPr>
-              <a:t>th</a:t>
-            </a:r>
-            <a:r>
-              <a:rPr lang="en-GB" sz="1050" dirty="0" smtClean="0">
-                <a:solidFill>
-                  <a:schemeClr val="tx1">
-                    <a:lumMod val="65000"/>
-                    <a:lumOff val="35000"/>
-                  </a:schemeClr>
-                </a:solidFill>
-              </a:rPr>
-              <a:t> March)</a:t>
-            </a:r>
-            <a:endParaRPr lang="en-GB" sz="1050" dirty="0">
-              <a:solidFill>
-                <a:schemeClr val="tx1">
-                  <a:lumMod val="65000"/>
-                  <a:lumOff val="35000"/>
-                </a:schemeClr>
-              </a:solidFill>
-            </a:endParaRPr>
-          </a:p>
-        </p:txBody>
-      </p:sp>
-      <p:sp>
-        <p:nvSpPr>
-          <p:cNvPr id="15" name="Elipse 14"/>
-          <p:cNvSpPr/>
-          <p:nvPr/>
-        </p:nvSpPr>
-        <p:spPr>
-          <a:xfrm>
-            <a:off x="4064768" y="2207741"/>
-            <a:ext cx="115330" cy="115330"/>
-          </a:xfrm>
-          <a:prstGeom prst="ellipse">
-            <a:avLst/>
-          </a:prstGeom>
-          <a:solidFill>
-            <a:schemeClr val="tx1">
-              <a:lumMod val="65000"/>
-              <a:lumOff val="35000"/>
-            </a:schemeClr>
-          </a:solidFill>
-          <a:ln>
-            <a:noFill/>
-          </a:ln>
-        </p:spPr>
-        <p:style>
-          <a:lnRef idx="2">
-            <a:schemeClr val="dk1">
-              <a:shade val="50000"/>
-            </a:schemeClr>
-          </a:lnRef>
-          <a:fillRef idx="1">
-            <a:schemeClr val="dk1"/>
-          </a:fillRef>
-          <a:effectRef idx="0">
-            <a:schemeClr val="dk1"/>
-          </a:effectRef>
-          <a:fontRef idx="minor">
-            <a:schemeClr val="lt1"/>
-          </a:fontRef>
-        </p:style>
-        <p:txBody>
-          <a:bodyPr rtlCol="0" anchor="ctr"/>
-          <a:lstStyle/>
-          <a:p>
-            <a:pPr algn="ctr"/>
-            <a:endParaRPr lang="en-GB"/>
-          </a:p>
-        </p:txBody>
-      </p:sp>
-      <p:sp>
-        <p:nvSpPr>
-          <p:cNvPr id="16" name="CuadroTexto 15"/>
-          <p:cNvSpPr txBox="1"/>
-          <p:nvPr/>
-        </p:nvSpPr>
-        <p:spPr>
-          <a:xfrm rot="19017403">
-            <a:off x="3740045" y="1336364"/>
-            <a:ext cx="2124299" cy="253916"/>
-          </a:xfrm>
-          <a:prstGeom prst="rect">
-            <a:avLst/>
-          </a:prstGeom>
-          <a:noFill/>
-        </p:spPr>
-        <p:txBody>
-          <a:bodyPr wrap="none" rtlCol="0">
-            <a:spAutoFit/>
-          </a:bodyPr>
-          <a:lstStyle/>
-          <a:p>
-            <a:r>
-              <a:rPr lang="en-GB" sz="1050" dirty="0" smtClean="0">
-                <a:solidFill>
-                  <a:schemeClr val="tx1">
-                    <a:lumMod val="65000"/>
-                    <a:lumOff val="35000"/>
-                  </a:schemeClr>
-                </a:solidFill>
-              </a:rPr>
-              <a:t>Working Group Meeting (27</a:t>
-            </a:r>
-            <a:r>
-              <a:rPr lang="en-GB" sz="1050" baseline="30000" dirty="0" smtClean="0">
-                <a:solidFill>
-                  <a:schemeClr val="tx1">
-                    <a:lumMod val="65000"/>
-                    <a:lumOff val="35000"/>
-                  </a:schemeClr>
-                </a:solidFill>
-              </a:rPr>
-              <a:t>th</a:t>
-            </a:r>
-            <a:r>
-              <a:rPr lang="en-GB" sz="1050" dirty="0" smtClean="0">
-                <a:solidFill>
-                  <a:schemeClr val="tx1">
-                    <a:lumMod val="65000"/>
-                    <a:lumOff val="35000"/>
-                  </a:schemeClr>
-                </a:solidFill>
-              </a:rPr>
-              <a:t> April)</a:t>
-            </a:r>
-            <a:endParaRPr lang="en-GB" sz="1050" dirty="0">
-              <a:solidFill>
-                <a:schemeClr val="tx1">
-                  <a:lumMod val="65000"/>
-                  <a:lumOff val="35000"/>
-                </a:schemeClr>
-              </a:solidFill>
-            </a:endParaRPr>
-          </a:p>
-        </p:txBody>
-      </p:sp>
-      <p:sp>
-        <p:nvSpPr>
-          <p:cNvPr id="17" name="Elipse 16"/>
-          <p:cNvSpPr/>
-          <p:nvPr/>
-        </p:nvSpPr>
-        <p:spPr>
-          <a:xfrm>
-            <a:off x="5173458" y="2206939"/>
-            <a:ext cx="115330" cy="115330"/>
-          </a:xfrm>
-          <a:prstGeom prst="ellipse">
-            <a:avLst/>
-          </a:prstGeom>
-          <a:solidFill>
-            <a:schemeClr val="tx1">
-              <a:lumMod val="65000"/>
-              <a:lumOff val="35000"/>
-            </a:schemeClr>
-          </a:solidFill>
-          <a:ln>
-            <a:noFill/>
-          </a:ln>
-        </p:spPr>
-        <p:style>
-          <a:lnRef idx="2">
-            <a:schemeClr val="dk1">
-              <a:shade val="50000"/>
-            </a:schemeClr>
-          </a:lnRef>
-          <a:fillRef idx="1">
-            <a:schemeClr val="dk1"/>
-          </a:fillRef>
-          <a:effectRef idx="0">
-            <a:schemeClr val="dk1"/>
-          </a:effectRef>
-          <a:fontRef idx="minor">
-            <a:schemeClr val="lt1"/>
-          </a:fontRef>
-        </p:style>
-        <p:txBody>
-          <a:bodyPr rtlCol="0" anchor="ctr"/>
-          <a:lstStyle/>
-          <a:p>
-            <a:pPr algn="ctr"/>
-            <a:endParaRPr lang="en-GB"/>
-          </a:p>
-        </p:txBody>
-      </p:sp>
-      <p:sp>
-        <p:nvSpPr>
-          <p:cNvPr id="18" name="CuadroTexto 17"/>
-          <p:cNvSpPr txBox="1"/>
-          <p:nvPr/>
-        </p:nvSpPr>
-        <p:spPr>
-          <a:xfrm rot="19017403">
-            <a:off x="4866500" y="1365358"/>
-            <a:ext cx="2039341" cy="253916"/>
-          </a:xfrm>
-          <a:prstGeom prst="rect">
-            <a:avLst/>
-          </a:prstGeom>
-          <a:noFill/>
-        </p:spPr>
-        <p:txBody>
-          <a:bodyPr wrap="none" rtlCol="0">
-            <a:spAutoFit/>
-          </a:bodyPr>
-          <a:lstStyle/>
-          <a:p>
-            <a:r>
-              <a:rPr lang="en-GB" sz="1050" dirty="0" smtClean="0">
-                <a:solidFill>
-                  <a:schemeClr val="tx1">
-                    <a:lumMod val="65000"/>
-                    <a:lumOff val="35000"/>
-                  </a:schemeClr>
-                </a:solidFill>
-              </a:rPr>
-              <a:t>Working Group Meeting (1</a:t>
-            </a:r>
-            <a:r>
-              <a:rPr lang="en-GB" sz="1050" baseline="30000" dirty="0" smtClean="0">
-                <a:solidFill>
-                  <a:schemeClr val="tx1">
-                    <a:lumMod val="65000"/>
-                    <a:lumOff val="35000"/>
-                  </a:schemeClr>
-                </a:solidFill>
-              </a:rPr>
-              <a:t>st</a:t>
-            </a:r>
-            <a:r>
-              <a:rPr lang="en-GB" sz="1050" dirty="0" smtClean="0">
-                <a:solidFill>
-                  <a:schemeClr val="tx1">
-                    <a:lumMod val="65000"/>
-                    <a:lumOff val="35000"/>
-                  </a:schemeClr>
-                </a:solidFill>
-              </a:rPr>
-              <a:t> June)</a:t>
-            </a:r>
-            <a:endParaRPr lang="en-GB" sz="1050" dirty="0">
-              <a:solidFill>
-                <a:schemeClr val="tx1">
-                  <a:lumMod val="65000"/>
-                  <a:lumOff val="35000"/>
-                </a:schemeClr>
-              </a:solidFill>
-            </a:endParaRPr>
-          </a:p>
-        </p:txBody>
-      </p:sp>
-      <p:pic>
-        <p:nvPicPr>
-          <p:cNvPr id="1026" name="Picture 2" descr="Image result for google maps location symbol png"/>
-          <p:cNvPicPr>
-            <a:picLocks noChangeAspect="1" noChangeArrowheads="1"/>
-          </p:cNvPicPr>
-          <p:nvPr/>
-        </p:nvPicPr>
-        <p:blipFill>
-          <a:blip r:embed="rId2" cstate="print">
-            <a:extLst>
-              <a:ext uri="{28A0092B-C50C-407E-A947-70E740481C1C}">
-                <a14:useLocalDpi xmlns:a14="http://schemas.microsoft.com/office/drawing/2010/main" val="0"/>
-              </a:ext>
-            </a:extLst>
-          </a:blip>
-          <a:srcRect/>
-          <a:stretch>
-            <a:fillRect/>
-          </a:stretch>
-        </p:blipFill>
-        <p:spPr bwMode="auto">
-          <a:xfrm rot="10800000">
-            <a:off x="1846274" y="2322269"/>
-            <a:ext cx="273358" cy="273358"/>
-          </a:xfrm>
-          <a:prstGeom prst="rect">
-            <a:avLst/>
-          </a:prstGeom>
-          <a:noFill/>
-          <a:extLst>
-            <a:ext uri="{909E8E84-426E-40DD-AFC4-6F175D3DCCD1}">
-              <a14:hiddenFill xmlns:a14="http://schemas.microsoft.com/office/drawing/2010/main">
-                <a:solidFill>
-                  <a:srgbClr val="FFFFFF"/>
-                </a:solidFill>
-              </a14:hiddenFill>
-            </a:ext>
-          </a:extLst>
-        </p:spPr>
-      </p:pic>
-      <p:sp>
-        <p:nvSpPr>
-          <p:cNvPr id="20" name="Rectángulo redondeado 19"/>
-          <p:cNvSpPr/>
-          <p:nvPr/>
-        </p:nvSpPr>
-        <p:spPr>
-          <a:xfrm>
-            <a:off x="956535" y="3640301"/>
-            <a:ext cx="5400000" cy="115330"/>
-          </a:xfrm>
-          <a:prstGeom prst="roundRect">
-            <a:avLst/>
-          </a:prstGeom>
-          <a:solidFill>
-            <a:srgbClr val="9AAE04"/>
-          </a:solidFill>
-          <a:ln>
-            <a:noFill/>
-          </a:ln>
-        </p:spPr>
-        <p:style>
-          <a:lnRef idx="2">
-            <a:schemeClr val="accent1">
-              <a:shade val="50000"/>
-            </a:schemeClr>
-          </a:lnRef>
-          <a:fillRef idx="1">
-            <a:schemeClr val="accent1"/>
-          </a:fillRef>
-          <a:effectRef idx="0">
-            <a:schemeClr val="accent1"/>
-          </a:effectRef>
-          <a:fontRef idx="minor">
-            <a:schemeClr val="lt1"/>
-          </a:fontRef>
-        </p:style>
-        <p:txBody>
-          <a:bodyPr rtlCol="0" anchor="ctr"/>
-          <a:lstStyle/>
-          <a:p>
-            <a:pPr algn="ctr"/>
-            <a:endParaRPr lang="en-GB"/>
-          </a:p>
-        </p:txBody>
-      </p:sp>
-      <p:sp>
-        <p:nvSpPr>
-          <p:cNvPr id="21" name="Elipse 20"/>
-          <p:cNvSpPr/>
-          <p:nvPr/>
-        </p:nvSpPr>
-        <p:spPr>
-          <a:xfrm>
-            <a:off x="923583" y="3640301"/>
-            <a:ext cx="115330" cy="115330"/>
-          </a:xfrm>
-          <a:prstGeom prst="ellipse">
-            <a:avLst/>
-          </a:prstGeom>
-          <a:ln>
-            <a:noFill/>
-          </a:ln>
-        </p:spPr>
-        <p:style>
-          <a:lnRef idx="2">
-            <a:schemeClr val="dk1">
-              <a:shade val="50000"/>
-            </a:schemeClr>
-          </a:lnRef>
-          <a:fillRef idx="1">
-            <a:schemeClr val="dk1"/>
-          </a:fillRef>
-          <a:effectRef idx="0">
-            <a:schemeClr val="dk1"/>
-          </a:effectRef>
-          <a:fontRef idx="minor">
-            <a:schemeClr val="lt1"/>
-          </a:fontRef>
-        </p:style>
-        <p:txBody>
-          <a:bodyPr rtlCol="0" anchor="ctr"/>
-          <a:lstStyle/>
-          <a:p>
-            <a:pPr algn="ctr"/>
-            <a:endParaRPr lang="en-GB"/>
-          </a:p>
-        </p:txBody>
-      </p:sp>
-      <p:sp>
-        <p:nvSpPr>
-          <p:cNvPr id="22" name="CuadroTexto 21"/>
-          <p:cNvSpPr txBox="1"/>
-          <p:nvPr/>
-        </p:nvSpPr>
-        <p:spPr>
-          <a:xfrm rot="2817403">
-            <a:off x="567466" y="4410379"/>
-            <a:ext cx="1976823" cy="253916"/>
-          </a:xfrm>
-          <a:prstGeom prst="rect">
-            <a:avLst/>
-          </a:prstGeom>
-          <a:noFill/>
-        </p:spPr>
-        <p:txBody>
-          <a:bodyPr wrap="none" rtlCol="0">
-            <a:spAutoFit/>
-          </a:bodyPr>
-          <a:lstStyle/>
-          <a:p>
-            <a:r>
-              <a:rPr lang="en-GB" sz="1050" b="1" dirty="0" smtClean="0"/>
-              <a:t>Kick-off Meeting (23</a:t>
-            </a:r>
-            <a:r>
-              <a:rPr lang="en-GB" sz="1050" b="1" baseline="30000" dirty="0" smtClean="0"/>
-              <a:t>rd</a:t>
-            </a:r>
-            <a:r>
-              <a:rPr lang="en-GB" sz="1050" b="1" dirty="0" smtClean="0"/>
-              <a:t> January)</a:t>
-            </a:r>
-            <a:endParaRPr lang="en-GB" sz="1050" b="1" dirty="0"/>
-          </a:p>
-        </p:txBody>
-      </p:sp>
-      <p:sp>
-        <p:nvSpPr>
-          <p:cNvPr id="23" name="CuadroTexto 22"/>
-          <p:cNvSpPr txBox="1"/>
-          <p:nvPr/>
-        </p:nvSpPr>
-        <p:spPr>
-          <a:xfrm rot="2817403">
-            <a:off x="5938959" y="4412722"/>
-            <a:ext cx="1983235" cy="253916"/>
-          </a:xfrm>
-          <a:prstGeom prst="rect">
-            <a:avLst/>
-          </a:prstGeom>
-          <a:noFill/>
-        </p:spPr>
-        <p:txBody>
-          <a:bodyPr wrap="none" rtlCol="0">
-            <a:spAutoFit/>
-          </a:bodyPr>
-          <a:lstStyle/>
-          <a:p>
-            <a:r>
-              <a:rPr lang="en-GB" sz="1050" b="1" dirty="0" smtClean="0">
-                <a:solidFill>
-                  <a:schemeClr val="tx1">
-                    <a:lumMod val="65000"/>
-                    <a:lumOff val="35000"/>
-                  </a:schemeClr>
-                </a:solidFill>
-              </a:rPr>
-              <a:t>Release version 2.0.0 (25</a:t>
-            </a:r>
-            <a:r>
-              <a:rPr lang="en-GB" sz="1050" b="1" baseline="30000" dirty="0" smtClean="0">
-                <a:solidFill>
-                  <a:schemeClr val="tx1">
-                    <a:lumMod val="65000"/>
-                    <a:lumOff val="35000"/>
-                  </a:schemeClr>
-                </a:solidFill>
-              </a:rPr>
-              <a:t>th</a:t>
-            </a:r>
-            <a:r>
-              <a:rPr lang="en-GB" sz="1050" b="1" dirty="0" smtClean="0">
-                <a:solidFill>
-                  <a:schemeClr val="tx1">
-                    <a:lumMod val="65000"/>
-                    <a:lumOff val="35000"/>
-                  </a:schemeClr>
-                </a:solidFill>
-              </a:rPr>
-              <a:t> June)</a:t>
-            </a:r>
-            <a:endParaRPr lang="en-GB" sz="1050" b="1" dirty="0">
-              <a:solidFill>
-                <a:schemeClr val="tx1">
-                  <a:lumMod val="65000"/>
-                  <a:lumOff val="35000"/>
-                </a:schemeClr>
-              </a:solidFill>
-            </a:endParaRPr>
-          </a:p>
-        </p:txBody>
-      </p:sp>
-      <p:sp>
-        <p:nvSpPr>
-          <p:cNvPr id="24" name="Rectángulo redondeado 23"/>
-          <p:cNvSpPr/>
-          <p:nvPr/>
-        </p:nvSpPr>
-        <p:spPr>
-          <a:xfrm>
-            <a:off x="3119223" y="3639500"/>
-            <a:ext cx="3204000" cy="115330"/>
-          </a:xfrm>
-          <a:prstGeom prst="roundRect">
-            <a:avLst/>
-          </a:prstGeom>
-          <a:solidFill>
-            <a:srgbClr val="F8FECA"/>
-          </a:solidFill>
-          <a:ln>
-            <a:noFill/>
-          </a:ln>
-        </p:spPr>
-        <p:style>
-          <a:lnRef idx="2">
-            <a:schemeClr val="accent1">
-              <a:shade val="50000"/>
-            </a:schemeClr>
-          </a:lnRef>
-          <a:fillRef idx="1">
-            <a:schemeClr val="accent1"/>
-          </a:fillRef>
-          <a:effectRef idx="0">
-            <a:schemeClr val="accent1"/>
-          </a:effectRef>
-          <a:fontRef idx="minor">
-            <a:schemeClr val="lt1"/>
-          </a:fontRef>
-        </p:style>
-        <p:txBody>
-          <a:bodyPr rtlCol="0" anchor="ctr"/>
-          <a:lstStyle/>
-          <a:p>
-            <a:pPr algn="ctr"/>
-            <a:endParaRPr lang="en-GB"/>
-          </a:p>
-        </p:txBody>
-      </p:sp>
-      <p:sp>
-        <p:nvSpPr>
-          <p:cNvPr id="25" name="Elipse 24"/>
-          <p:cNvSpPr/>
-          <p:nvPr/>
-        </p:nvSpPr>
-        <p:spPr>
-          <a:xfrm>
-            <a:off x="1993557" y="3640301"/>
-            <a:ext cx="115330" cy="115330"/>
-          </a:xfrm>
-          <a:prstGeom prst="ellipse">
-            <a:avLst/>
-          </a:prstGeom>
-          <a:ln>
-            <a:noFill/>
-          </a:ln>
-        </p:spPr>
-        <p:style>
-          <a:lnRef idx="2">
-            <a:schemeClr val="dk1">
-              <a:shade val="50000"/>
-            </a:schemeClr>
-          </a:lnRef>
-          <a:fillRef idx="1">
-            <a:schemeClr val="dk1"/>
-          </a:fillRef>
-          <a:effectRef idx="0">
-            <a:schemeClr val="dk1"/>
-          </a:effectRef>
-          <a:fontRef idx="minor">
-            <a:schemeClr val="lt1"/>
-          </a:fontRef>
-        </p:style>
-        <p:txBody>
-          <a:bodyPr rtlCol="0" anchor="ctr"/>
-          <a:lstStyle/>
-          <a:p>
-            <a:pPr algn="ctr"/>
-            <a:endParaRPr lang="en-GB"/>
-          </a:p>
-        </p:txBody>
-      </p:sp>
-      <p:sp>
-        <p:nvSpPr>
-          <p:cNvPr id="26" name="CuadroTexto 25"/>
-          <p:cNvSpPr txBox="1"/>
-          <p:nvPr/>
-        </p:nvSpPr>
-        <p:spPr>
-          <a:xfrm rot="2817403">
-            <a:off x="1576984" y="4574980"/>
-            <a:ext cx="2427268" cy="253916"/>
-          </a:xfrm>
-          <a:prstGeom prst="rect">
-            <a:avLst/>
-          </a:prstGeom>
-          <a:noFill/>
-        </p:spPr>
-        <p:txBody>
-          <a:bodyPr wrap="none" rtlCol="0">
-            <a:spAutoFit/>
-          </a:bodyPr>
-          <a:lstStyle/>
-          <a:p>
-            <a:r>
-              <a:rPr lang="en-GB" sz="1050" dirty="0" smtClean="0"/>
-              <a:t>Working Group Meeting (23</a:t>
-            </a:r>
-            <a:r>
-              <a:rPr lang="en-GB" sz="1050" baseline="30000" dirty="0" smtClean="0"/>
-              <a:t>rd</a:t>
-            </a:r>
-            <a:r>
-              <a:rPr lang="en-GB" sz="1050" dirty="0" smtClean="0"/>
-              <a:t> February)</a:t>
-            </a:r>
-            <a:endParaRPr lang="en-GB" sz="1050" dirty="0"/>
-          </a:p>
-        </p:txBody>
-      </p:sp>
-      <p:sp>
-        <p:nvSpPr>
-          <p:cNvPr id="27" name="Elipse 26"/>
-          <p:cNvSpPr/>
-          <p:nvPr/>
-        </p:nvSpPr>
-        <p:spPr>
-          <a:xfrm>
-            <a:off x="6289934" y="3639500"/>
-            <a:ext cx="115330" cy="115330"/>
-          </a:xfrm>
-          <a:prstGeom prst="ellipse">
-            <a:avLst/>
-          </a:prstGeom>
-          <a:solidFill>
-            <a:schemeClr val="tx1">
-              <a:lumMod val="65000"/>
-              <a:lumOff val="35000"/>
-            </a:schemeClr>
-          </a:solidFill>
-          <a:ln>
-            <a:noFill/>
-          </a:ln>
-        </p:spPr>
-        <p:style>
-          <a:lnRef idx="2">
-            <a:schemeClr val="dk1">
-              <a:shade val="50000"/>
-            </a:schemeClr>
-          </a:lnRef>
-          <a:fillRef idx="1">
-            <a:schemeClr val="dk1"/>
-          </a:fillRef>
-          <a:effectRef idx="0">
-            <a:schemeClr val="dk1"/>
-          </a:effectRef>
-          <a:fontRef idx="minor">
-            <a:schemeClr val="lt1"/>
-          </a:fontRef>
-        </p:style>
-        <p:txBody>
-          <a:bodyPr rtlCol="0" anchor="ctr"/>
-          <a:lstStyle/>
-          <a:p>
-            <a:pPr algn="ctr"/>
-            <a:endParaRPr lang="en-GB"/>
-          </a:p>
-        </p:txBody>
-      </p:sp>
-      <p:sp>
-        <p:nvSpPr>
-          <p:cNvPr id="28" name="Elipse 27"/>
-          <p:cNvSpPr/>
-          <p:nvPr/>
-        </p:nvSpPr>
-        <p:spPr>
-          <a:xfrm>
-            <a:off x="3059182" y="3640302"/>
-            <a:ext cx="115330" cy="115330"/>
-          </a:xfrm>
-          <a:prstGeom prst="ellipse">
-            <a:avLst/>
-          </a:prstGeom>
-          <a:solidFill>
-            <a:schemeClr val="tx1"/>
-          </a:solidFill>
-          <a:ln>
-            <a:noFill/>
-          </a:ln>
-        </p:spPr>
-        <p:style>
-          <a:lnRef idx="2">
-            <a:schemeClr val="dk1">
-              <a:shade val="50000"/>
-            </a:schemeClr>
-          </a:lnRef>
-          <a:fillRef idx="1">
-            <a:schemeClr val="dk1"/>
-          </a:fillRef>
-          <a:effectRef idx="0">
-            <a:schemeClr val="dk1"/>
-          </a:effectRef>
-          <a:fontRef idx="minor">
-            <a:schemeClr val="lt1"/>
-          </a:fontRef>
-        </p:style>
-        <p:txBody>
-          <a:bodyPr rtlCol="0" anchor="ctr"/>
-          <a:lstStyle/>
-          <a:p>
-            <a:pPr algn="ctr"/>
-            <a:endParaRPr lang="en-GB"/>
-          </a:p>
-        </p:txBody>
-      </p:sp>
-      <p:sp>
-        <p:nvSpPr>
-          <p:cNvPr id="29" name="CuadroTexto 28"/>
-          <p:cNvSpPr txBox="1"/>
-          <p:nvPr/>
-        </p:nvSpPr>
-        <p:spPr>
-          <a:xfrm rot="2817403">
-            <a:off x="2679299" y="4500001"/>
-            <a:ext cx="2222083" cy="253916"/>
-          </a:xfrm>
-          <a:prstGeom prst="rect">
-            <a:avLst/>
-          </a:prstGeom>
-          <a:noFill/>
-        </p:spPr>
-        <p:txBody>
-          <a:bodyPr wrap="none" rtlCol="0">
-            <a:spAutoFit/>
-          </a:bodyPr>
-          <a:lstStyle/>
-          <a:p>
-            <a:r>
-              <a:rPr lang="en-GB" sz="1050" dirty="0" smtClean="0"/>
-              <a:t>Working Group Meeting (28</a:t>
-            </a:r>
-            <a:r>
-              <a:rPr lang="en-GB" sz="1050" baseline="30000" dirty="0" smtClean="0"/>
-              <a:t>th</a:t>
-            </a:r>
-            <a:r>
-              <a:rPr lang="en-GB" sz="1050" dirty="0" smtClean="0"/>
-              <a:t> March)</a:t>
-            </a:r>
-            <a:endParaRPr lang="en-GB" sz="1050" dirty="0"/>
-          </a:p>
-        </p:txBody>
-      </p:sp>
-      <p:sp>
-        <p:nvSpPr>
-          <p:cNvPr id="30" name="Elipse 29"/>
-          <p:cNvSpPr/>
-          <p:nvPr/>
-        </p:nvSpPr>
-        <p:spPr>
-          <a:xfrm>
-            <a:off x="4123379" y="3640302"/>
-            <a:ext cx="115330" cy="115330"/>
-          </a:xfrm>
-          <a:prstGeom prst="ellipse">
-            <a:avLst/>
-          </a:prstGeom>
-          <a:solidFill>
-            <a:schemeClr val="tx1">
-              <a:lumMod val="65000"/>
-              <a:lumOff val="35000"/>
-            </a:schemeClr>
-          </a:solidFill>
-          <a:ln>
-            <a:noFill/>
-          </a:ln>
-        </p:spPr>
-        <p:style>
-          <a:lnRef idx="2">
-            <a:schemeClr val="dk1">
-              <a:shade val="50000"/>
-            </a:schemeClr>
-          </a:lnRef>
-          <a:fillRef idx="1">
-            <a:schemeClr val="dk1"/>
-          </a:fillRef>
-          <a:effectRef idx="0">
-            <a:schemeClr val="dk1"/>
-          </a:effectRef>
-          <a:fontRef idx="minor">
-            <a:schemeClr val="lt1"/>
-          </a:fontRef>
-        </p:style>
-        <p:txBody>
-          <a:bodyPr rtlCol="0" anchor="ctr"/>
-          <a:lstStyle/>
-          <a:p>
-            <a:pPr algn="ctr"/>
-            <a:endParaRPr lang="en-GB"/>
-          </a:p>
-        </p:txBody>
-      </p:sp>
-      <p:sp>
-        <p:nvSpPr>
-          <p:cNvPr id="31" name="CuadroTexto 30"/>
-          <p:cNvSpPr txBox="1"/>
-          <p:nvPr/>
-        </p:nvSpPr>
-        <p:spPr>
-          <a:xfrm rot="2817403">
-            <a:off x="3742960" y="4464269"/>
-            <a:ext cx="2124299" cy="253916"/>
-          </a:xfrm>
-          <a:prstGeom prst="rect">
-            <a:avLst/>
-          </a:prstGeom>
-          <a:noFill/>
-        </p:spPr>
-        <p:txBody>
-          <a:bodyPr wrap="none" rtlCol="0">
-            <a:spAutoFit/>
-          </a:bodyPr>
-          <a:lstStyle/>
-          <a:p>
-            <a:r>
-              <a:rPr lang="en-GB" sz="1050" dirty="0" smtClean="0">
-                <a:solidFill>
-                  <a:schemeClr val="tx1">
-                    <a:lumMod val="65000"/>
-                    <a:lumOff val="35000"/>
-                  </a:schemeClr>
-                </a:solidFill>
-              </a:rPr>
-              <a:t>Working Group Meeting (27</a:t>
-            </a:r>
-            <a:r>
-              <a:rPr lang="en-GB" sz="1050" baseline="30000" dirty="0" smtClean="0">
-                <a:solidFill>
-                  <a:schemeClr val="tx1">
-                    <a:lumMod val="65000"/>
-                    <a:lumOff val="35000"/>
-                  </a:schemeClr>
-                </a:solidFill>
-              </a:rPr>
-              <a:t>th</a:t>
-            </a:r>
-            <a:r>
-              <a:rPr lang="en-GB" sz="1050" dirty="0" smtClean="0">
-                <a:solidFill>
-                  <a:schemeClr val="tx1">
-                    <a:lumMod val="65000"/>
-                    <a:lumOff val="35000"/>
-                  </a:schemeClr>
-                </a:solidFill>
-              </a:rPr>
-              <a:t> April)</a:t>
-            </a:r>
-            <a:endParaRPr lang="en-GB" sz="1050" dirty="0">
-              <a:solidFill>
-                <a:schemeClr val="tx1">
-                  <a:lumMod val="65000"/>
-                  <a:lumOff val="35000"/>
-                </a:schemeClr>
-              </a:solidFill>
-            </a:endParaRPr>
-          </a:p>
-        </p:txBody>
-      </p:sp>
-      <p:sp>
-        <p:nvSpPr>
-          <p:cNvPr id="32" name="Elipse 31"/>
-          <p:cNvSpPr/>
-          <p:nvPr/>
-        </p:nvSpPr>
-        <p:spPr>
-          <a:xfrm>
-            <a:off x="5232069" y="3639500"/>
-            <a:ext cx="115330" cy="115330"/>
-          </a:xfrm>
-          <a:prstGeom prst="ellipse">
-            <a:avLst/>
-          </a:prstGeom>
-          <a:solidFill>
-            <a:schemeClr val="tx1">
-              <a:lumMod val="65000"/>
-              <a:lumOff val="35000"/>
-            </a:schemeClr>
-          </a:solidFill>
-          <a:ln>
-            <a:noFill/>
-          </a:ln>
-        </p:spPr>
-        <p:style>
-          <a:lnRef idx="2">
-            <a:schemeClr val="dk1">
-              <a:shade val="50000"/>
-            </a:schemeClr>
-          </a:lnRef>
-          <a:fillRef idx="1">
-            <a:schemeClr val="dk1"/>
-          </a:fillRef>
-          <a:effectRef idx="0">
-            <a:schemeClr val="dk1"/>
-          </a:effectRef>
-          <a:fontRef idx="minor">
-            <a:schemeClr val="lt1"/>
-          </a:fontRef>
-        </p:style>
-        <p:txBody>
-          <a:bodyPr rtlCol="0" anchor="ctr"/>
-          <a:lstStyle/>
-          <a:p>
-            <a:pPr algn="ctr"/>
-            <a:endParaRPr lang="en-GB"/>
-          </a:p>
-        </p:txBody>
-      </p:sp>
-      <p:sp>
-        <p:nvSpPr>
-          <p:cNvPr id="33" name="CuadroTexto 32"/>
-          <p:cNvSpPr txBox="1"/>
-          <p:nvPr/>
-        </p:nvSpPr>
-        <p:spPr>
-          <a:xfrm rot="2817403">
-            <a:off x="4869415" y="4433224"/>
-            <a:ext cx="2039341" cy="253916"/>
-          </a:xfrm>
-          <a:prstGeom prst="rect">
-            <a:avLst/>
-          </a:prstGeom>
-          <a:noFill/>
-        </p:spPr>
-        <p:txBody>
-          <a:bodyPr wrap="none" rtlCol="0">
-            <a:spAutoFit/>
-          </a:bodyPr>
-          <a:lstStyle/>
-          <a:p>
-            <a:r>
-              <a:rPr lang="en-GB" sz="1050" dirty="0" smtClean="0">
-                <a:solidFill>
-                  <a:schemeClr val="tx1">
-                    <a:lumMod val="65000"/>
-                    <a:lumOff val="35000"/>
-                  </a:schemeClr>
-                </a:solidFill>
-              </a:rPr>
-              <a:t>Working Group Meeting (1</a:t>
-            </a:r>
-            <a:r>
-              <a:rPr lang="en-GB" sz="1050" baseline="30000" dirty="0" smtClean="0">
-                <a:solidFill>
-                  <a:schemeClr val="tx1">
-                    <a:lumMod val="65000"/>
-                    <a:lumOff val="35000"/>
-                  </a:schemeClr>
-                </a:solidFill>
-              </a:rPr>
-              <a:t>st</a:t>
-            </a:r>
-            <a:r>
-              <a:rPr lang="en-GB" sz="1050" dirty="0" smtClean="0">
-                <a:solidFill>
-                  <a:schemeClr val="tx1">
-                    <a:lumMod val="65000"/>
-                    <a:lumOff val="35000"/>
-                  </a:schemeClr>
-                </a:solidFill>
-              </a:rPr>
-              <a:t> June)</a:t>
-            </a:r>
-            <a:endParaRPr lang="en-GB" sz="1050" dirty="0">
-              <a:solidFill>
-                <a:schemeClr val="tx1">
-                  <a:lumMod val="65000"/>
-                  <a:lumOff val="35000"/>
-                </a:schemeClr>
-              </a:solidFill>
-            </a:endParaRPr>
-          </a:p>
-        </p:txBody>
-      </p:sp>
-      <p:pic>
-        <p:nvPicPr>
-          <p:cNvPr id="34" name="Picture 2" descr="Image result for google maps location symbol png"/>
-          <p:cNvPicPr>
-            <a:picLocks noChangeAspect="1" noChangeArrowheads="1"/>
-          </p:cNvPicPr>
-          <p:nvPr/>
-        </p:nvPicPr>
-        <p:blipFill>
-          <a:blip r:embed="rId2" cstate="print">
-            <a:extLst>
-              <a:ext uri="{28A0092B-C50C-407E-A947-70E740481C1C}">
-                <a14:useLocalDpi xmlns:a14="http://schemas.microsoft.com/office/drawing/2010/main" val="0"/>
-              </a:ext>
-            </a:extLst>
-          </a:blip>
-          <a:srcRect/>
-          <a:stretch>
-            <a:fillRect/>
-          </a:stretch>
-        </p:blipFill>
-        <p:spPr bwMode="auto">
-          <a:xfrm rot="10800000" flipV="1">
-            <a:off x="2968904" y="3381115"/>
-            <a:ext cx="273358" cy="273358"/>
-          </a:xfrm>
-          <a:prstGeom prst="rect">
-            <a:avLst/>
-          </a:prstGeom>
-          <a:noFill/>
-          <a:extLst>
-            <a:ext uri="{909E8E84-426E-40DD-AFC4-6F175D3DCCD1}">
-              <a14:hiddenFill xmlns:a14="http://schemas.microsoft.com/office/drawing/2010/main">
-                <a:solidFill>
-                  <a:srgbClr val="FFFFFF"/>
-                </a:solidFill>
-              </a14:hiddenFill>
-            </a:ext>
-          </a:extLst>
-        </p:spPr>
-      </p:pic>
-    </p:spTree>
-    <p:extLst>
-      <p:ext uri="{BB962C8B-B14F-4D97-AF65-F5344CB8AC3E}">
-        <p14:creationId xmlns:p14="http://schemas.microsoft.com/office/powerpoint/2010/main" val="3012395794"/>
-      </p:ext>
-    </p:extLst>
-  </p:cSld>
-  <p:clrMapOvr>
-    <a:masterClrMapping/>
-  </p:clrMapOvr>
-</p:sld>
-</file>
-
-<file path=ppt/slides/slide2.xml><?xml version="1.0" encoding="utf-8"?>
-<p:sld xmlns:a="http://schemas.openxmlformats.org/drawingml/2006/main" xmlns:r="http://schemas.openxmlformats.org/officeDocument/2006/relationships" xmlns:p="http://schemas.openxmlformats.org/presentationml/2006/main">
-  <p:cSld>
-    <p:bg>
-      <p:bgPr>
-        <a:solidFill>
-          <a:schemeClr val="bg1">
-            <a:alpha val="0"/>
-          </a:schemeClr>
-        </a:solidFill>
-        <a:effectLst/>
-      </p:bgPr>
-    </p:bg>
-    <p:spTree>
-      <p:nvGrpSpPr>
-        <p:cNvPr id="1" name=""/>
-        <p:cNvGrpSpPr/>
-        <p:nvPr/>
-      </p:nvGrpSpPr>
-      <p:grpSpPr>
-        <a:xfrm>
-          <a:off x="0" y="0"/>
-          <a:ext cx="0" cy="0"/>
-          <a:chOff x="0" y="0"/>
-          <a:chExt cx="0" cy="0"/>
-        </a:xfrm>
-      </p:grpSpPr>
-      <p:sp>
-        <p:nvSpPr>
-          <p:cNvPr id="22" name="CuadroTexto 21"/>
-          <p:cNvSpPr txBox="1"/>
-          <p:nvPr/>
-        </p:nvSpPr>
-        <p:spPr>
-          <a:xfrm>
-            <a:off x="3282608" y="628882"/>
-            <a:ext cx="2153154" cy="276999"/>
-          </a:xfrm>
-          <a:prstGeom prst="rect">
-            <a:avLst/>
-          </a:prstGeom>
-          <a:noFill/>
-        </p:spPr>
-        <p:txBody>
-          <a:bodyPr wrap="none" rtlCol="0">
-            <a:spAutoFit/>
-          </a:bodyPr>
-          <a:lstStyle/>
-          <a:p>
-            <a:pPr algn="r"/>
-            <a:r>
-              <a:rPr lang="en-GB" sz="1200" b="1" dirty="0" smtClean="0"/>
-              <a:t>Kick-off Meeting (23</a:t>
-            </a:r>
-            <a:r>
-              <a:rPr lang="en-GB" sz="1200" b="1" baseline="30000" dirty="0" smtClean="0"/>
-              <a:t>rd</a:t>
-            </a:r>
-            <a:r>
-              <a:rPr lang="en-GB" sz="1200" b="1" dirty="0" smtClean="0"/>
-              <a:t> January)</a:t>
-            </a:r>
-            <a:endParaRPr lang="en-GB" sz="1200" b="1" dirty="0"/>
-          </a:p>
-        </p:txBody>
-      </p:sp>
-      <p:sp>
-        <p:nvSpPr>
-          <p:cNvPr id="23" name="CuadroTexto 22"/>
-          <p:cNvSpPr txBox="1"/>
-          <p:nvPr/>
-        </p:nvSpPr>
-        <p:spPr>
-          <a:xfrm>
-            <a:off x="3196751" y="5997339"/>
-            <a:ext cx="2239011" cy="276999"/>
-          </a:xfrm>
-          <a:prstGeom prst="rect">
-            <a:avLst/>
-          </a:prstGeom>
-          <a:noFill/>
-        </p:spPr>
-        <p:txBody>
-          <a:bodyPr wrap="none" rtlCol="0">
-            <a:spAutoFit/>
-          </a:bodyPr>
-          <a:lstStyle/>
-          <a:p>
-            <a:pPr algn="r"/>
-            <a:r>
-              <a:rPr lang="en-GB" sz="1200" b="1" dirty="0" smtClean="0">
-                <a:solidFill>
-                  <a:schemeClr val="tx1">
-                    <a:lumMod val="65000"/>
-                    <a:lumOff val="35000"/>
-                  </a:schemeClr>
-                </a:solidFill>
-              </a:rPr>
-              <a:t>Release version 2.0.0 (25</a:t>
-            </a:r>
-            <a:r>
-              <a:rPr lang="en-GB" sz="1200" b="1" baseline="30000" dirty="0" smtClean="0">
-                <a:solidFill>
-                  <a:schemeClr val="tx1">
-                    <a:lumMod val="65000"/>
-                    <a:lumOff val="35000"/>
-                  </a:schemeClr>
-                </a:solidFill>
-              </a:rPr>
-              <a:t>th</a:t>
-            </a:r>
-            <a:r>
-              <a:rPr lang="en-GB" sz="1200" b="1" dirty="0" smtClean="0">
-                <a:solidFill>
-                  <a:schemeClr val="tx1">
-                    <a:lumMod val="65000"/>
-                    <a:lumOff val="35000"/>
-                  </a:schemeClr>
-                </a:solidFill>
-              </a:rPr>
-              <a:t> June)</a:t>
-            </a:r>
-            <a:endParaRPr lang="en-GB" sz="1200" b="1" dirty="0">
-              <a:solidFill>
-                <a:schemeClr val="tx1">
-                  <a:lumMod val="65000"/>
-                  <a:lumOff val="35000"/>
-                </a:schemeClr>
-              </a:solidFill>
-            </a:endParaRPr>
-          </a:p>
-        </p:txBody>
-      </p:sp>
-      <p:sp>
-        <p:nvSpPr>
-          <p:cNvPr id="26" name="CuadroTexto 25"/>
-          <p:cNvSpPr txBox="1"/>
-          <p:nvPr/>
-        </p:nvSpPr>
-        <p:spPr>
-          <a:xfrm>
-            <a:off x="1037229" y="1698856"/>
-            <a:ext cx="4398531" cy="646331"/>
-          </a:xfrm>
-          <a:prstGeom prst="rect">
-            <a:avLst/>
-          </a:prstGeom>
-          <a:noFill/>
-        </p:spPr>
-        <p:txBody>
-          <a:bodyPr wrap="square" rtlCol="0">
-            <a:spAutoFit/>
-          </a:bodyPr>
-          <a:lstStyle/>
-          <a:p>
-            <a:pPr algn="r"/>
-            <a:r>
-              <a:rPr lang="en-GB" sz="1200" dirty="0" smtClean="0"/>
-              <a:t>Working Group Meeting (23</a:t>
-            </a:r>
-            <a:r>
-              <a:rPr lang="en-GB" sz="1200" baseline="30000" dirty="0" smtClean="0"/>
-              <a:t>rd</a:t>
-            </a:r>
-            <a:r>
-              <a:rPr lang="en-GB" sz="1200" dirty="0" smtClean="0"/>
-              <a:t> February)</a:t>
-            </a:r>
-          </a:p>
-          <a:p>
-            <a:pPr algn="r"/>
-            <a:r>
-              <a:rPr lang="en-GB" sz="1200" i="1" dirty="0" smtClean="0"/>
-              <a:t>Subject: Presentation of the new mission, considerations on the scope and methodology.</a:t>
-            </a:r>
-            <a:endParaRPr lang="en-GB" sz="1200" i="1" dirty="0"/>
-          </a:p>
-        </p:txBody>
-      </p:sp>
-      <p:sp>
-        <p:nvSpPr>
-          <p:cNvPr id="29" name="CuadroTexto 28"/>
-          <p:cNvSpPr txBox="1"/>
-          <p:nvPr/>
-        </p:nvSpPr>
-        <p:spPr>
-          <a:xfrm>
-            <a:off x="1037228" y="2778415"/>
-            <a:ext cx="4398533" cy="646331"/>
-          </a:xfrm>
-          <a:prstGeom prst="rect">
-            <a:avLst/>
-          </a:prstGeom>
-          <a:noFill/>
-        </p:spPr>
-        <p:txBody>
-          <a:bodyPr wrap="square" rtlCol="0">
-            <a:spAutoFit/>
-          </a:bodyPr>
-          <a:lstStyle/>
-          <a:p>
-            <a:pPr algn="r"/>
-            <a:r>
-              <a:rPr lang="en-GB" sz="1200" dirty="0" smtClean="0">
-                <a:solidFill>
-                  <a:schemeClr val="tx1">
-                    <a:lumMod val="65000"/>
-                    <a:lumOff val="35000"/>
-                  </a:schemeClr>
-                </a:solidFill>
-              </a:rPr>
-              <a:t>Working Group Meeting (28</a:t>
-            </a:r>
-            <a:r>
-              <a:rPr lang="en-GB" sz="1200" baseline="30000" dirty="0" smtClean="0">
-                <a:solidFill>
-                  <a:schemeClr val="tx1">
-                    <a:lumMod val="65000"/>
-                    <a:lumOff val="35000"/>
-                  </a:schemeClr>
-                </a:solidFill>
-              </a:rPr>
-              <a:t>th</a:t>
-            </a:r>
-            <a:r>
-              <a:rPr lang="en-GB" sz="1200" dirty="0" smtClean="0">
-                <a:solidFill>
-                  <a:schemeClr val="tx1">
-                    <a:lumMod val="65000"/>
-                    <a:lumOff val="35000"/>
-                  </a:schemeClr>
-                </a:solidFill>
-              </a:rPr>
-              <a:t> March)</a:t>
-            </a:r>
-          </a:p>
-          <a:p>
-            <a:pPr algn="r"/>
-            <a:r>
-              <a:rPr lang="en-GB" sz="1200" i="1" dirty="0" smtClean="0">
-                <a:solidFill>
-                  <a:schemeClr val="tx1">
-                    <a:lumMod val="65000"/>
-                    <a:lumOff val="35000"/>
-                  </a:schemeClr>
-                </a:solidFill>
-              </a:rPr>
-              <a:t>Subject: </a:t>
-            </a:r>
-            <a:r>
-              <a:rPr lang="en-GB" sz="1200" i="1" dirty="0" err="1" smtClean="0">
-                <a:solidFill>
-                  <a:schemeClr val="tx1">
-                    <a:lumMod val="65000"/>
-                    <a:lumOff val="35000"/>
-                  </a:schemeClr>
-                </a:solidFill>
-              </a:rPr>
-              <a:t>PoC</a:t>
-            </a:r>
-            <a:r>
-              <a:rPr lang="en-GB" sz="1200" i="1" dirty="0" smtClean="0">
-                <a:solidFill>
-                  <a:schemeClr val="tx1">
-                    <a:lumMod val="65000"/>
-                    <a:lumOff val="35000"/>
-                  </a:schemeClr>
-                </a:solidFill>
-              </a:rPr>
-              <a:t> validation of the approach, the use case and the expected results.</a:t>
-            </a:r>
-            <a:endParaRPr lang="en-GB" sz="1200" i="1" dirty="0">
-              <a:solidFill>
-                <a:schemeClr val="tx1">
-                  <a:lumMod val="65000"/>
-                  <a:lumOff val="35000"/>
-                </a:schemeClr>
-              </a:solidFill>
-            </a:endParaRPr>
-          </a:p>
-        </p:txBody>
-      </p:sp>
-      <p:sp>
-        <p:nvSpPr>
-          <p:cNvPr id="31" name="CuadroTexto 30"/>
-          <p:cNvSpPr txBox="1"/>
-          <p:nvPr/>
-        </p:nvSpPr>
-        <p:spPr>
-          <a:xfrm>
-            <a:off x="1037228" y="3857974"/>
-            <a:ext cx="4398534" cy="646331"/>
-          </a:xfrm>
-          <a:prstGeom prst="rect">
-            <a:avLst/>
-          </a:prstGeom>
-          <a:noFill/>
-        </p:spPr>
-        <p:txBody>
-          <a:bodyPr wrap="square" rtlCol="0">
-            <a:spAutoFit/>
-          </a:bodyPr>
-          <a:lstStyle/>
-          <a:p>
-            <a:pPr algn="r"/>
-            <a:r>
-              <a:rPr lang="en-GB" sz="1200" dirty="0" smtClean="0">
-                <a:solidFill>
-                  <a:schemeClr val="tx1">
-                    <a:lumMod val="65000"/>
-                    <a:lumOff val="35000"/>
-                  </a:schemeClr>
-                </a:solidFill>
-              </a:rPr>
-              <a:t>Working Group Meeting (27</a:t>
-            </a:r>
-            <a:r>
-              <a:rPr lang="en-GB" sz="1200" baseline="30000" dirty="0" smtClean="0">
-                <a:solidFill>
-                  <a:schemeClr val="tx1">
-                    <a:lumMod val="65000"/>
-                    <a:lumOff val="35000"/>
-                  </a:schemeClr>
-                </a:solidFill>
-              </a:rPr>
-              <a:t>th</a:t>
-            </a:r>
-            <a:r>
-              <a:rPr lang="en-GB" sz="1200" dirty="0" smtClean="0">
-                <a:solidFill>
-                  <a:schemeClr val="tx1">
-                    <a:lumMod val="65000"/>
-                    <a:lumOff val="35000"/>
-                  </a:schemeClr>
-                </a:solidFill>
-              </a:rPr>
-              <a:t> April)</a:t>
-            </a:r>
-          </a:p>
-          <a:p>
-            <a:pPr algn="r"/>
-            <a:r>
-              <a:rPr lang="en-GB" sz="1200" i="1" dirty="0" smtClean="0">
-                <a:solidFill>
-                  <a:schemeClr val="tx1">
-                    <a:lumMod val="65000"/>
-                    <a:lumOff val="35000"/>
-                  </a:schemeClr>
-                </a:solidFill>
-              </a:rPr>
-              <a:t>Subject: Revision of the ontology, conceptual model and design considerations.</a:t>
-            </a:r>
-            <a:endParaRPr lang="en-GB" sz="1200" i="1" dirty="0">
-              <a:solidFill>
-                <a:schemeClr val="tx1">
-                  <a:lumMod val="65000"/>
-                  <a:lumOff val="35000"/>
-                </a:schemeClr>
-              </a:solidFill>
-            </a:endParaRPr>
-          </a:p>
-        </p:txBody>
-      </p:sp>
-      <p:sp>
-        <p:nvSpPr>
-          <p:cNvPr id="33" name="CuadroTexto 32"/>
-          <p:cNvSpPr txBox="1"/>
-          <p:nvPr/>
-        </p:nvSpPr>
-        <p:spPr>
-          <a:xfrm>
-            <a:off x="1037228" y="4934794"/>
-            <a:ext cx="4398534" cy="646331"/>
-          </a:xfrm>
-          <a:prstGeom prst="rect">
-            <a:avLst/>
-          </a:prstGeom>
-          <a:noFill/>
-        </p:spPr>
-        <p:txBody>
-          <a:bodyPr wrap="square" rtlCol="0">
-            <a:spAutoFit/>
-          </a:bodyPr>
-          <a:lstStyle/>
-          <a:p>
-            <a:pPr algn="r"/>
-            <a:r>
-              <a:rPr lang="en-GB" sz="1200" dirty="0" smtClean="0">
-                <a:solidFill>
-                  <a:schemeClr val="tx1">
-                    <a:lumMod val="65000"/>
-                    <a:lumOff val="35000"/>
-                  </a:schemeClr>
-                </a:solidFill>
-              </a:rPr>
-              <a:t>Working Group Meeting (1</a:t>
-            </a:r>
-            <a:r>
-              <a:rPr lang="en-GB" sz="1200" baseline="30000" dirty="0" smtClean="0">
-                <a:solidFill>
-                  <a:schemeClr val="tx1">
-                    <a:lumMod val="65000"/>
-                    <a:lumOff val="35000"/>
-                  </a:schemeClr>
-                </a:solidFill>
-              </a:rPr>
-              <a:t>st</a:t>
-            </a:r>
-            <a:r>
-              <a:rPr lang="en-GB" sz="1200" dirty="0" smtClean="0">
-                <a:solidFill>
-                  <a:schemeClr val="tx1">
-                    <a:lumMod val="65000"/>
-                    <a:lumOff val="35000"/>
-                  </a:schemeClr>
-                </a:solidFill>
-              </a:rPr>
-              <a:t> June)</a:t>
-            </a:r>
-          </a:p>
-          <a:p>
-            <a:pPr algn="r"/>
-            <a:r>
-              <a:rPr lang="en-GB" sz="1200" i="1" dirty="0" smtClean="0">
-                <a:solidFill>
-                  <a:schemeClr val="tx1">
-                    <a:lumMod val="65000"/>
-                    <a:lumOff val="35000"/>
-                  </a:schemeClr>
-                </a:solidFill>
-              </a:rPr>
-              <a:t>Subject: Revision of the ontology, OWL implementation and results of the </a:t>
-            </a:r>
-            <a:r>
-              <a:rPr lang="en-GB" sz="1200" i="1" dirty="0" err="1" smtClean="0">
-                <a:solidFill>
-                  <a:schemeClr val="tx1">
-                    <a:lumMod val="65000"/>
-                    <a:lumOff val="35000"/>
-                  </a:schemeClr>
-                </a:solidFill>
-              </a:rPr>
-              <a:t>PoC</a:t>
-            </a:r>
-            <a:r>
-              <a:rPr lang="en-GB" sz="1200" i="1" dirty="0" smtClean="0">
-                <a:solidFill>
-                  <a:schemeClr val="tx1">
-                    <a:lumMod val="65000"/>
-                    <a:lumOff val="35000"/>
-                  </a:schemeClr>
-                </a:solidFill>
-              </a:rPr>
-              <a:t>.</a:t>
-            </a:r>
-            <a:endParaRPr lang="en-GB" sz="1200" i="1" dirty="0">
-              <a:solidFill>
-                <a:schemeClr val="tx1">
-                  <a:lumMod val="65000"/>
-                  <a:lumOff val="35000"/>
-                </a:schemeClr>
-              </a:solidFill>
-            </a:endParaRPr>
-          </a:p>
-        </p:txBody>
-      </p:sp>
-      <p:sp>
-        <p:nvSpPr>
-          <p:cNvPr id="20" name="Rectángulo redondeado 19"/>
-          <p:cNvSpPr/>
-          <p:nvPr/>
-        </p:nvSpPr>
-        <p:spPr>
-          <a:xfrm rot="5400000">
-            <a:off x="2839683" y="3403450"/>
-            <a:ext cx="5400000" cy="115330"/>
-          </a:xfrm>
-          <a:prstGeom prst="roundRect">
-            <a:avLst/>
-          </a:prstGeom>
-          <a:solidFill>
-            <a:srgbClr val="9AAE04"/>
-          </a:solidFill>
-          <a:ln>
-            <a:noFill/>
-          </a:ln>
-        </p:spPr>
-        <p:style>
-          <a:lnRef idx="2">
-            <a:schemeClr val="accent1">
-              <a:shade val="50000"/>
-            </a:schemeClr>
-          </a:lnRef>
-          <a:fillRef idx="1">
-            <a:schemeClr val="accent1"/>
-          </a:fillRef>
-          <a:effectRef idx="0">
-            <a:schemeClr val="accent1"/>
-          </a:effectRef>
-          <a:fontRef idx="minor">
-            <a:schemeClr val="lt1"/>
-          </a:fontRef>
-        </p:style>
-        <p:txBody>
-          <a:bodyPr rtlCol="0" anchor="ctr"/>
-          <a:lstStyle/>
-          <a:p>
-            <a:pPr algn="ctr"/>
-            <a:endParaRPr lang="en-GB"/>
-          </a:p>
-        </p:txBody>
-      </p:sp>
-      <p:sp>
-        <p:nvSpPr>
-          <p:cNvPr id="21" name="Elipse 20"/>
-          <p:cNvSpPr/>
-          <p:nvPr/>
-        </p:nvSpPr>
-        <p:spPr>
-          <a:xfrm rot="5400000">
-            <a:off x="5480652" y="728163"/>
-            <a:ext cx="115330" cy="115330"/>
-          </a:xfrm>
-          <a:prstGeom prst="ellipse">
-            <a:avLst/>
-          </a:prstGeom>
-          <a:ln>
-            <a:noFill/>
-          </a:ln>
-        </p:spPr>
-        <p:style>
-          <a:lnRef idx="2">
-            <a:schemeClr val="dk1">
-              <a:shade val="50000"/>
-            </a:schemeClr>
-          </a:lnRef>
-          <a:fillRef idx="1">
-            <a:schemeClr val="dk1"/>
-          </a:fillRef>
-          <a:effectRef idx="0">
-            <a:schemeClr val="dk1"/>
-          </a:effectRef>
-          <a:fontRef idx="minor">
-            <a:schemeClr val="lt1"/>
-          </a:fontRef>
-        </p:style>
-        <p:txBody>
-          <a:bodyPr rtlCol="0" anchor="ctr"/>
-          <a:lstStyle/>
-          <a:p>
-            <a:pPr algn="ctr"/>
-            <a:endParaRPr lang="en-GB"/>
-          </a:p>
-        </p:txBody>
-      </p:sp>
-      <p:sp>
-        <p:nvSpPr>
           <p:cNvPr id="45" name="Rectángulo redondeado 44"/>
           <p:cNvSpPr/>
           <p:nvPr/>
         </p:nvSpPr>
         <p:spPr>
           <a:xfrm rot="5400000">
-            <a:off x="5289990" y="2063002"/>
-            <a:ext cx="504000" cy="118800"/>
+            <a:off x="5126190" y="3280477"/>
+            <a:ext cx="828000" cy="122400"/>
           </a:xfrm>
           <a:prstGeom prst="roundRect">
             <a:avLst/>
@@ -5099,52 +3576,6 @@
       </p:sp>
       <p:sp>
         <p:nvSpPr>
-          <p:cNvPr id="24" name="Rectángulo redondeado 23"/>
-          <p:cNvSpPr/>
-          <p:nvPr/>
-        </p:nvSpPr>
-        <p:spPr>
-          <a:xfrm rot="5400000">
-            <a:off x="3651990" y="4175445"/>
-            <a:ext cx="3780000" cy="118800"/>
-          </a:xfrm>
-          <a:prstGeom prst="roundRect">
-            <a:avLst/>
-          </a:prstGeom>
-          <a:solidFill>
-            <a:srgbClr val="F8FECA"/>
-          </a:solidFill>
-          <a:ln>
-            <a:noFill/>
-          </a:ln>
-        </p:spPr>
-        <p:style>
-          <a:lnRef idx="2">
-            <a:schemeClr val="accent1">
-              <a:shade val="50000"/>
-            </a:schemeClr>
-          </a:lnRef>
-          <a:fillRef idx="1">
-            <a:schemeClr val="accent1"/>
-          </a:fillRef>
-          <a:effectRef idx="0">
-            <a:schemeClr val="accent1"/>
-          </a:effectRef>
-          <a:fontRef idx="minor">
-            <a:schemeClr val="lt1"/>
-          </a:fontRef>
-        </p:style>
-        <p:txBody>
-          <a:bodyPr rtlCol="0" anchor="ctr"/>
-          <a:lstStyle/>
-          <a:p>
-            <a:pPr algn="ctr"/>
-            <a:endParaRPr lang="en-GB"/>
-          </a:p>
-        </p:txBody>
-      </p:sp>
-      <p:sp>
-        <p:nvSpPr>
           <p:cNvPr id="25" name="Elipse 24"/>
           <p:cNvSpPr/>
           <p:nvPr/>
@@ -5251,8 +3682,8 @@
           </a:prstGeom>
           <a:solidFill>
             <a:schemeClr val="tx1">
-              <a:lumMod val="65000"/>
-              <a:lumOff val="35000"/>
+              <a:lumMod val="95000"/>
+              <a:lumOff val="5000"/>
             </a:schemeClr>
           </a:solidFill>
           <a:ln>
@@ -5280,7 +3711,11 @@
           <a:lstStyle/>
           <a:p>
             <a:pPr algn="ctr"/>
-            <a:endParaRPr lang="en-GB"/>
+            <a:endParaRPr lang="en-GB">
+              <a:solidFill>
+                <a:sysClr val="windowText" lastClr="000000"/>
+              </a:solidFill>
+            </a:endParaRPr>
           </a:p>
         </p:txBody>
       </p:sp>
@@ -5405,7 +3840,7 @@
         </p:blipFill>
         <p:spPr bwMode="auto">
           <a:xfrm rot="16200000" flipH="1" flipV="1">
-            <a:off x="5565026" y="1808742"/>
+            <a:off x="5589033" y="2804455"/>
             <a:ext cx="273358" cy="273358"/>
           </a:xfrm>
           <a:prstGeom prst="rect">
@@ -5455,13 +3890,8 @@
             </a:r>
             <a:r>
               <a:rPr lang="en-GB" sz="1100" dirty="0" smtClean="0"/>
-              <a:t> </a:t>
-            </a:r>
-            <a:r>
-              <a:rPr lang="en-GB" sz="1100" dirty="0" smtClean="0"/>
-              <a:t>March:</a:t>
-            </a:r>
-            <a:endParaRPr lang="en-GB" sz="1100" dirty="0" smtClean="0"/>
+              <a:t> March:</a:t>
+            </a:r>
           </a:p>
           <a:p>
             <a:pPr lvl="1"/>
@@ -5652,7 +4082,7 @@
         <p:spPr>
           <a:xfrm>
             <a:off x="5657936" y="2604570"/>
-            <a:ext cx="4398531" cy="600164"/>
+            <a:ext cx="4398531" cy="430887"/>
           </a:xfrm>
           <a:prstGeom prst="rect">
             <a:avLst/>
@@ -5667,24 +4097,11 @@
           <a:p>
             <a:r>
               <a:rPr lang="en-GB" sz="1100" dirty="0" smtClean="0"/>
-              <a:t>23</a:t>
-            </a:r>
-            <a:r>
-              <a:rPr lang="en-GB" sz="1100" baseline="30000" dirty="0" smtClean="0"/>
-              <a:t>rd </a:t>
-            </a:r>
-            <a:r>
-              <a:rPr lang="en-GB" sz="1100" dirty="0" smtClean="0"/>
-              <a:t>March:</a:t>
-            </a:r>
-            <a:endParaRPr lang="en-GB" sz="1100" dirty="0" smtClean="0"/>
+              <a:t>23-26 March:</a:t>
+            </a:r>
           </a:p>
           <a:p>
             <a:pPr lvl="1"/>
-            <a:r>
-              <a:rPr lang="en-GB" sz="1100" dirty="0" smtClean="0"/>
-              <a:t>1. </a:t>
-            </a:r>
             <a:r>
               <a:rPr lang="en-GB" sz="1100" i="1" dirty="0" smtClean="0"/>
               <a:t>Conceptual data model available</a:t>
@@ -5696,17 +4113,6 @@
             <a:r>
               <a:rPr lang="en-GB" sz="1100" i="1" dirty="0" smtClean="0"/>
               <a:t>for revision by WG.</a:t>
-            </a:r>
-          </a:p>
-          <a:p>
-            <a:pPr lvl="1"/>
-            <a:r>
-              <a:rPr lang="en-GB" sz="1100" dirty="0"/>
-              <a:t>2. </a:t>
-            </a:r>
-            <a:r>
-              <a:rPr lang="en-GB" sz="1100" i="1" dirty="0"/>
-              <a:t>WG to provide competency questions</a:t>
             </a:r>
           </a:p>
         </p:txBody>
@@ -5895,7 +4301,7 @@
             </a:r>
             <a:r>
               <a:rPr lang="en-GB" sz="1100" dirty="0" smtClean="0"/>
-              <a:t> April: </a:t>
+              <a:t> May: </a:t>
             </a:r>
             <a:r>
               <a:rPr lang="en-GB" sz="1100" dirty="0" err="1" smtClean="0"/>

--- a/01_Resources/Timeline.pptx
+++ b/01_Resources/Timeline.pptx
@@ -255,7 +255,7 @@
           <a:p>
             <a:fld id="{DD47B1ED-05C6-43AD-85E9-3FF99C9F49B3}" type="datetimeFigureOut">
               <a:rPr lang="en-GB" smtClean="0"/>
-              <a:t>28/03/2018</a:t>
+              <a:t>02/05/2018</a:t>
             </a:fld>
             <a:endParaRPr lang="en-GB"/>
           </a:p>
@@ -425,7 +425,7 @@
           <a:p>
             <a:fld id="{DD47B1ED-05C6-43AD-85E9-3FF99C9F49B3}" type="datetimeFigureOut">
               <a:rPr lang="en-GB" smtClean="0"/>
-              <a:t>28/03/2018</a:t>
+              <a:t>02/05/2018</a:t>
             </a:fld>
             <a:endParaRPr lang="en-GB"/>
           </a:p>
@@ -605,7 +605,7 @@
           <a:p>
             <a:fld id="{DD47B1ED-05C6-43AD-85E9-3FF99C9F49B3}" type="datetimeFigureOut">
               <a:rPr lang="en-GB" smtClean="0"/>
-              <a:t>28/03/2018</a:t>
+              <a:t>02/05/2018</a:t>
             </a:fld>
             <a:endParaRPr lang="en-GB"/>
           </a:p>
@@ -775,7 +775,7 @@
           <a:p>
             <a:fld id="{DD47B1ED-05C6-43AD-85E9-3FF99C9F49B3}" type="datetimeFigureOut">
               <a:rPr lang="en-GB" smtClean="0"/>
-              <a:t>28/03/2018</a:t>
+              <a:t>02/05/2018</a:t>
             </a:fld>
             <a:endParaRPr lang="en-GB"/>
           </a:p>
@@ -1021,7 +1021,7 @@
           <a:p>
             <a:fld id="{DD47B1ED-05C6-43AD-85E9-3FF99C9F49B3}" type="datetimeFigureOut">
               <a:rPr lang="en-GB" smtClean="0"/>
-              <a:t>28/03/2018</a:t>
+              <a:t>02/05/2018</a:t>
             </a:fld>
             <a:endParaRPr lang="en-GB"/>
           </a:p>
@@ -1253,7 +1253,7 @@
           <a:p>
             <a:fld id="{DD47B1ED-05C6-43AD-85E9-3FF99C9F49B3}" type="datetimeFigureOut">
               <a:rPr lang="en-GB" smtClean="0"/>
-              <a:t>28/03/2018</a:t>
+              <a:t>02/05/2018</a:t>
             </a:fld>
             <a:endParaRPr lang="en-GB"/>
           </a:p>
@@ -1620,7 +1620,7 @@
           <a:p>
             <a:fld id="{DD47B1ED-05C6-43AD-85E9-3FF99C9F49B3}" type="datetimeFigureOut">
               <a:rPr lang="en-GB" smtClean="0"/>
-              <a:t>28/03/2018</a:t>
+              <a:t>02/05/2018</a:t>
             </a:fld>
             <a:endParaRPr lang="en-GB"/>
           </a:p>
@@ -1738,7 +1738,7 @@
           <a:p>
             <a:fld id="{DD47B1ED-05C6-43AD-85E9-3FF99C9F49B3}" type="datetimeFigureOut">
               <a:rPr lang="en-GB" smtClean="0"/>
-              <a:t>28/03/2018</a:t>
+              <a:t>02/05/2018</a:t>
             </a:fld>
             <a:endParaRPr lang="en-GB"/>
           </a:p>
@@ -1833,7 +1833,7 @@
           <a:p>
             <a:fld id="{DD47B1ED-05C6-43AD-85E9-3FF99C9F49B3}" type="datetimeFigureOut">
               <a:rPr lang="en-GB" smtClean="0"/>
-              <a:t>28/03/2018</a:t>
+              <a:t>02/05/2018</a:t>
             </a:fld>
             <a:endParaRPr lang="en-GB"/>
           </a:p>
@@ -2110,7 +2110,7 @@
           <a:p>
             <a:fld id="{DD47B1ED-05C6-43AD-85E9-3FF99C9F49B3}" type="datetimeFigureOut">
               <a:rPr lang="en-GB" smtClean="0"/>
-              <a:t>28/03/2018</a:t>
+              <a:t>02/05/2018</a:t>
             </a:fld>
             <a:endParaRPr lang="en-GB"/>
           </a:p>
@@ -2363,7 +2363,7 @@
           <a:p>
             <a:fld id="{DD47B1ED-05C6-43AD-85E9-3FF99C9F49B3}" type="datetimeFigureOut">
               <a:rPr lang="en-GB" smtClean="0"/>
-              <a:t>28/03/2018</a:t>
+              <a:t>02/05/2018</a:t>
             </a:fld>
             <a:endParaRPr lang="en-GB"/>
           </a:p>
@@ -2576,7 +2576,7 @@
           <a:p>
             <a:fld id="{DD47B1ED-05C6-43AD-85E9-3FF99C9F49B3}" type="datetimeFigureOut">
               <a:rPr lang="en-GB" smtClean="0"/>
-              <a:t>28/03/2018</a:t>
+              <a:t>02/05/2018</a:t>
             </a:fld>
             <a:endParaRPr lang="en-GB"/>
           </a:p>
@@ -3229,7 +3229,7 @@
                   </a:schemeClr>
                 </a:solidFill>
               </a:rPr>
-              <a:t>Working Group Meeting (27</a:t>
+              <a:t>Working Group Meeting (16</a:t>
             </a:r>
             <a:r>
               <a:rPr lang="en-GB" sz="1200" baseline="30000" dirty="0" smtClean="0">
@@ -3251,7 +3251,7 @@
                   </a:schemeClr>
                 </a:solidFill>
               </a:rPr>
-              <a:t> April)</a:t>
+              <a:t> May)</a:t>
             </a:r>
           </a:p>
           <a:p>
@@ -3310,7 +3310,7 @@
                   </a:schemeClr>
                 </a:solidFill>
               </a:rPr>
-              <a:t>Working Group Meeting (1</a:t>
+              <a:t>Working Group Meeting (14</a:t>
             </a:r>
             <a:r>
               <a:rPr lang="en-GB" sz="1200" baseline="30000" dirty="0" smtClean="0">
@@ -3321,7 +3321,7 @@
                   </a:schemeClr>
                 </a:solidFill>
               </a:rPr>
-              <a:t>st</a:t>
+              <a:t>th</a:t>
             </a:r>
             <a:r>
               <a:rPr lang="en-GB" sz="1200" dirty="0" smtClean="0">
@@ -3389,7 +3389,7 @@
         </p:nvSpPr>
         <p:spPr>
           <a:xfrm rot="5400000">
-            <a:off x="2837948" y="3401715"/>
+            <a:off x="2837871" y="3401715"/>
             <a:ext cx="5400000" cy="118800"/>
           </a:xfrm>
           <a:prstGeom prst="roundRect">
@@ -3435,7 +3435,7 @@
         </p:nvSpPr>
         <p:spPr>
           <a:xfrm rot="5400000">
-            <a:off x="5480652" y="728163"/>
+            <a:off x="5480206" y="728163"/>
             <a:ext cx="115330" cy="115330"/>
           </a:xfrm>
           <a:prstGeom prst="ellipse">
@@ -3478,8 +3478,8 @@
         </p:nvSpPr>
         <p:spPr>
           <a:xfrm rot="5400000">
-            <a:off x="3920190" y="4465620"/>
-            <a:ext cx="3240000" cy="122400"/>
+            <a:off x="4187871" y="4739319"/>
+            <a:ext cx="2700000" cy="122400"/>
           </a:xfrm>
           <a:prstGeom prst="roundRect">
             <a:avLst/>
@@ -3524,8 +3524,8 @@
         </p:nvSpPr>
         <p:spPr>
           <a:xfrm rot="5400000">
-            <a:off x="5126190" y="3280477"/>
-            <a:ext cx="828000" cy="122400"/>
+            <a:off x="5267871" y="3657265"/>
+            <a:ext cx="540000" cy="118800"/>
           </a:xfrm>
           <a:prstGeom prst="roundRect">
             <a:avLst/>
@@ -3582,7 +3582,7 @@
         </p:nvSpPr>
         <p:spPr>
           <a:xfrm rot="5400000">
-            <a:off x="5480652" y="1798137"/>
+            <a:off x="5480206" y="1798137"/>
             <a:ext cx="115330" cy="115330"/>
           </a:xfrm>
           <a:prstGeom prst="ellipse">
@@ -3625,7 +3625,7 @@
         </p:nvSpPr>
         <p:spPr>
           <a:xfrm rot="5400000">
-            <a:off x="5480652" y="6094514"/>
+            <a:off x="5480206" y="6094514"/>
             <a:ext cx="115330" cy="115330"/>
           </a:xfrm>
           <a:prstGeom prst="ellipse">
@@ -3674,7 +3674,7 @@
         </p:nvSpPr>
         <p:spPr>
           <a:xfrm rot="5400000">
-            <a:off x="5480652" y="2863762"/>
+            <a:off x="5480206" y="2863762"/>
             <a:ext cx="115330" cy="115330"/>
           </a:xfrm>
           <a:prstGeom prst="ellipse">
@@ -3727,7 +3727,7 @@
         </p:nvSpPr>
         <p:spPr>
           <a:xfrm rot="5400000">
-            <a:off x="5480652" y="3927959"/>
+            <a:off x="5480206" y="3927959"/>
             <a:ext cx="115330" cy="115330"/>
           </a:xfrm>
           <a:prstGeom prst="ellipse">
@@ -3776,7 +3776,7 @@
         </p:nvSpPr>
         <p:spPr>
           <a:xfrm rot="5400000">
-            <a:off x="5480652" y="5036649"/>
+            <a:off x="5480206" y="5036649"/>
             <a:ext cx="115330" cy="115330"/>
           </a:xfrm>
           <a:prstGeom prst="ellipse">
@@ -3840,7 +3840,7 @@
         </p:blipFill>
         <p:spPr bwMode="auto">
           <a:xfrm rot="16200000" flipH="1" flipV="1">
-            <a:off x="5589033" y="2804455"/>
+            <a:off x="5589033" y="3298730"/>
             <a:ext cx="273358" cy="273358"/>
           </a:xfrm>
           <a:prstGeom prst="rect">
@@ -3934,7 +3934,7 @@
         </p:nvSpPr>
         <p:spPr>
           <a:xfrm rot="5400000">
-            <a:off x="5502317" y="2326580"/>
+            <a:off x="5501871" y="2326580"/>
             <a:ext cx="72000" cy="72000"/>
           </a:xfrm>
           <a:prstGeom prst="ellipse">
@@ -3983,7 +3983,7 @@
         </p:nvSpPr>
         <p:spPr>
           <a:xfrm rot="5400000">
-            <a:off x="5502317" y="2325364"/>
+            <a:off x="5501871" y="2325364"/>
             <a:ext cx="72000" cy="72000"/>
           </a:xfrm>
           <a:prstGeom prst="ellipse">
@@ -4032,7 +4032,7 @@
         </p:nvSpPr>
         <p:spPr>
           <a:xfrm rot="5400000">
-            <a:off x="5502317" y="2698055"/>
+            <a:off x="5501871" y="2698055"/>
             <a:ext cx="72000" cy="72000"/>
           </a:xfrm>
           <a:prstGeom prst="ellipse">
@@ -4125,7 +4125,7 @@
         </p:nvSpPr>
         <p:spPr>
           <a:xfrm rot="5400000">
-            <a:off x="5502317" y="3726755"/>
+            <a:off x="5501871" y="3726755"/>
             <a:ext cx="72000" cy="72000"/>
           </a:xfrm>
           <a:prstGeom prst="ellipse">
@@ -4190,7 +4190,7 @@
           <a:p>
             <a:r>
               <a:rPr lang="en-GB" sz="1100" dirty="0" smtClean="0"/>
-              <a:t>19</a:t>
+              <a:t>14</a:t>
             </a:r>
             <a:r>
               <a:rPr lang="en-GB" sz="1100" baseline="30000" dirty="0" smtClean="0"/>
@@ -4198,7 +4198,7 @@
             </a:r>
             <a:r>
               <a:rPr lang="en-GB" sz="1100" dirty="0" smtClean="0"/>
-              <a:t> April: </a:t>
+              <a:t> May: </a:t>
             </a:r>
             <a:r>
               <a:rPr lang="en-GB" sz="1100" i="1" dirty="0" err="1" smtClean="0"/>
@@ -4228,7 +4228,7 @@
         </p:nvSpPr>
         <p:spPr>
           <a:xfrm rot="5400000">
-            <a:off x="5502317" y="4864355"/>
+            <a:off x="5501871" y="4864355"/>
             <a:ext cx="72000" cy="72000"/>
           </a:xfrm>
           <a:prstGeom prst="ellipse">
@@ -4292,30 +4292,79 @@
           <a:lstStyle/>
           <a:p>
             <a:r>
-              <a:rPr lang="en-GB" sz="1100" dirty="0" smtClean="0"/>
-              <a:t>26</a:t>
-            </a:r>
-            <a:r>
-              <a:rPr lang="en-GB" sz="1100" baseline="30000" dirty="0" smtClean="0"/>
+              <a:rPr lang="en-GB" sz="1100" dirty="0">
+                <a:solidFill>
+                  <a:schemeClr val="tx1">
+                    <a:lumMod val="65000"/>
+                    <a:lumOff val="35000"/>
+                  </a:schemeClr>
+                </a:solidFill>
+              </a:rPr>
+              <a:t>7</a:t>
+            </a:r>
+            <a:r>
+              <a:rPr lang="en-GB" sz="1100" baseline="30000" dirty="0" smtClean="0">
+                <a:solidFill>
+                  <a:schemeClr val="tx1">
+                    <a:lumMod val="65000"/>
+                    <a:lumOff val="35000"/>
+                  </a:schemeClr>
+                </a:solidFill>
+              </a:rPr>
               <a:t>th</a:t>
             </a:r>
             <a:r>
-              <a:rPr lang="en-GB" sz="1100" dirty="0" smtClean="0"/>
-              <a:t> May: </a:t>
-            </a:r>
-            <a:r>
-              <a:rPr lang="en-GB" sz="1100" dirty="0" err="1" smtClean="0"/>
+              <a:rPr lang="en-GB" sz="1100" dirty="0" smtClean="0">
+                <a:solidFill>
+                  <a:schemeClr val="tx1">
+                    <a:lumMod val="65000"/>
+                    <a:lumOff val="35000"/>
+                  </a:schemeClr>
+                </a:solidFill>
+              </a:rPr>
+              <a:t> June: </a:t>
+            </a:r>
+            <a:r>
+              <a:rPr lang="en-GB" sz="1100" dirty="0" err="1" smtClean="0">
+                <a:solidFill>
+                  <a:schemeClr val="tx1">
+                    <a:lumMod val="65000"/>
+                    <a:lumOff val="35000"/>
+                  </a:schemeClr>
+                </a:solidFill>
+              </a:rPr>
               <a:t>PoC</a:t>
             </a:r>
             <a:r>
-              <a:rPr lang="en-GB" sz="1100" dirty="0" smtClean="0"/>
+              <a:rPr lang="en-GB" sz="1100" dirty="0" smtClean="0">
+                <a:solidFill>
+                  <a:schemeClr val="tx1">
+                    <a:lumMod val="65000"/>
+                    <a:lumOff val="35000"/>
+                  </a:schemeClr>
+                </a:solidFill>
+              </a:rPr>
               <a:t> Report available for revision by WG</a:t>
             </a:r>
             <a:r>
-              <a:rPr lang="en-GB" sz="1100" i="1" dirty="0" smtClean="0"/>
+              <a:rPr lang="en-GB" sz="1100" i="1" dirty="0" smtClean="0">
+                <a:solidFill>
+                  <a:schemeClr val="tx1">
+                    <a:lumMod val="65000"/>
+                    <a:lumOff val="35000"/>
+                  </a:schemeClr>
+                </a:solidFill>
+              </a:rPr>
               <a:t>.</a:t>
             </a:r>
-            <a:endParaRPr lang="en-GB" sz="1100" i="1" dirty="0"/>
+            <a:endParaRPr lang="en-GB" sz="1100" i="1" dirty="0">
+              <a:solidFill>
+                <a:schemeClr val="tx1">
+                  <a:lumMod val="65000"/>
+                  <a:lumOff val="35000"/>
+                </a:schemeClr>
+              </a:solidFill>
+            </a:endParaRPr>
           </a:p>
         </p:txBody>
       </p:sp>
@@ -4327,7 +4376,7 @@
         </p:nvSpPr>
         <p:spPr>
           <a:xfrm rot="5400000">
-            <a:off x="5502317" y="5892515"/>
+            <a:off x="5501871" y="5892515"/>
             <a:ext cx="72000" cy="72000"/>
           </a:xfrm>
           <a:prstGeom prst="ellipse">
@@ -4391,18 +4440,46 @@
           <a:lstStyle/>
           <a:p>
             <a:r>
-              <a:rPr lang="en-GB" sz="1100" dirty="0" smtClean="0"/>
+              <a:rPr lang="en-GB" sz="1100" dirty="0" smtClean="0">
+                <a:solidFill>
+                  <a:schemeClr val="tx1">
+                    <a:lumMod val="65000"/>
+                    <a:lumOff val="35000"/>
+                  </a:schemeClr>
+                </a:solidFill>
+              </a:rPr>
               <a:t>18</a:t>
             </a:r>
             <a:r>
-              <a:rPr lang="en-GB" sz="1100" baseline="30000" dirty="0" smtClean="0"/>
+              <a:rPr lang="en-GB" sz="1100" baseline="30000" dirty="0" smtClean="0">
+                <a:solidFill>
+                  <a:schemeClr val="tx1">
+                    <a:lumMod val="65000"/>
+                    <a:lumOff val="35000"/>
+                  </a:schemeClr>
+                </a:solidFill>
+              </a:rPr>
               <a:t>th</a:t>
             </a:r>
             <a:r>
-              <a:rPr lang="en-GB" sz="1100" dirty="0" smtClean="0"/>
+              <a:rPr lang="en-GB" sz="1100" dirty="0" smtClean="0">
+                <a:solidFill>
+                  <a:schemeClr val="tx1">
+                    <a:lumMod val="65000"/>
+                    <a:lumOff val="35000"/>
+                  </a:schemeClr>
+                </a:solidFill>
+              </a:rPr>
               <a:t> June: Complete release v2.0.0 available for revision by WG.</a:t>
             </a:r>
-            <a:endParaRPr lang="en-GB" sz="1100" i="1" dirty="0"/>
+            <a:endParaRPr lang="en-GB" sz="1100" i="1" dirty="0">
+              <a:solidFill>
+                <a:schemeClr val="tx1">
+                  <a:lumMod val="65000"/>
+                  <a:lumOff val="35000"/>
+                </a:schemeClr>
+              </a:solidFill>
+            </a:endParaRPr>
           </a:p>
         </p:txBody>
       </p:sp>

--- a/01_Resources/Timeline.pptx
+++ b/01_Resources/Timeline.pptx
@@ -1,6 +1,6 @@
 
 <file path=ppt/presentation.xml><?xml version="1.0" encoding="utf-8"?>
-<p:presentation xmlns:a="http://schemas.openxmlformats.org/drawingml/2006/main" xmlns:r="http://schemas.openxmlformats.org/officeDocument/2006/relationships" xmlns:p="http://schemas.openxmlformats.org/presentationml/2006/main" saveSubsetFonts="1">
+<p:presentation xmlns:a="http://schemas.openxmlformats.org/drawingml/2006/main" xmlns:r="http://schemas.openxmlformats.org/officeDocument/2006/relationships" xmlns:p="http://schemas.openxmlformats.org/presentationml/2006/main" serverZoom="25340" saveSubsetFonts="1">
   <p:sldMasterIdLst>
     <p:sldMasterId id="2147483648" r:id="rId1"/>
   </p:sldMasterIdLst>
@@ -255,7 +255,7 @@
           <a:p>
             <a:fld id="{DD47B1ED-05C6-43AD-85E9-3FF99C9F49B3}" type="datetimeFigureOut">
               <a:rPr lang="en-GB" smtClean="0"/>
-              <a:t>02/05/2018</a:t>
+              <a:t>01/06/2018</a:t>
             </a:fld>
             <a:endParaRPr lang="en-GB"/>
           </a:p>
@@ -297,7 +297,7 @@
           <a:p>
             <a:fld id="{6413A868-572D-4B8C-BBFB-A139BCF98173}" type="slidenum">
               <a:rPr lang="en-GB" smtClean="0"/>
-              <a:t>‹Nº›</a:t>
+              <a:t>‹#›</a:t>
             </a:fld>
             <a:endParaRPr lang="en-GB"/>
           </a:p>
@@ -425,7 +425,7 @@
           <a:p>
             <a:fld id="{DD47B1ED-05C6-43AD-85E9-3FF99C9F49B3}" type="datetimeFigureOut">
               <a:rPr lang="en-GB" smtClean="0"/>
-              <a:t>02/05/2018</a:t>
+              <a:t>01/06/2018</a:t>
             </a:fld>
             <a:endParaRPr lang="en-GB"/>
           </a:p>
@@ -467,7 +467,7 @@
           <a:p>
             <a:fld id="{6413A868-572D-4B8C-BBFB-A139BCF98173}" type="slidenum">
               <a:rPr lang="en-GB" smtClean="0"/>
-              <a:t>‹Nº›</a:t>
+              <a:t>‹#›</a:t>
             </a:fld>
             <a:endParaRPr lang="en-GB"/>
           </a:p>
@@ -605,7 +605,7 @@
           <a:p>
             <a:fld id="{DD47B1ED-05C6-43AD-85E9-3FF99C9F49B3}" type="datetimeFigureOut">
               <a:rPr lang="en-GB" smtClean="0"/>
-              <a:t>02/05/2018</a:t>
+              <a:t>01/06/2018</a:t>
             </a:fld>
             <a:endParaRPr lang="en-GB"/>
           </a:p>
@@ -647,7 +647,7 @@
           <a:p>
             <a:fld id="{6413A868-572D-4B8C-BBFB-A139BCF98173}" type="slidenum">
               <a:rPr lang="en-GB" smtClean="0"/>
-              <a:t>‹Nº›</a:t>
+              <a:t>‹#›</a:t>
             </a:fld>
             <a:endParaRPr lang="en-GB"/>
           </a:p>
@@ -775,7 +775,7 @@
           <a:p>
             <a:fld id="{DD47B1ED-05C6-43AD-85E9-3FF99C9F49B3}" type="datetimeFigureOut">
               <a:rPr lang="en-GB" smtClean="0"/>
-              <a:t>02/05/2018</a:t>
+              <a:t>01/06/2018</a:t>
             </a:fld>
             <a:endParaRPr lang="en-GB"/>
           </a:p>
@@ -817,7 +817,7 @@
           <a:p>
             <a:fld id="{6413A868-572D-4B8C-BBFB-A139BCF98173}" type="slidenum">
               <a:rPr lang="en-GB" smtClean="0"/>
-              <a:t>‹Nº›</a:t>
+              <a:t>‹#›</a:t>
             </a:fld>
             <a:endParaRPr lang="en-GB"/>
           </a:p>
@@ -1021,7 +1021,7 @@
           <a:p>
             <a:fld id="{DD47B1ED-05C6-43AD-85E9-3FF99C9F49B3}" type="datetimeFigureOut">
               <a:rPr lang="en-GB" smtClean="0"/>
-              <a:t>02/05/2018</a:t>
+              <a:t>01/06/2018</a:t>
             </a:fld>
             <a:endParaRPr lang="en-GB"/>
           </a:p>
@@ -1063,7 +1063,7 @@
           <a:p>
             <a:fld id="{6413A868-572D-4B8C-BBFB-A139BCF98173}" type="slidenum">
               <a:rPr lang="en-GB" smtClean="0"/>
-              <a:t>‹Nº›</a:t>
+              <a:t>‹#›</a:t>
             </a:fld>
             <a:endParaRPr lang="en-GB"/>
           </a:p>
@@ -1253,7 +1253,7 @@
           <a:p>
             <a:fld id="{DD47B1ED-05C6-43AD-85E9-3FF99C9F49B3}" type="datetimeFigureOut">
               <a:rPr lang="en-GB" smtClean="0"/>
-              <a:t>02/05/2018</a:t>
+              <a:t>01/06/2018</a:t>
             </a:fld>
             <a:endParaRPr lang="en-GB"/>
           </a:p>
@@ -1295,7 +1295,7 @@
           <a:p>
             <a:fld id="{6413A868-572D-4B8C-BBFB-A139BCF98173}" type="slidenum">
               <a:rPr lang="en-GB" smtClean="0"/>
-              <a:t>‹Nº›</a:t>
+              <a:t>‹#›</a:t>
             </a:fld>
             <a:endParaRPr lang="en-GB"/>
           </a:p>
@@ -1620,7 +1620,7 @@
           <a:p>
             <a:fld id="{DD47B1ED-05C6-43AD-85E9-3FF99C9F49B3}" type="datetimeFigureOut">
               <a:rPr lang="en-GB" smtClean="0"/>
-              <a:t>02/05/2018</a:t>
+              <a:t>01/06/2018</a:t>
             </a:fld>
             <a:endParaRPr lang="en-GB"/>
           </a:p>
@@ -1662,7 +1662,7 @@
           <a:p>
             <a:fld id="{6413A868-572D-4B8C-BBFB-A139BCF98173}" type="slidenum">
               <a:rPr lang="en-GB" smtClean="0"/>
-              <a:t>‹Nº›</a:t>
+              <a:t>‹#›</a:t>
             </a:fld>
             <a:endParaRPr lang="en-GB"/>
           </a:p>
@@ -1738,7 +1738,7 @@
           <a:p>
             <a:fld id="{DD47B1ED-05C6-43AD-85E9-3FF99C9F49B3}" type="datetimeFigureOut">
               <a:rPr lang="en-GB" smtClean="0"/>
-              <a:t>02/05/2018</a:t>
+              <a:t>01/06/2018</a:t>
             </a:fld>
             <a:endParaRPr lang="en-GB"/>
           </a:p>
@@ -1780,7 +1780,7 @@
           <a:p>
             <a:fld id="{6413A868-572D-4B8C-BBFB-A139BCF98173}" type="slidenum">
               <a:rPr lang="en-GB" smtClean="0"/>
-              <a:t>‹Nº›</a:t>
+              <a:t>‹#›</a:t>
             </a:fld>
             <a:endParaRPr lang="en-GB"/>
           </a:p>
@@ -1833,7 +1833,7 @@
           <a:p>
             <a:fld id="{DD47B1ED-05C6-43AD-85E9-3FF99C9F49B3}" type="datetimeFigureOut">
               <a:rPr lang="en-GB" smtClean="0"/>
-              <a:t>02/05/2018</a:t>
+              <a:t>01/06/2018</a:t>
             </a:fld>
             <a:endParaRPr lang="en-GB"/>
           </a:p>
@@ -1875,7 +1875,7 @@
           <a:p>
             <a:fld id="{6413A868-572D-4B8C-BBFB-A139BCF98173}" type="slidenum">
               <a:rPr lang="en-GB" smtClean="0"/>
-              <a:t>‹Nº›</a:t>
+              <a:t>‹#›</a:t>
             </a:fld>
             <a:endParaRPr lang="en-GB"/>
           </a:p>
@@ -2110,7 +2110,7 @@
           <a:p>
             <a:fld id="{DD47B1ED-05C6-43AD-85E9-3FF99C9F49B3}" type="datetimeFigureOut">
               <a:rPr lang="en-GB" smtClean="0"/>
-              <a:t>02/05/2018</a:t>
+              <a:t>01/06/2018</a:t>
             </a:fld>
             <a:endParaRPr lang="en-GB"/>
           </a:p>
@@ -2152,7 +2152,7 @@
           <a:p>
             <a:fld id="{6413A868-572D-4B8C-BBFB-A139BCF98173}" type="slidenum">
               <a:rPr lang="en-GB" smtClean="0"/>
-              <a:t>‹Nº›</a:t>
+              <a:t>‹#›</a:t>
             </a:fld>
             <a:endParaRPr lang="en-GB"/>
           </a:p>
@@ -2363,7 +2363,7 @@
           <a:p>
             <a:fld id="{DD47B1ED-05C6-43AD-85E9-3FF99C9F49B3}" type="datetimeFigureOut">
               <a:rPr lang="en-GB" smtClean="0"/>
-              <a:t>02/05/2018</a:t>
+              <a:t>01/06/2018</a:t>
             </a:fld>
             <a:endParaRPr lang="en-GB"/>
           </a:p>
@@ -2405,7 +2405,7 @@
           <a:p>
             <a:fld id="{6413A868-572D-4B8C-BBFB-A139BCF98173}" type="slidenum">
               <a:rPr lang="en-GB" smtClean="0"/>
-              <a:t>‹Nº›</a:t>
+              <a:t>‹#›</a:t>
             </a:fld>
             <a:endParaRPr lang="en-GB"/>
           </a:p>
@@ -2576,7 +2576,7 @@
           <a:p>
             <a:fld id="{DD47B1ED-05C6-43AD-85E9-3FF99C9F49B3}" type="datetimeFigureOut">
               <a:rPr lang="en-GB" smtClean="0"/>
-              <a:t>02/05/2018</a:t>
+              <a:t>01/06/2018</a:t>
             </a:fld>
             <a:endParaRPr lang="en-GB"/>
           </a:p>
@@ -2654,7 +2654,7 @@
           <a:p>
             <a:fld id="{6413A868-572D-4B8C-BBFB-A139BCF98173}" type="slidenum">
               <a:rPr lang="en-GB" smtClean="0"/>
-              <a:t>‹Nº›</a:t>
+              <a:t>‹#›</a:t>
             </a:fld>
             <a:endParaRPr lang="en-GB"/>
           </a:p>
@@ -4222,154 +4222,6 @@
       </p:sp>
       <p:sp>
         <p:nvSpPr>
-          <p:cNvPr id="42" name="Elipse 41"/>
-          <p:cNvSpPr/>
-          <p:nvPr/>
-        </p:nvSpPr>
-        <p:spPr>
-          <a:xfrm rot="5400000">
-            <a:off x="5501871" y="4864355"/>
-            <a:ext cx="72000" cy="72000"/>
-          </a:xfrm>
-          <a:prstGeom prst="ellipse">
-            <a:avLst/>
-          </a:prstGeom>
-          <a:solidFill>
-            <a:schemeClr val="accent1">
-              <a:lumMod val="60000"/>
-              <a:lumOff val="40000"/>
-            </a:schemeClr>
-          </a:solidFill>
-          <a:ln>
-            <a:noFill/>
-          </a:ln>
-        </p:spPr>
-        <p:style>
-          <a:lnRef idx="2">
-            <a:schemeClr val="dk1">
-              <a:shade val="50000"/>
-            </a:schemeClr>
-          </a:lnRef>
-          <a:fillRef idx="1">
-            <a:schemeClr val="dk1"/>
-          </a:fillRef>
-          <a:effectRef idx="0">
-            <a:schemeClr val="dk1"/>
-          </a:effectRef>
-          <a:fontRef idx="minor">
-            <a:schemeClr val="lt1"/>
-          </a:fontRef>
-        </p:style>
-        <p:txBody>
-          <a:bodyPr rtlCol="0" anchor="ctr"/>
-          <a:lstStyle/>
-          <a:p>
-            <a:pPr algn="ctr"/>
-            <a:endParaRPr lang="en-GB"/>
-          </a:p>
-        </p:txBody>
-      </p:sp>
-      <p:sp>
-        <p:nvSpPr>
-          <p:cNvPr id="43" name="CuadroTexto 42"/>
-          <p:cNvSpPr txBox="1"/>
-          <p:nvPr/>
-        </p:nvSpPr>
-        <p:spPr>
-          <a:xfrm>
-            <a:off x="5660208" y="4764131"/>
-            <a:ext cx="3874317" cy="261610"/>
-          </a:xfrm>
-          <a:prstGeom prst="rect">
-            <a:avLst/>
-          </a:prstGeom>
-          <a:noFill/>
-        </p:spPr>
-        <p:txBody>
-          <a:bodyPr wrap="square" rtlCol="0">
-            <a:spAutoFit/>
-          </a:bodyPr>
-          <a:lstStyle/>
-          <a:p>
-            <a:r>
-              <a:rPr lang="en-GB" sz="1100" dirty="0">
-                <a:solidFill>
-                  <a:schemeClr val="tx1">
-                    <a:lumMod val="65000"/>
-                    <a:lumOff val="35000"/>
-                  </a:schemeClr>
-                </a:solidFill>
-              </a:rPr>
-              <a:t>7</a:t>
-            </a:r>
-            <a:r>
-              <a:rPr lang="en-GB" sz="1100" baseline="30000" dirty="0" smtClean="0">
-                <a:solidFill>
-                  <a:schemeClr val="tx1">
-                    <a:lumMod val="65000"/>
-                    <a:lumOff val="35000"/>
-                  </a:schemeClr>
-                </a:solidFill>
-              </a:rPr>
-              <a:t>th</a:t>
-            </a:r>
-            <a:r>
-              <a:rPr lang="en-GB" sz="1100" dirty="0" smtClean="0">
-                <a:solidFill>
-                  <a:schemeClr val="tx1">
-                    <a:lumMod val="65000"/>
-                    <a:lumOff val="35000"/>
-                  </a:schemeClr>
-                </a:solidFill>
-              </a:rPr>
-              <a:t> June: </a:t>
-            </a:r>
-            <a:r>
-              <a:rPr lang="en-GB" sz="1100" dirty="0" err="1" smtClean="0">
-                <a:solidFill>
-                  <a:schemeClr val="tx1">
-                    <a:lumMod val="65000"/>
-                    <a:lumOff val="35000"/>
-                  </a:schemeClr>
-                </a:solidFill>
-              </a:rPr>
-              <a:t>PoC</a:t>
-            </a:r>
-            <a:r>
-              <a:rPr lang="en-GB" sz="1100" dirty="0" smtClean="0">
-                <a:solidFill>
-                  <a:schemeClr val="tx1">
-                    <a:lumMod val="65000"/>
-                    <a:lumOff val="35000"/>
-                  </a:schemeClr>
-                </a:solidFill>
-              </a:rPr>
-              <a:t> Report available for revision by WG</a:t>
-            </a:r>
-            <a:r>
-              <a:rPr lang="en-GB" sz="1100" i="1" dirty="0" smtClean="0">
-                <a:solidFill>
-                  <a:schemeClr val="tx1">
-                    <a:lumMod val="65000"/>
-                    <a:lumOff val="35000"/>
-                  </a:schemeClr>
-                </a:solidFill>
-              </a:rPr>
-              <a:t>.</a:t>
-            </a:r>
-            <a:endParaRPr lang="en-GB" sz="1100" i="1" dirty="0">
-              <a:solidFill>
-                <a:schemeClr val="tx1">
-                  <a:lumMod val="65000"/>
-                  <a:lumOff val="35000"/>
-                </a:schemeClr>
-              </a:solidFill>
-            </a:endParaRPr>
-          </a:p>
-        </p:txBody>
-      </p:sp>
-      <p:sp>
-        <p:nvSpPr>
           <p:cNvPr id="39" name="Elipse 38"/>
           <p:cNvSpPr/>
           <p:nvPr/>

--- a/01_Resources/Timeline.pptx
+++ b/01_Resources/Timeline.pptx
@@ -255,7 +255,7 @@
           <a:p>
             <a:fld id="{DD47B1ED-05C6-43AD-85E9-3FF99C9F49B3}" type="datetimeFigureOut">
               <a:rPr lang="en-GB" smtClean="0"/>
-              <a:t>01/06/2018</a:t>
+              <a:t>05/06/2018</a:t>
             </a:fld>
             <a:endParaRPr lang="en-GB"/>
           </a:p>
@@ -425,7 +425,7 @@
           <a:p>
             <a:fld id="{DD47B1ED-05C6-43AD-85E9-3FF99C9F49B3}" type="datetimeFigureOut">
               <a:rPr lang="en-GB" smtClean="0"/>
-              <a:t>01/06/2018</a:t>
+              <a:t>05/06/2018</a:t>
             </a:fld>
             <a:endParaRPr lang="en-GB"/>
           </a:p>
@@ -605,7 +605,7 @@
           <a:p>
             <a:fld id="{DD47B1ED-05C6-43AD-85E9-3FF99C9F49B3}" type="datetimeFigureOut">
               <a:rPr lang="en-GB" smtClean="0"/>
-              <a:t>01/06/2018</a:t>
+              <a:t>05/06/2018</a:t>
             </a:fld>
             <a:endParaRPr lang="en-GB"/>
           </a:p>
@@ -775,7 +775,7 @@
           <a:p>
             <a:fld id="{DD47B1ED-05C6-43AD-85E9-3FF99C9F49B3}" type="datetimeFigureOut">
               <a:rPr lang="en-GB" smtClean="0"/>
-              <a:t>01/06/2018</a:t>
+              <a:t>05/06/2018</a:t>
             </a:fld>
             <a:endParaRPr lang="en-GB"/>
           </a:p>
@@ -1021,7 +1021,7 @@
           <a:p>
             <a:fld id="{DD47B1ED-05C6-43AD-85E9-3FF99C9F49B3}" type="datetimeFigureOut">
               <a:rPr lang="en-GB" smtClean="0"/>
-              <a:t>01/06/2018</a:t>
+              <a:t>05/06/2018</a:t>
             </a:fld>
             <a:endParaRPr lang="en-GB"/>
           </a:p>
@@ -1253,7 +1253,7 @@
           <a:p>
             <a:fld id="{DD47B1ED-05C6-43AD-85E9-3FF99C9F49B3}" type="datetimeFigureOut">
               <a:rPr lang="en-GB" smtClean="0"/>
-              <a:t>01/06/2018</a:t>
+              <a:t>05/06/2018</a:t>
             </a:fld>
             <a:endParaRPr lang="en-GB"/>
           </a:p>
@@ -1620,7 +1620,7 @@
           <a:p>
             <a:fld id="{DD47B1ED-05C6-43AD-85E9-3FF99C9F49B3}" type="datetimeFigureOut">
               <a:rPr lang="en-GB" smtClean="0"/>
-              <a:t>01/06/2018</a:t>
+              <a:t>05/06/2018</a:t>
             </a:fld>
             <a:endParaRPr lang="en-GB"/>
           </a:p>
@@ -1738,7 +1738,7 @@
           <a:p>
             <a:fld id="{DD47B1ED-05C6-43AD-85E9-3FF99C9F49B3}" type="datetimeFigureOut">
               <a:rPr lang="en-GB" smtClean="0"/>
-              <a:t>01/06/2018</a:t>
+              <a:t>05/06/2018</a:t>
             </a:fld>
             <a:endParaRPr lang="en-GB"/>
           </a:p>
@@ -1833,7 +1833,7 @@
           <a:p>
             <a:fld id="{DD47B1ED-05C6-43AD-85E9-3FF99C9F49B3}" type="datetimeFigureOut">
               <a:rPr lang="en-GB" smtClean="0"/>
-              <a:t>01/06/2018</a:t>
+              <a:t>05/06/2018</a:t>
             </a:fld>
             <a:endParaRPr lang="en-GB"/>
           </a:p>
@@ -2110,7 +2110,7 @@
           <a:p>
             <a:fld id="{DD47B1ED-05C6-43AD-85E9-3FF99C9F49B3}" type="datetimeFigureOut">
               <a:rPr lang="en-GB" smtClean="0"/>
-              <a:t>01/06/2018</a:t>
+              <a:t>05/06/2018</a:t>
             </a:fld>
             <a:endParaRPr lang="en-GB"/>
           </a:p>
@@ -2363,7 +2363,7 @@
           <a:p>
             <a:fld id="{DD47B1ED-05C6-43AD-85E9-3FF99C9F49B3}" type="datetimeFigureOut">
               <a:rPr lang="en-GB" smtClean="0"/>
-              <a:t>01/06/2018</a:t>
+              <a:t>05/06/2018</a:t>
             </a:fld>
             <a:endParaRPr lang="en-GB"/>
           </a:p>
@@ -2576,7 +2576,7 @@
           <a:p>
             <a:fld id="{DD47B1ED-05C6-43AD-85E9-3FF99C9F49B3}" type="datetimeFigureOut">
               <a:rPr lang="en-GB" smtClean="0"/>
-              <a:t>01/06/2018</a:t>
+              <a:t>05/06/2018</a:t>
             </a:fld>
             <a:endParaRPr lang="en-GB"/>
           </a:p>
@@ -2991,1350 +2991,1376 @@
           <a:chExt cx="0" cy="0"/>
         </a:xfrm>
       </p:grpSpPr>
-      <p:sp>
-        <p:nvSpPr>
-          <p:cNvPr id="22" name="CuadroTexto 21"/>
-          <p:cNvSpPr txBox="1"/>
+      <p:grpSp>
+        <p:nvGrpSpPr>
+          <p:cNvPr id="2" name="Group 1"/>
+          <p:cNvGrpSpPr/>
           <p:nvPr/>
-        </p:nvSpPr>
-        <p:spPr>
+        </p:nvGrpSpPr>
+        <p:grpSpPr>
           <a:xfrm>
-            <a:off x="3282608" y="628882"/>
-            <a:ext cx="2153154" cy="276999"/>
+            <a:off x="1037228" y="628882"/>
+            <a:ext cx="9019239" cy="5645456"/>
+            <a:chOff x="1037228" y="628882"/>
+            <a:chExt cx="9019239" cy="5645456"/>
           </a:xfrm>
-          <a:prstGeom prst="rect">
-            <a:avLst/>
-          </a:prstGeom>
-          <a:noFill/>
-        </p:spPr>
-        <p:txBody>
-          <a:bodyPr wrap="none" rtlCol="0">
-            <a:spAutoFit/>
-          </a:bodyPr>
-          <a:lstStyle/>
-          <a:p>
-            <a:pPr algn="r"/>
-            <a:r>
-              <a:rPr lang="en-GB" sz="1200" b="1" dirty="0" smtClean="0"/>
-              <a:t>Kick-off Meeting (23</a:t>
-            </a:r>
-            <a:r>
-              <a:rPr lang="en-GB" sz="1200" b="1" baseline="30000" dirty="0" smtClean="0"/>
-              <a:t>rd</a:t>
-            </a:r>
-            <a:r>
-              <a:rPr lang="en-GB" sz="1200" b="1" dirty="0" smtClean="0"/>
-              <a:t> January)</a:t>
-            </a:r>
-            <a:endParaRPr lang="en-GB" sz="1200" b="1" dirty="0"/>
-          </a:p>
-        </p:txBody>
-      </p:sp>
-      <p:sp>
-        <p:nvSpPr>
-          <p:cNvPr id="23" name="CuadroTexto 22"/>
-          <p:cNvSpPr txBox="1"/>
-          <p:nvPr/>
-        </p:nvSpPr>
-        <p:spPr>
-          <a:xfrm>
-            <a:off x="3196751" y="5997339"/>
-            <a:ext cx="2239011" cy="276999"/>
-          </a:xfrm>
-          <a:prstGeom prst="rect">
-            <a:avLst/>
-          </a:prstGeom>
-          <a:noFill/>
-        </p:spPr>
-        <p:txBody>
-          <a:bodyPr wrap="none" rtlCol="0">
-            <a:spAutoFit/>
-          </a:bodyPr>
-          <a:lstStyle/>
-          <a:p>
-            <a:pPr algn="r"/>
-            <a:r>
-              <a:rPr lang="en-GB" sz="1200" b="1" dirty="0" smtClean="0">
+        </p:grpSpPr>
+        <p:sp>
+          <p:nvSpPr>
+            <p:cNvPr id="22" name="CuadroTexto 21"/>
+            <p:cNvSpPr txBox="1"/>
+            <p:nvPr/>
+          </p:nvSpPr>
+          <p:spPr>
+            <a:xfrm>
+              <a:off x="3282608" y="628882"/>
+              <a:ext cx="2153154" cy="276999"/>
+            </a:xfrm>
+            <a:prstGeom prst="rect">
+              <a:avLst/>
+            </a:prstGeom>
+            <a:noFill/>
+          </p:spPr>
+          <p:txBody>
+            <a:bodyPr wrap="none" rtlCol="0">
+              <a:spAutoFit/>
+            </a:bodyPr>
+            <a:lstStyle/>
+            <a:p>
+              <a:pPr algn="r"/>
+              <a:r>
+                <a:rPr lang="en-GB" sz="1200" b="1" dirty="0" smtClean="0"/>
+                <a:t>Kick-off Meeting (23</a:t>
+              </a:r>
+              <a:r>
+                <a:rPr lang="en-GB" sz="1200" b="1" baseline="30000" dirty="0" smtClean="0"/>
+                <a:t>rd</a:t>
+              </a:r>
+              <a:r>
+                <a:rPr lang="en-GB" sz="1200" b="1" dirty="0" smtClean="0"/>
+                <a:t> January)</a:t>
+              </a:r>
+              <a:endParaRPr lang="en-GB" sz="1200" b="1" dirty="0"/>
+            </a:p>
+          </p:txBody>
+        </p:sp>
+        <p:sp>
+          <p:nvSpPr>
+            <p:cNvPr id="23" name="CuadroTexto 22"/>
+            <p:cNvSpPr txBox="1"/>
+            <p:nvPr/>
+          </p:nvSpPr>
+          <p:spPr>
+            <a:xfrm>
+              <a:off x="3196751" y="5997339"/>
+              <a:ext cx="2239011" cy="276999"/>
+            </a:xfrm>
+            <a:prstGeom prst="rect">
+              <a:avLst/>
+            </a:prstGeom>
+            <a:noFill/>
+          </p:spPr>
+          <p:txBody>
+            <a:bodyPr wrap="none" rtlCol="0">
+              <a:spAutoFit/>
+            </a:bodyPr>
+            <a:lstStyle/>
+            <a:p>
+              <a:pPr algn="r"/>
+              <a:r>
+                <a:rPr lang="en-GB" sz="1200" b="1" dirty="0" smtClean="0">
+                  <a:solidFill>
+                    <a:schemeClr val="tx1">
+                      <a:lumMod val="65000"/>
+                      <a:lumOff val="35000"/>
+                    </a:schemeClr>
+                  </a:solidFill>
+                </a:rPr>
+                <a:t>Release version 2.0.0 (25</a:t>
+              </a:r>
+              <a:r>
+                <a:rPr lang="en-GB" sz="1200" b="1" baseline="30000" dirty="0" smtClean="0">
+                  <a:solidFill>
+                    <a:schemeClr val="tx1">
+                      <a:lumMod val="65000"/>
+                      <a:lumOff val="35000"/>
+                    </a:schemeClr>
+                  </a:solidFill>
+                </a:rPr>
+                <a:t>th</a:t>
+              </a:r>
+              <a:r>
+                <a:rPr lang="en-GB" sz="1200" b="1" dirty="0" smtClean="0">
+                  <a:solidFill>
+                    <a:schemeClr val="tx1">
+                      <a:lumMod val="65000"/>
+                      <a:lumOff val="35000"/>
+                    </a:schemeClr>
+                  </a:solidFill>
+                </a:rPr>
+                <a:t> June)</a:t>
+              </a:r>
+              <a:endParaRPr lang="en-GB" sz="1200" b="1" dirty="0">
                 <a:solidFill>
                   <a:schemeClr val="tx1">
                     <a:lumMod val="65000"/>
                     <a:lumOff val="35000"/>
                   </a:schemeClr>
                 </a:solidFill>
-              </a:rPr>
-              <a:t>Release version 2.0.0 (25</a:t>
-            </a:r>
-            <a:r>
-              <a:rPr lang="en-GB" sz="1200" b="1" baseline="30000" dirty="0" smtClean="0">
+              </a:endParaRPr>
+            </a:p>
+          </p:txBody>
+        </p:sp>
+        <p:sp>
+          <p:nvSpPr>
+            <p:cNvPr id="26" name="CuadroTexto 25"/>
+            <p:cNvSpPr txBox="1"/>
+            <p:nvPr/>
+          </p:nvSpPr>
+          <p:spPr>
+            <a:xfrm>
+              <a:off x="1037229" y="1698856"/>
+              <a:ext cx="4398531" cy="646331"/>
+            </a:xfrm>
+            <a:prstGeom prst="rect">
+              <a:avLst/>
+            </a:prstGeom>
+            <a:noFill/>
+          </p:spPr>
+          <p:txBody>
+            <a:bodyPr wrap="square" rtlCol="0">
+              <a:spAutoFit/>
+            </a:bodyPr>
+            <a:lstStyle/>
+            <a:p>
+              <a:pPr algn="r"/>
+              <a:r>
+                <a:rPr lang="en-GB" sz="1200" dirty="0" smtClean="0"/>
+                <a:t>Working Group Meeting (23</a:t>
+              </a:r>
+              <a:r>
+                <a:rPr lang="en-GB" sz="1200" baseline="30000" dirty="0" smtClean="0"/>
+                <a:t>rd</a:t>
+              </a:r>
+              <a:r>
+                <a:rPr lang="en-GB" sz="1200" dirty="0" smtClean="0"/>
+                <a:t> February)</a:t>
+              </a:r>
+            </a:p>
+            <a:p>
+              <a:pPr algn="r"/>
+              <a:r>
+                <a:rPr lang="en-GB" sz="1200" i="1" dirty="0" smtClean="0"/>
+                <a:t>Subject: Presentation of the new mission, considerations on the scope and methodology.</a:t>
+              </a:r>
+              <a:endParaRPr lang="en-GB" sz="1200" i="1" dirty="0"/>
+            </a:p>
+          </p:txBody>
+        </p:sp>
+        <p:sp>
+          <p:nvSpPr>
+            <p:cNvPr id="29" name="CuadroTexto 28"/>
+            <p:cNvSpPr txBox="1"/>
+            <p:nvPr/>
+          </p:nvSpPr>
+          <p:spPr>
+            <a:xfrm>
+              <a:off x="1037228" y="2778415"/>
+              <a:ext cx="4398533" cy="646331"/>
+            </a:xfrm>
+            <a:prstGeom prst="rect">
+              <a:avLst/>
+            </a:prstGeom>
+            <a:noFill/>
+          </p:spPr>
+          <p:txBody>
+            <a:bodyPr wrap="square" rtlCol="0">
+              <a:spAutoFit/>
+            </a:bodyPr>
+            <a:lstStyle/>
+            <a:p>
+              <a:pPr algn="r"/>
+              <a:r>
+                <a:rPr lang="en-GB" sz="1200" dirty="0" smtClean="0"/>
+                <a:t>Working Group Meeting (28</a:t>
+              </a:r>
+              <a:r>
+                <a:rPr lang="en-GB" sz="1200" baseline="30000" dirty="0" smtClean="0"/>
+                <a:t>th</a:t>
+              </a:r>
+              <a:r>
+                <a:rPr lang="en-GB" sz="1200" dirty="0" smtClean="0"/>
+                <a:t> March)</a:t>
+              </a:r>
+            </a:p>
+            <a:p>
+              <a:pPr algn="r"/>
+              <a:r>
+                <a:rPr lang="en-GB" sz="1200" i="1" dirty="0" smtClean="0"/>
+                <a:t>Subject: </a:t>
+              </a:r>
+              <a:r>
+                <a:rPr lang="en-GB" sz="1200" i="1" dirty="0" err="1" smtClean="0"/>
+                <a:t>PoC</a:t>
+              </a:r>
+              <a:r>
+                <a:rPr lang="en-GB" sz="1200" i="1" dirty="0" smtClean="0"/>
+                <a:t> validation of the approach, the use case and the expected results.</a:t>
+              </a:r>
+              <a:endParaRPr lang="en-GB" sz="1200" i="1" dirty="0"/>
+            </a:p>
+          </p:txBody>
+        </p:sp>
+        <p:sp>
+          <p:nvSpPr>
+            <p:cNvPr id="31" name="CuadroTexto 30"/>
+            <p:cNvSpPr txBox="1"/>
+            <p:nvPr/>
+          </p:nvSpPr>
+          <p:spPr>
+            <a:xfrm>
+              <a:off x="1037228" y="3857974"/>
+              <a:ext cx="4398534" cy="646331"/>
+            </a:xfrm>
+            <a:prstGeom prst="rect">
+              <a:avLst/>
+            </a:prstGeom>
+            <a:noFill/>
+          </p:spPr>
+          <p:txBody>
+            <a:bodyPr wrap="square" rtlCol="0">
+              <a:spAutoFit/>
+            </a:bodyPr>
+            <a:lstStyle/>
+            <a:p>
+              <a:pPr algn="r"/>
+              <a:r>
+                <a:rPr lang="en-GB" sz="1200" dirty="0" smtClean="0">
+                  <a:solidFill>
+                    <a:schemeClr val="tx1">
+                      <a:lumMod val="65000"/>
+                      <a:lumOff val="35000"/>
+                    </a:schemeClr>
+                  </a:solidFill>
+                </a:rPr>
+                <a:t>Working Group Meeting (16</a:t>
+              </a:r>
+              <a:r>
+                <a:rPr lang="en-GB" sz="1200" baseline="30000" dirty="0" smtClean="0">
+                  <a:solidFill>
+                    <a:schemeClr val="tx1">
+                      <a:lumMod val="65000"/>
+                      <a:lumOff val="35000"/>
+                    </a:schemeClr>
+                  </a:solidFill>
+                </a:rPr>
+                <a:t>th</a:t>
+              </a:r>
+              <a:r>
+                <a:rPr lang="en-GB" sz="1200" dirty="0" smtClean="0">
+                  <a:solidFill>
+                    <a:schemeClr val="tx1">
+                      <a:lumMod val="65000"/>
+                      <a:lumOff val="35000"/>
+                    </a:schemeClr>
+                  </a:solidFill>
+                </a:rPr>
+                <a:t> May)</a:t>
+              </a:r>
+            </a:p>
+            <a:p>
+              <a:pPr algn="r"/>
+              <a:r>
+                <a:rPr lang="en-GB" sz="1200" i="1" dirty="0" smtClean="0">
+                  <a:solidFill>
+                    <a:schemeClr val="tx1">
+                      <a:lumMod val="65000"/>
+                      <a:lumOff val="35000"/>
+                    </a:schemeClr>
+                  </a:solidFill>
+                </a:rPr>
+                <a:t>Subject: Revision of the ontology, conceptual model and design considerations.</a:t>
+              </a:r>
+              <a:endParaRPr lang="en-GB" sz="1200" i="1" dirty="0">
                 <a:solidFill>
                   <a:schemeClr val="tx1">
                     <a:lumMod val="65000"/>
                     <a:lumOff val="35000"/>
                   </a:schemeClr>
                 </a:solidFill>
-              </a:rPr>
-              <a:t>th</a:t>
-            </a:r>
-            <a:r>
-              <a:rPr lang="en-GB" sz="1200" b="1" dirty="0" smtClean="0">
+              </a:endParaRPr>
+            </a:p>
+          </p:txBody>
+        </p:sp>
+        <p:sp>
+          <p:nvSpPr>
+            <p:cNvPr id="33" name="CuadroTexto 32"/>
+            <p:cNvSpPr txBox="1"/>
+            <p:nvPr/>
+          </p:nvSpPr>
+          <p:spPr>
+            <a:xfrm>
+              <a:off x="1037228" y="4934794"/>
+              <a:ext cx="4398534" cy="646331"/>
+            </a:xfrm>
+            <a:prstGeom prst="rect">
+              <a:avLst/>
+            </a:prstGeom>
+            <a:noFill/>
+          </p:spPr>
+          <p:txBody>
+            <a:bodyPr wrap="square" rtlCol="0">
+              <a:spAutoFit/>
+            </a:bodyPr>
+            <a:lstStyle/>
+            <a:p>
+              <a:pPr algn="r"/>
+              <a:r>
+                <a:rPr lang="en-GB" sz="1200" dirty="0" smtClean="0">
+                  <a:solidFill>
+                    <a:schemeClr val="tx1">
+                      <a:lumMod val="65000"/>
+                      <a:lumOff val="35000"/>
+                    </a:schemeClr>
+                  </a:solidFill>
+                </a:rPr>
+                <a:t>Working Group Meeting (14</a:t>
+              </a:r>
+              <a:r>
+                <a:rPr lang="en-GB" sz="1200" baseline="30000" dirty="0" smtClean="0">
+                  <a:solidFill>
+                    <a:schemeClr val="tx1">
+                      <a:lumMod val="65000"/>
+                      <a:lumOff val="35000"/>
+                    </a:schemeClr>
+                  </a:solidFill>
+                </a:rPr>
+                <a:t>th</a:t>
+              </a:r>
+              <a:r>
+                <a:rPr lang="en-GB" sz="1200" dirty="0" smtClean="0">
+                  <a:solidFill>
+                    <a:schemeClr val="tx1">
+                      <a:lumMod val="65000"/>
+                      <a:lumOff val="35000"/>
+                    </a:schemeClr>
+                  </a:solidFill>
+                </a:rPr>
+                <a:t> June)</a:t>
+              </a:r>
+            </a:p>
+            <a:p>
+              <a:pPr algn="r"/>
+              <a:r>
+                <a:rPr lang="en-GB" sz="1200" i="1" dirty="0" smtClean="0">
+                  <a:solidFill>
+                    <a:schemeClr val="tx1">
+                      <a:lumMod val="65000"/>
+                      <a:lumOff val="35000"/>
+                    </a:schemeClr>
+                  </a:solidFill>
+                </a:rPr>
+                <a:t>Subject: Revision of the ontology, OWL implementation and results of the </a:t>
+              </a:r>
+              <a:r>
+                <a:rPr lang="en-GB" sz="1200" i="1" dirty="0" err="1" smtClean="0">
+                  <a:solidFill>
+                    <a:schemeClr val="tx1">
+                      <a:lumMod val="65000"/>
+                      <a:lumOff val="35000"/>
+                    </a:schemeClr>
+                  </a:solidFill>
+                </a:rPr>
+                <a:t>PoC</a:t>
+              </a:r>
+              <a:r>
+                <a:rPr lang="en-GB" sz="1200" i="1" dirty="0" smtClean="0">
+                  <a:solidFill>
+                    <a:schemeClr val="tx1">
+                      <a:lumMod val="65000"/>
+                      <a:lumOff val="35000"/>
+                    </a:schemeClr>
+                  </a:solidFill>
+                </a:rPr>
+                <a:t>.</a:t>
+              </a:r>
+              <a:endParaRPr lang="en-GB" sz="1200" i="1" dirty="0">
                 <a:solidFill>
                   <a:schemeClr val="tx1">
                     <a:lumMod val="65000"/>
                     <a:lumOff val="35000"/>
                   </a:schemeClr>
                 </a:solidFill>
-              </a:rPr>
-              <a:t> June)</a:t>
-            </a:r>
-            <a:endParaRPr lang="en-GB" sz="1200" b="1" dirty="0">
-              <a:solidFill>
-                <a:schemeClr val="tx1">
-                  <a:lumMod val="65000"/>
-                  <a:lumOff val="35000"/>
-                </a:schemeClr>
-              </a:solidFill>
-            </a:endParaRPr>
-          </a:p>
-        </p:txBody>
-      </p:sp>
-      <p:sp>
-        <p:nvSpPr>
-          <p:cNvPr id="26" name="CuadroTexto 25"/>
-          <p:cNvSpPr txBox="1"/>
-          <p:nvPr/>
-        </p:nvSpPr>
-        <p:spPr>
-          <a:xfrm>
-            <a:off x="1037229" y="1698856"/>
-            <a:ext cx="4398531" cy="646331"/>
-          </a:xfrm>
-          <a:prstGeom prst="rect">
-            <a:avLst/>
-          </a:prstGeom>
-          <a:noFill/>
-        </p:spPr>
-        <p:txBody>
-          <a:bodyPr wrap="square" rtlCol="0">
-            <a:spAutoFit/>
-          </a:bodyPr>
-          <a:lstStyle/>
-          <a:p>
-            <a:pPr algn="r"/>
-            <a:r>
-              <a:rPr lang="en-GB" sz="1200" dirty="0" smtClean="0"/>
-              <a:t>Working Group Meeting (23</a:t>
-            </a:r>
-            <a:r>
-              <a:rPr lang="en-GB" sz="1200" baseline="30000" dirty="0" smtClean="0"/>
-              <a:t>rd</a:t>
-            </a:r>
-            <a:r>
-              <a:rPr lang="en-GB" sz="1200" dirty="0" smtClean="0"/>
-              <a:t> February)</a:t>
-            </a:r>
-          </a:p>
-          <a:p>
-            <a:pPr algn="r"/>
-            <a:r>
-              <a:rPr lang="en-GB" sz="1200" i="1" dirty="0" smtClean="0"/>
-              <a:t>Subject: Presentation of the new mission, considerations on the scope and methodology.</a:t>
-            </a:r>
-            <a:endParaRPr lang="en-GB" sz="1200" i="1" dirty="0"/>
-          </a:p>
-        </p:txBody>
-      </p:sp>
-      <p:sp>
-        <p:nvSpPr>
-          <p:cNvPr id="29" name="CuadroTexto 28"/>
-          <p:cNvSpPr txBox="1"/>
-          <p:nvPr/>
-        </p:nvSpPr>
-        <p:spPr>
-          <a:xfrm>
-            <a:off x="1037228" y="2778415"/>
-            <a:ext cx="4398533" cy="646331"/>
-          </a:xfrm>
-          <a:prstGeom prst="rect">
-            <a:avLst/>
-          </a:prstGeom>
-          <a:noFill/>
-        </p:spPr>
-        <p:txBody>
-          <a:bodyPr wrap="square" rtlCol="0">
-            <a:spAutoFit/>
-          </a:bodyPr>
-          <a:lstStyle/>
-          <a:p>
-            <a:pPr algn="r"/>
-            <a:r>
-              <a:rPr lang="en-GB" sz="1200" dirty="0" smtClean="0"/>
-              <a:t>Working Group Meeting (28</a:t>
-            </a:r>
-            <a:r>
-              <a:rPr lang="en-GB" sz="1200" baseline="30000" dirty="0" smtClean="0"/>
-              <a:t>th</a:t>
-            </a:r>
-            <a:r>
-              <a:rPr lang="en-GB" sz="1200" dirty="0" smtClean="0"/>
-              <a:t> March)</a:t>
-            </a:r>
-          </a:p>
-          <a:p>
-            <a:pPr algn="r"/>
-            <a:r>
-              <a:rPr lang="en-GB" sz="1200" i="1" dirty="0" smtClean="0"/>
-              <a:t>Subject: </a:t>
-            </a:r>
-            <a:r>
-              <a:rPr lang="en-GB" sz="1200" i="1" dirty="0" err="1" smtClean="0"/>
-              <a:t>PoC</a:t>
-            </a:r>
-            <a:r>
-              <a:rPr lang="en-GB" sz="1200" i="1" dirty="0" smtClean="0"/>
-              <a:t> validation of the approach, the use case and the expected results.</a:t>
-            </a:r>
-            <a:endParaRPr lang="en-GB" sz="1200" i="1" dirty="0"/>
-          </a:p>
-        </p:txBody>
-      </p:sp>
-      <p:sp>
-        <p:nvSpPr>
-          <p:cNvPr id="31" name="CuadroTexto 30"/>
-          <p:cNvSpPr txBox="1"/>
-          <p:nvPr/>
-        </p:nvSpPr>
-        <p:spPr>
-          <a:xfrm>
-            <a:off x="1037228" y="3857974"/>
-            <a:ext cx="4398534" cy="646331"/>
-          </a:xfrm>
-          <a:prstGeom prst="rect">
-            <a:avLst/>
-          </a:prstGeom>
-          <a:noFill/>
-        </p:spPr>
-        <p:txBody>
-          <a:bodyPr wrap="square" rtlCol="0">
-            <a:spAutoFit/>
-          </a:bodyPr>
-          <a:lstStyle/>
-          <a:p>
-            <a:pPr algn="r"/>
-            <a:r>
-              <a:rPr lang="en-GB" sz="1200" dirty="0" smtClean="0">
+              </a:endParaRPr>
+            </a:p>
+          </p:txBody>
+        </p:sp>
+        <p:sp>
+          <p:nvSpPr>
+            <p:cNvPr id="20" name="Rectángulo redondeado 19"/>
+            <p:cNvSpPr/>
+            <p:nvPr/>
+          </p:nvSpPr>
+          <p:spPr>
+            <a:xfrm rot="5400000">
+              <a:off x="2837871" y="3401715"/>
+              <a:ext cx="5400000" cy="118800"/>
+            </a:xfrm>
+            <a:prstGeom prst="roundRect">
+              <a:avLst/>
+            </a:prstGeom>
+            <a:solidFill>
+              <a:srgbClr val="9AAE04"/>
+            </a:solidFill>
+            <a:ln>
+              <a:noFill/>
+            </a:ln>
+          </p:spPr>
+          <p:style>
+            <a:lnRef idx="2">
+              <a:schemeClr val="accent1">
+                <a:shade val="50000"/>
+              </a:schemeClr>
+            </a:lnRef>
+            <a:fillRef idx="1">
+              <a:schemeClr val="accent1"/>
+            </a:fillRef>
+            <a:effectRef idx="0">
+              <a:schemeClr val="accent1"/>
+            </a:effectRef>
+            <a:fontRef idx="minor">
+              <a:schemeClr val="lt1"/>
+            </a:fontRef>
+          </p:style>
+          <p:txBody>
+            <a:bodyPr rtlCol="0" anchor="ctr"/>
+            <a:lstStyle/>
+            <a:p>
+              <a:pPr algn="ctr"/>
+              <a:endParaRPr lang="en-GB"/>
+            </a:p>
+          </p:txBody>
+        </p:sp>
+        <p:sp>
+          <p:nvSpPr>
+            <p:cNvPr id="21" name="Elipse 20"/>
+            <p:cNvSpPr/>
+            <p:nvPr/>
+          </p:nvSpPr>
+          <p:spPr>
+            <a:xfrm rot="5400000">
+              <a:off x="5480206" y="728163"/>
+              <a:ext cx="115330" cy="115330"/>
+            </a:xfrm>
+            <a:prstGeom prst="ellipse">
+              <a:avLst/>
+            </a:prstGeom>
+            <a:ln>
+              <a:noFill/>
+            </a:ln>
+          </p:spPr>
+          <p:style>
+            <a:lnRef idx="2">
+              <a:schemeClr val="dk1">
+                <a:shade val="50000"/>
+              </a:schemeClr>
+            </a:lnRef>
+            <a:fillRef idx="1">
+              <a:schemeClr val="dk1"/>
+            </a:fillRef>
+            <a:effectRef idx="0">
+              <a:schemeClr val="dk1"/>
+            </a:effectRef>
+            <a:fontRef idx="minor">
+              <a:schemeClr val="lt1"/>
+            </a:fontRef>
+          </p:style>
+          <p:txBody>
+            <a:bodyPr rtlCol="0" anchor="ctr"/>
+            <a:lstStyle/>
+            <a:p>
+              <a:pPr algn="ctr"/>
+              <a:endParaRPr lang="en-GB"/>
+            </a:p>
+          </p:txBody>
+        </p:sp>
+        <p:sp>
+          <p:nvSpPr>
+            <p:cNvPr id="24" name="Rectángulo redondeado 23"/>
+            <p:cNvSpPr/>
+            <p:nvPr/>
+          </p:nvSpPr>
+          <p:spPr>
+            <a:xfrm rot="5400000">
+              <a:off x="4187871" y="4739319"/>
+              <a:ext cx="2700000" cy="122400"/>
+            </a:xfrm>
+            <a:prstGeom prst="roundRect">
+              <a:avLst/>
+            </a:prstGeom>
+            <a:solidFill>
+              <a:srgbClr val="F8FECA"/>
+            </a:solidFill>
+            <a:ln>
+              <a:noFill/>
+            </a:ln>
+          </p:spPr>
+          <p:style>
+            <a:lnRef idx="2">
+              <a:schemeClr val="accent1">
+                <a:shade val="50000"/>
+              </a:schemeClr>
+            </a:lnRef>
+            <a:fillRef idx="1">
+              <a:schemeClr val="accent1"/>
+            </a:fillRef>
+            <a:effectRef idx="0">
+              <a:schemeClr val="accent1"/>
+            </a:effectRef>
+            <a:fontRef idx="minor">
+              <a:schemeClr val="lt1"/>
+            </a:fontRef>
+          </p:style>
+          <p:txBody>
+            <a:bodyPr rtlCol="0" anchor="ctr"/>
+            <a:lstStyle/>
+            <a:p>
+              <a:pPr algn="ctr"/>
+              <a:endParaRPr lang="en-GB"/>
+            </a:p>
+          </p:txBody>
+        </p:sp>
+        <p:sp>
+          <p:nvSpPr>
+            <p:cNvPr id="45" name="Rectángulo redondeado 44"/>
+            <p:cNvSpPr/>
+            <p:nvPr/>
+          </p:nvSpPr>
+          <p:spPr>
+            <a:xfrm rot="5400000">
+              <a:off x="5267871" y="3657265"/>
+              <a:ext cx="540000" cy="118800"/>
+            </a:xfrm>
+            <a:prstGeom prst="roundRect">
+              <a:avLst/>
+            </a:prstGeom>
+            <a:gradFill flip="none" rotWithShape="1">
+              <a:gsLst>
+                <a:gs pos="61000">
+                  <a:srgbClr val="E1EA99"/>
+                </a:gs>
+                <a:gs pos="0">
+                  <a:srgbClr val="F8FECA"/>
+                </a:gs>
+                <a:gs pos="100000">
+                  <a:srgbClr val="9AAE04"/>
+                </a:gs>
+              </a:gsLst>
+              <a:lin ang="10800000" scaled="1"/>
+              <a:tileRect/>
+            </a:gradFill>
+            <a:ln>
+              <a:noFill/>
+            </a:ln>
+          </p:spPr>
+          <p:style>
+            <a:lnRef idx="2">
+              <a:schemeClr val="accent1">
+                <a:shade val="50000"/>
+              </a:schemeClr>
+            </a:lnRef>
+            <a:fillRef idx="1">
+              <a:schemeClr val="accent1"/>
+            </a:fillRef>
+            <a:effectRef idx="0">
+              <a:schemeClr val="accent1"/>
+            </a:effectRef>
+            <a:fontRef idx="minor">
+              <a:schemeClr val="lt1"/>
+            </a:fontRef>
+          </p:style>
+          <p:txBody>
+            <a:bodyPr rtlCol="0" anchor="ctr"/>
+            <a:lstStyle/>
+            <a:p>
+              <a:pPr algn="ctr"/>
+              <a:endParaRPr lang="en-GB"/>
+            </a:p>
+          </p:txBody>
+        </p:sp>
+        <p:sp>
+          <p:nvSpPr>
+            <p:cNvPr id="25" name="Elipse 24"/>
+            <p:cNvSpPr/>
+            <p:nvPr/>
+          </p:nvSpPr>
+          <p:spPr>
+            <a:xfrm rot="5400000">
+              <a:off x="5480206" y="1798137"/>
+              <a:ext cx="115330" cy="115330"/>
+            </a:xfrm>
+            <a:prstGeom prst="ellipse">
+              <a:avLst/>
+            </a:prstGeom>
+            <a:ln>
+              <a:noFill/>
+            </a:ln>
+          </p:spPr>
+          <p:style>
+            <a:lnRef idx="2">
+              <a:schemeClr val="dk1">
+                <a:shade val="50000"/>
+              </a:schemeClr>
+            </a:lnRef>
+            <a:fillRef idx="1">
+              <a:schemeClr val="dk1"/>
+            </a:fillRef>
+            <a:effectRef idx="0">
+              <a:schemeClr val="dk1"/>
+            </a:effectRef>
+            <a:fontRef idx="minor">
+              <a:schemeClr val="lt1"/>
+            </a:fontRef>
+          </p:style>
+          <p:txBody>
+            <a:bodyPr rtlCol="0" anchor="ctr"/>
+            <a:lstStyle/>
+            <a:p>
+              <a:pPr algn="ctr"/>
+              <a:endParaRPr lang="en-GB"/>
+            </a:p>
+          </p:txBody>
+        </p:sp>
+        <p:sp>
+          <p:nvSpPr>
+            <p:cNvPr id="27" name="Elipse 26"/>
+            <p:cNvSpPr/>
+            <p:nvPr/>
+          </p:nvSpPr>
+          <p:spPr>
+            <a:xfrm rot="5400000">
+              <a:off x="5480206" y="6094514"/>
+              <a:ext cx="115330" cy="115330"/>
+            </a:xfrm>
+            <a:prstGeom prst="ellipse">
+              <a:avLst/>
+            </a:prstGeom>
+            <a:solidFill>
+              <a:schemeClr val="tx1">
+                <a:lumMod val="65000"/>
+                <a:lumOff val="35000"/>
+              </a:schemeClr>
+            </a:solidFill>
+            <a:ln>
+              <a:noFill/>
+            </a:ln>
+          </p:spPr>
+          <p:style>
+            <a:lnRef idx="2">
+              <a:schemeClr val="dk1">
+                <a:shade val="50000"/>
+              </a:schemeClr>
+            </a:lnRef>
+            <a:fillRef idx="1">
+              <a:schemeClr val="dk1"/>
+            </a:fillRef>
+            <a:effectRef idx="0">
+              <a:schemeClr val="dk1"/>
+            </a:effectRef>
+            <a:fontRef idx="minor">
+              <a:schemeClr val="lt1"/>
+            </a:fontRef>
+          </p:style>
+          <p:txBody>
+            <a:bodyPr rtlCol="0" anchor="ctr"/>
+            <a:lstStyle/>
+            <a:p>
+              <a:pPr algn="ctr"/>
+              <a:endParaRPr lang="en-GB"/>
+            </a:p>
+          </p:txBody>
+        </p:sp>
+        <p:sp>
+          <p:nvSpPr>
+            <p:cNvPr id="28" name="Elipse 27"/>
+            <p:cNvSpPr/>
+            <p:nvPr/>
+          </p:nvSpPr>
+          <p:spPr>
+            <a:xfrm rot="5400000">
+              <a:off x="5480206" y="2863762"/>
+              <a:ext cx="115330" cy="115330"/>
+            </a:xfrm>
+            <a:prstGeom prst="ellipse">
+              <a:avLst/>
+            </a:prstGeom>
+            <a:solidFill>
+              <a:schemeClr val="tx1">
+                <a:lumMod val="95000"/>
+                <a:lumOff val="5000"/>
+              </a:schemeClr>
+            </a:solidFill>
+            <a:ln>
+              <a:noFill/>
+            </a:ln>
+          </p:spPr>
+          <p:style>
+            <a:lnRef idx="2">
+              <a:schemeClr val="dk1">
+                <a:shade val="50000"/>
+              </a:schemeClr>
+            </a:lnRef>
+            <a:fillRef idx="1">
+              <a:schemeClr val="dk1"/>
+            </a:fillRef>
+            <a:effectRef idx="0">
+              <a:schemeClr val="dk1"/>
+            </a:effectRef>
+            <a:fontRef idx="minor">
+              <a:schemeClr val="lt1"/>
+            </a:fontRef>
+          </p:style>
+          <p:txBody>
+            <a:bodyPr rtlCol="0" anchor="ctr"/>
+            <a:lstStyle/>
+            <a:p>
+              <a:pPr algn="ctr"/>
+              <a:endParaRPr lang="en-GB">
+                <a:solidFill>
+                  <a:sysClr val="windowText" lastClr="000000"/>
+                </a:solidFill>
+              </a:endParaRPr>
+            </a:p>
+          </p:txBody>
+        </p:sp>
+        <p:sp>
+          <p:nvSpPr>
+            <p:cNvPr id="30" name="Elipse 29"/>
+            <p:cNvSpPr/>
+            <p:nvPr/>
+          </p:nvSpPr>
+          <p:spPr>
+            <a:xfrm rot="5400000">
+              <a:off x="5480206" y="3927959"/>
+              <a:ext cx="115330" cy="115330"/>
+            </a:xfrm>
+            <a:prstGeom prst="ellipse">
+              <a:avLst/>
+            </a:prstGeom>
+            <a:solidFill>
+              <a:schemeClr val="tx1">
+                <a:lumMod val="65000"/>
+                <a:lumOff val="35000"/>
+              </a:schemeClr>
+            </a:solidFill>
+            <a:ln>
+              <a:noFill/>
+            </a:ln>
+          </p:spPr>
+          <p:style>
+            <a:lnRef idx="2">
+              <a:schemeClr val="dk1">
+                <a:shade val="50000"/>
+              </a:schemeClr>
+            </a:lnRef>
+            <a:fillRef idx="1">
+              <a:schemeClr val="dk1"/>
+            </a:fillRef>
+            <a:effectRef idx="0">
+              <a:schemeClr val="dk1"/>
+            </a:effectRef>
+            <a:fontRef idx="minor">
+              <a:schemeClr val="lt1"/>
+            </a:fontRef>
+          </p:style>
+          <p:txBody>
+            <a:bodyPr rtlCol="0" anchor="ctr"/>
+            <a:lstStyle/>
+            <a:p>
+              <a:pPr algn="ctr"/>
+              <a:endParaRPr lang="en-GB"/>
+            </a:p>
+          </p:txBody>
+        </p:sp>
+        <p:sp>
+          <p:nvSpPr>
+            <p:cNvPr id="32" name="Elipse 31"/>
+            <p:cNvSpPr/>
+            <p:nvPr/>
+          </p:nvSpPr>
+          <p:spPr>
+            <a:xfrm rot="5400000">
+              <a:off x="5480206" y="5036649"/>
+              <a:ext cx="115330" cy="115330"/>
+            </a:xfrm>
+            <a:prstGeom prst="ellipse">
+              <a:avLst/>
+            </a:prstGeom>
+            <a:solidFill>
+              <a:schemeClr val="tx1">
+                <a:lumMod val="65000"/>
+                <a:lumOff val="35000"/>
+              </a:schemeClr>
+            </a:solidFill>
+            <a:ln>
+              <a:noFill/>
+            </a:ln>
+          </p:spPr>
+          <p:style>
+            <a:lnRef idx="2">
+              <a:schemeClr val="dk1">
+                <a:shade val="50000"/>
+              </a:schemeClr>
+            </a:lnRef>
+            <a:fillRef idx="1">
+              <a:schemeClr val="dk1"/>
+            </a:fillRef>
+            <a:effectRef idx="0">
+              <a:schemeClr val="dk1"/>
+            </a:effectRef>
+            <a:fontRef idx="minor">
+              <a:schemeClr val="lt1"/>
+            </a:fontRef>
+          </p:style>
+          <p:txBody>
+            <a:bodyPr rtlCol="0" anchor="ctr"/>
+            <a:lstStyle/>
+            <a:p>
+              <a:pPr algn="ctr"/>
+              <a:endParaRPr lang="en-GB"/>
+            </a:p>
+          </p:txBody>
+        </p:sp>
+        <p:pic>
+          <p:nvPicPr>
+            <p:cNvPr id="34" name="Picture 2" descr="Image result for google maps location symbol png"/>
+            <p:cNvPicPr>
+              <a:picLocks noChangeAspect="1" noChangeArrowheads="1"/>
+            </p:cNvPicPr>
+            <p:nvPr/>
+          </p:nvPicPr>
+          <p:blipFill>
+            <a:blip r:embed="rId2" cstate="print">
+              <a:extLst>
+                <a:ext uri="{28A0092B-C50C-407E-A947-70E740481C1C}">
+                  <a14:useLocalDpi xmlns:a14="http://schemas.microsoft.com/office/drawing/2010/main" val="0"/>
+                </a:ext>
+              </a:extLst>
+            </a:blip>
+            <a:srcRect/>
+            <a:stretch>
+              <a:fillRect/>
+            </a:stretch>
+          </p:blipFill>
+          <p:spPr bwMode="auto">
+            <a:xfrm rot="16200000" flipH="1" flipV="1">
+              <a:off x="5589033" y="3298730"/>
+              <a:ext cx="273358" cy="273358"/>
+            </a:xfrm>
+            <a:prstGeom prst="rect">
+              <a:avLst/>
+            </a:prstGeom>
+            <a:noFill/>
+            <a:extLst>
+              <a:ext uri="{909E8E84-426E-40DD-AFC4-6F175D3DCCD1}">
+                <a14:hiddenFill xmlns:a14="http://schemas.microsoft.com/office/drawing/2010/main">
+                  <a:solidFill>
+                    <a:srgbClr val="FFFFFF"/>
+                  </a:solidFill>
+                </a14:hiddenFill>
+              </a:ext>
+            </a:extLst>
+          </p:spPr>
+        </p:pic>
+        <p:sp>
+          <p:nvSpPr>
+            <p:cNvPr id="35" name="CuadroTexto 34"/>
+            <p:cNvSpPr txBox="1"/>
+            <p:nvPr/>
+          </p:nvSpPr>
+          <p:spPr>
+            <a:xfrm>
+              <a:off x="5643602" y="2055852"/>
+              <a:ext cx="4398531" cy="600164"/>
+            </a:xfrm>
+            <a:prstGeom prst="rect">
+              <a:avLst/>
+            </a:prstGeom>
+            <a:noFill/>
+          </p:spPr>
+          <p:txBody>
+            <a:bodyPr wrap="square" rtlCol="0">
+              <a:spAutoFit/>
+            </a:bodyPr>
+            <a:lstStyle/>
+            <a:p>
+              <a:r>
+                <a:rPr lang="en-GB" sz="1100" dirty="0" smtClean="0"/>
+                <a:t>9</a:t>
+              </a:r>
+              <a:r>
+                <a:rPr lang="en-GB" sz="1100" baseline="30000" dirty="0" smtClean="0"/>
+                <a:t>th</a:t>
+              </a:r>
+              <a:r>
+                <a:rPr lang="en-GB" sz="1100" dirty="0" smtClean="0"/>
+                <a:t> March:</a:t>
+              </a:r>
+            </a:p>
+            <a:p>
+              <a:pPr lvl="1"/>
+              <a:r>
+                <a:rPr lang="en-GB" sz="1100" dirty="0" smtClean="0"/>
+                <a:t>1. </a:t>
+              </a:r>
+              <a:r>
+                <a:rPr lang="en-GB" sz="1100" i="1" dirty="0" smtClean="0"/>
+                <a:t>Glossary </a:t>
+              </a:r>
+              <a:r>
+                <a:rPr lang="en-GB" sz="1100" i="1" dirty="0"/>
+                <a:t>a</a:t>
+              </a:r>
+              <a:r>
+                <a:rPr lang="en-GB" sz="1100" i="1" dirty="0" smtClean="0"/>
+                <a:t>cceptance by the Working Group.</a:t>
+              </a:r>
+            </a:p>
+            <a:p>
+              <a:pPr lvl="1"/>
+              <a:r>
+                <a:rPr lang="en-GB" sz="1100" dirty="0" smtClean="0"/>
+                <a:t>2. </a:t>
+              </a:r>
+              <a:r>
+                <a:rPr lang="en-GB" sz="1100" i="1" dirty="0"/>
+                <a:t>Sample Competency Questions available for the WG.</a:t>
+              </a:r>
+              <a:endParaRPr lang="en-GB" sz="1100" dirty="0"/>
+            </a:p>
+          </p:txBody>
+        </p:sp>
+        <p:sp>
+          <p:nvSpPr>
+            <p:cNvPr id="36" name="Elipse 35"/>
+            <p:cNvSpPr/>
+            <p:nvPr/>
+          </p:nvSpPr>
+          <p:spPr>
+            <a:xfrm rot="5400000">
+              <a:off x="5501871" y="2326580"/>
+              <a:ext cx="72000" cy="72000"/>
+            </a:xfrm>
+            <a:prstGeom prst="ellipse">
+              <a:avLst/>
+            </a:prstGeom>
+            <a:solidFill>
+              <a:schemeClr val="accent1">
+                <a:lumMod val="60000"/>
+                <a:lumOff val="40000"/>
+              </a:schemeClr>
+            </a:solidFill>
+            <a:ln>
+              <a:noFill/>
+            </a:ln>
+          </p:spPr>
+          <p:style>
+            <a:lnRef idx="2">
+              <a:schemeClr val="dk1">
+                <a:shade val="50000"/>
+              </a:schemeClr>
+            </a:lnRef>
+            <a:fillRef idx="1">
+              <a:schemeClr val="dk1"/>
+            </a:fillRef>
+            <a:effectRef idx="0">
+              <a:schemeClr val="dk1"/>
+            </a:effectRef>
+            <a:fontRef idx="minor">
+              <a:schemeClr val="lt1"/>
+            </a:fontRef>
+          </p:style>
+          <p:txBody>
+            <a:bodyPr rtlCol="0" anchor="ctr"/>
+            <a:lstStyle/>
+            <a:p>
+              <a:pPr algn="ctr"/>
+              <a:endParaRPr lang="en-GB"/>
+            </a:p>
+          </p:txBody>
+        </p:sp>
+        <p:sp>
+          <p:nvSpPr>
+            <p:cNvPr id="19" name="Elipse 18"/>
+            <p:cNvSpPr/>
+            <p:nvPr/>
+          </p:nvSpPr>
+          <p:spPr>
+            <a:xfrm rot="5400000">
+              <a:off x="5501871" y="2325364"/>
+              <a:ext cx="72000" cy="72000"/>
+            </a:xfrm>
+            <a:prstGeom prst="ellipse">
+              <a:avLst/>
+            </a:prstGeom>
+            <a:solidFill>
+              <a:schemeClr val="accent1">
+                <a:lumMod val="60000"/>
+                <a:lumOff val="40000"/>
+              </a:schemeClr>
+            </a:solidFill>
+            <a:ln>
+              <a:noFill/>
+            </a:ln>
+          </p:spPr>
+          <p:style>
+            <a:lnRef idx="2">
+              <a:schemeClr val="dk1">
+                <a:shade val="50000"/>
+              </a:schemeClr>
+            </a:lnRef>
+            <a:fillRef idx="1">
+              <a:schemeClr val="dk1"/>
+            </a:fillRef>
+            <a:effectRef idx="0">
+              <a:schemeClr val="dk1"/>
+            </a:effectRef>
+            <a:fontRef idx="minor">
+              <a:schemeClr val="lt1"/>
+            </a:fontRef>
+          </p:style>
+          <p:txBody>
+            <a:bodyPr rtlCol="0" anchor="ctr"/>
+            <a:lstStyle/>
+            <a:p>
+              <a:pPr algn="ctr"/>
+              <a:endParaRPr lang="en-GB"/>
+            </a:p>
+          </p:txBody>
+        </p:sp>
+        <p:sp>
+          <p:nvSpPr>
+            <p:cNvPr id="37" name="Elipse 36"/>
+            <p:cNvSpPr/>
+            <p:nvPr/>
+          </p:nvSpPr>
+          <p:spPr>
+            <a:xfrm rot="5400000">
+              <a:off x="5501871" y="2698055"/>
+              <a:ext cx="72000" cy="72000"/>
+            </a:xfrm>
+            <a:prstGeom prst="ellipse">
+              <a:avLst/>
+            </a:prstGeom>
+            <a:solidFill>
+              <a:schemeClr val="accent1">
+                <a:lumMod val="60000"/>
+                <a:lumOff val="40000"/>
+              </a:schemeClr>
+            </a:solidFill>
+            <a:ln>
+              <a:noFill/>
+            </a:ln>
+          </p:spPr>
+          <p:style>
+            <a:lnRef idx="2">
+              <a:schemeClr val="dk1">
+                <a:shade val="50000"/>
+              </a:schemeClr>
+            </a:lnRef>
+            <a:fillRef idx="1">
+              <a:schemeClr val="dk1"/>
+            </a:fillRef>
+            <a:effectRef idx="0">
+              <a:schemeClr val="dk1"/>
+            </a:effectRef>
+            <a:fontRef idx="minor">
+              <a:schemeClr val="lt1"/>
+            </a:fontRef>
+          </p:style>
+          <p:txBody>
+            <a:bodyPr rtlCol="0" anchor="ctr"/>
+            <a:lstStyle/>
+            <a:p>
+              <a:pPr algn="ctr"/>
+              <a:endParaRPr lang="en-GB"/>
+            </a:p>
+          </p:txBody>
+        </p:sp>
+        <p:sp>
+          <p:nvSpPr>
+            <p:cNvPr id="38" name="CuadroTexto 37"/>
+            <p:cNvSpPr txBox="1"/>
+            <p:nvPr/>
+          </p:nvSpPr>
+          <p:spPr>
+            <a:xfrm>
+              <a:off x="5657936" y="2604570"/>
+              <a:ext cx="4398531" cy="430887"/>
+            </a:xfrm>
+            <a:prstGeom prst="rect">
+              <a:avLst/>
+            </a:prstGeom>
+            <a:noFill/>
+          </p:spPr>
+          <p:txBody>
+            <a:bodyPr wrap="square" rtlCol="0">
+              <a:spAutoFit/>
+            </a:bodyPr>
+            <a:lstStyle/>
+            <a:p>
+              <a:r>
+                <a:rPr lang="en-GB" sz="1100" dirty="0" smtClean="0"/>
+                <a:t>23-26 March:</a:t>
+              </a:r>
+            </a:p>
+            <a:p>
+              <a:pPr lvl="1"/>
+              <a:r>
+                <a:rPr lang="en-GB" sz="1100" i="1" dirty="0" smtClean="0"/>
+                <a:t>Conceptual data model available</a:t>
+              </a:r>
+              <a:r>
+                <a:rPr lang="en-GB" sz="1100" i="1" dirty="0"/>
+                <a:t> </a:t>
+              </a:r>
+              <a:r>
+                <a:rPr lang="en-GB" sz="1100" i="1" dirty="0" smtClean="0"/>
+                <a:t>for revision by WG.</a:t>
+              </a:r>
+            </a:p>
+          </p:txBody>
+        </p:sp>
+        <p:sp>
+          <p:nvSpPr>
+            <p:cNvPr id="40" name="Elipse 39"/>
+            <p:cNvSpPr/>
+            <p:nvPr/>
+          </p:nvSpPr>
+          <p:spPr>
+            <a:xfrm rot="5400000">
+              <a:off x="5501871" y="3726755"/>
+              <a:ext cx="72000" cy="72000"/>
+            </a:xfrm>
+            <a:prstGeom prst="ellipse">
+              <a:avLst/>
+            </a:prstGeom>
+            <a:solidFill>
+              <a:schemeClr val="accent1">
+                <a:lumMod val="60000"/>
+                <a:lumOff val="40000"/>
+              </a:schemeClr>
+            </a:solidFill>
+            <a:ln>
+              <a:noFill/>
+            </a:ln>
+          </p:spPr>
+          <p:style>
+            <a:lnRef idx="2">
+              <a:schemeClr val="dk1">
+                <a:shade val="50000"/>
+              </a:schemeClr>
+            </a:lnRef>
+            <a:fillRef idx="1">
+              <a:schemeClr val="dk1"/>
+            </a:fillRef>
+            <a:effectRef idx="0">
+              <a:schemeClr val="dk1"/>
+            </a:effectRef>
+            <a:fontRef idx="minor">
+              <a:schemeClr val="lt1"/>
+            </a:fontRef>
+          </p:style>
+          <p:txBody>
+            <a:bodyPr rtlCol="0" anchor="ctr"/>
+            <a:lstStyle/>
+            <a:p>
+              <a:pPr algn="ctr"/>
+              <a:endParaRPr lang="en-GB"/>
+            </a:p>
+          </p:txBody>
+        </p:sp>
+        <p:sp>
+          <p:nvSpPr>
+            <p:cNvPr id="41" name="CuadroTexto 40"/>
+            <p:cNvSpPr txBox="1"/>
+            <p:nvPr/>
+          </p:nvSpPr>
+          <p:spPr>
+            <a:xfrm>
+              <a:off x="5657936" y="3626531"/>
+              <a:ext cx="3876589" cy="430887"/>
+            </a:xfrm>
+            <a:prstGeom prst="rect">
+              <a:avLst/>
+            </a:prstGeom>
+            <a:noFill/>
+          </p:spPr>
+          <p:txBody>
+            <a:bodyPr wrap="square" rtlCol="0">
+              <a:spAutoFit/>
+            </a:bodyPr>
+            <a:lstStyle/>
+            <a:p>
+              <a:r>
+                <a:rPr lang="en-GB" sz="1100" dirty="0" smtClean="0"/>
+                <a:t>14</a:t>
+              </a:r>
+              <a:r>
+                <a:rPr lang="en-GB" sz="1100" baseline="30000" dirty="0" smtClean="0"/>
+                <a:t>th</a:t>
+              </a:r>
+              <a:r>
+                <a:rPr lang="en-GB" sz="1100" dirty="0" smtClean="0"/>
+                <a:t> May: </a:t>
+              </a:r>
+              <a:r>
+                <a:rPr lang="en-GB" sz="1100" i="1" dirty="0" err="1" smtClean="0"/>
+                <a:t>PoC</a:t>
+              </a:r>
+              <a:r>
+                <a:rPr lang="en-GB" sz="1100" i="1" dirty="0" smtClean="0"/>
+                <a:t> and new version of the conceptual data model available</a:t>
+              </a:r>
+              <a:r>
+                <a:rPr lang="en-GB" sz="1100" i="1" dirty="0"/>
+                <a:t> </a:t>
+              </a:r>
+              <a:r>
+                <a:rPr lang="en-GB" sz="1100" i="1" dirty="0" smtClean="0"/>
+                <a:t>for revision by WG.</a:t>
+              </a:r>
+              <a:endParaRPr lang="en-GB" sz="1100" i="1" dirty="0"/>
+            </a:p>
+          </p:txBody>
+        </p:sp>
+        <p:sp>
+          <p:nvSpPr>
+            <p:cNvPr id="39" name="Elipse 38"/>
+            <p:cNvSpPr/>
+            <p:nvPr/>
+          </p:nvSpPr>
+          <p:spPr>
+            <a:xfrm rot="5400000">
+              <a:off x="5501871" y="5892515"/>
+              <a:ext cx="72000" cy="72000"/>
+            </a:xfrm>
+            <a:prstGeom prst="ellipse">
+              <a:avLst/>
+            </a:prstGeom>
+            <a:solidFill>
+              <a:schemeClr val="accent1">
+                <a:lumMod val="60000"/>
+                <a:lumOff val="40000"/>
+              </a:schemeClr>
+            </a:solidFill>
+            <a:ln>
+              <a:noFill/>
+            </a:ln>
+          </p:spPr>
+          <p:style>
+            <a:lnRef idx="2">
+              <a:schemeClr val="dk1">
+                <a:shade val="50000"/>
+              </a:schemeClr>
+            </a:lnRef>
+            <a:fillRef idx="1">
+              <a:schemeClr val="dk1"/>
+            </a:fillRef>
+            <a:effectRef idx="0">
+              <a:schemeClr val="dk1"/>
+            </a:effectRef>
+            <a:fontRef idx="minor">
+              <a:schemeClr val="lt1"/>
+            </a:fontRef>
+          </p:style>
+          <p:txBody>
+            <a:bodyPr rtlCol="0" anchor="ctr"/>
+            <a:lstStyle/>
+            <a:p>
+              <a:pPr algn="ctr"/>
+              <a:endParaRPr lang="en-GB"/>
+            </a:p>
+          </p:txBody>
+        </p:sp>
+        <p:sp>
+          <p:nvSpPr>
+            <p:cNvPr id="44" name="CuadroTexto 43"/>
+            <p:cNvSpPr txBox="1"/>
+            <p:nvPr/>
+          </p:nvSpPr>
+          <p:spPr>
+            <a:xfrm>
+              <a:off x="5658060" y="5792291"/>
+              <a:ext cx="3874317" cy="261610"/>
+            </a:xfrm>
+            <a:prstGeom prst="rect">
+              <a:avLst/>
+            </a:prstGeom>
+            <a:noFill/>
+          </p:spPr>
+          <p:txBody>
+            <a:bodyPr wrap="square" rtlCol="0">
+              <a:spAutoFit/>
+            </a:bodyPr>
+            <a:lstStyle/>
+            <a:p>
+              <a:r>
+                <a:rPr lang="en-GB" sz="1100" dirty="0" smtClean="0">
+                  <a:solidFill>
+                    <a:schemeClr val="tx1">
+                      <a:lumMod val="65000"/>
+                      <a:lumOff val="35000"/>
+                    </a:schemeClr>
+                  </a:solidFill>
+                </a:rPr>
+                <a:t>21</a:t>
+              </a:r>
+              <a:r>
+                <a:rPr lang="en-GB" sz="1100" baseline="30000" dirty="0" smtClean="0">
+                  <a:solidFill>
+                    <a:schemeClr val="tx1">
+                      <a:lumMod val="65000"/>
+                      <a:lumOff val="35000"/>
+                    </a:schemeClr>
+                  </a:solidFill>
+                </a:rPr>
+                <a:t>st</a:t>
+              </a:r>
+              <a:r>
+                <a:rPr lang="en-GB" sz="1100" dirty="0" smtClean="0">
+                  <a:solidFill>
+                    <a:schemeClr val="tx1">
+                      <a:lumMod val="65000"/>
+                      <a:lumOff val="35000"/>
+                    </a:schemeClr>
+                  </a:solidFill>
+                </a:rPr>
+                <a:t> June</a:t>
+              </a:r>
+              <a:r>
+                <a:rPr lang="en-GB" sz="1100" dirty="0" smtClean="0">
+                  <a:solidFill>
+                    <a:schemeClr val="tx1">
+                      <a:lumMod val="65000"/>
+                      <a:lumOff val="35000"/>
+                    </a:schemeClr>
+                  </a:solidFill>
+                </a:rPr>
+                <a:t>: Complete release v2.0.0 available for revision by WG.</a:t>
+              </a:r>
+              <a:endParaRPr lang="en-GB" sz="1100" i="1" dirty="0">
                 <a:solidFill>
                   <a:schemeClr val="tx1">
                     <a:lumMod val="65000"/>
                     <a:lumOff val="35000"/>
                   </a:schemeClr>
                 </a:solidFill>
-              </a:rPr>
-              <a:t>Working Group Meeting (16</a:t>
-            </a:r>
-            <a:r>
-              <a:rPr lang="en-GB" sz="1200" baseline="30000" dirty="0" smtClean="0">
-                <a:solidFill>
-                  <a:schemeClr val="tx1">
-                    <a:lumMod val="65000"/>
-                    <a:lumOff val="35000"/>
-                  </a:schemeClr>
-                </a:solidFill>
-              </a:rPr>
-              <a:t>th</a:t>
-            </a:r>
-            <a:r>
-              <a:rPr lang="en-GB" sz="1200" dirty="0" smtClean="0">
-                <a:solidFill>
-                  <a:schemeClr val="tx1">
-                    <a:lumMod val="65000"/>
-                    <a:lumOff val="35000"/>
-                  </a:schemeClr>
-                </a:solidFill>
-              </a:rPr>
-              <a:t> May)</a:t>
-            </a:r>
-          </a:p>
-          <a:p>
-            <a:pPr algn="r"/>
-            <a:r>
-              <a:rPr lang="en-GB" sz="1200" i="1" dirty="0" smtClean="0">
-                <a:solidFill>
-                  <a:schemeClr val="tx1">
-                    <a:lumMod val="65000"/>
-                    <a:lumOff val="35000"/>
-                  </a:schemeClr>
-                </a:solidFill>
-              </a:rPr>
-              <a:t>Subject: Revision of the ontology, conceptual model and design considerations.</a:t>
-            </a:r>
-            <a:endParaRPr lang="en-GB" sz="1200" i="1" dirty="0">
-              <a:solidFill>
-                <a:schemeClr val="tx1">
-                  <a:lumMod val="65000"/>
-                  <a:lumOff val="35000"/>
-                </a:schemeClr>
-              </a:solidFill>
-            </a:endParaRPr>
-          </a:p>
-        </p:txBody>
-      </p:sp>
-      <p:sp>
-        <p:nvSpPr>
-          <p:cNvPr id="33" name="CuadroTexto 32"/>
-          <p:cNvSpPr txBox="1"/>
-          <p:nvPr/>
-        </p:nvSpPr>
-        <p:spPr>
-          <a:xfrm>
-            <a:off x="1037228" y="4934794"/>
-            <a:ext cx="4398534" cy="646331"/>
-          </a:xfrm>
-          <a:prstGeom prst="rect">
-            <a:avLst/>
-          </a:prstGeom>
-          <a:noFill/>
-        </p:spPr>
-        <p:txBody>
-          <a:bodyPr wrap="square" rtlCol="0">
-            <a:spAutoFit/>
-          </a:bodyPr>
-          <a:lstStyle/>
-          <a:p>
-            <a:pPr algn="r"/>
-            <a:r>
-              <a:rPr lang="en-GB" sz="1200" dirty="0" smtClean="0">
-                <a:solidFill>
-                  <a:schemeClr val="tx1">
-                    <a:lumMod val="65000"/>
-                    <a:lumOff val="35000"/>
-                  </a:schemeClr>
-                </a:solidFill>
-              </a:rPr>
-              <a:t>Working Group Meeting (14</a:t>
-            </a:r>
-            <a:r>
-              <a:rPr lang="en-GB" sz="1200" baseline="30000" dirty="0" smtClean="0">
-                <a:solidFill>
-                  <a:schemeClr val="tx1">
-                    <a:lumMod val="65000"/>
-                    <a:lumOff val="35000"/>
-                  </a:schemeClr>
-                </a:solidFill>
-              </a:rPr>
-              <a:t>th</a:t>
-            </a:r>
-            <a:r>
-              <a:rPr lang="en-GB" sz="1200" dirty="0" smtClean="0">
-                <a:solidFill>
-                  <a:schemeClr val="tx1">
-                    <a:lumMod val="65000"/>
-                    <a:lumOff val="35000"/>
-                  </a:schemeClr>
-                </a:solidFill>
-              </a:rPr>
-              <a:t> June)</a:t>
-            </a:r>
-          </a:p>
-          <a:p>
-            <a:pPr algn="r"/>
-            <a:r>
-              <a:rPr lang="en-GB" sz="1200" i="1" dirty="0" smtClean="0">
-                <a:solidFill>
-                  <a:schemeClr val="tx1">
-                    <a:lumMod val="65000"/>
-                    <a:lumOff val="35000"/>
-                  </a:schemeClr>
-                </a:solidFill>
-              </a:rPr>
-              <a:t>Subject: Revision of the ontology, OWL implementation and results of the </a:t>
-            </a:r>
-            <a:r>
-              <a:rPr lang="en-GB" sz="1200" i="1" dirty="0" err="1" smtClean="0">
-                <a:solidFill>
-                  <a:schemeClr val="tx1">
-                    <a:lumMod val="65000"/>
-                    <a:lumOff val="35000"/>
-                  </a:schemeClr>
-                </a:solidFill>
-              </a:rPr>
-              <a:t>PoC</a:t>
-            </a:r>
-            <a:r>
-              <a:rPr lang="en-GB" sz="1200" i="1" dirty="0" smtClean="0">
-                <a:solidFill>
-                  <a:schemeClr val="tx1">
-                    <a:lumMod val="65000"/>
-                    <a:lumOff val="35000"/>
-                  </a:schemeClr>
-                </a:solidFill>
-              </a:rPr>
-              <a:t>.</a:t>
-            </a:r>
-            <a:endParaRPr lang="en-GB" sz="1200" i="1" dirty="0">
-              <a:solidFill>
-                <a:schemeClr val="tx1">
-                  <a:lumMod val="65000"/>
-                  <a:lumOff val="35000"/>
-                </a:schemeClr>
-              </a:solidFill>
-            </a:endParaRPr>
-          </a:p>
-        </p:txBody>
-      </p:sp>
-      <p:sp>
-        <p:nvSpPr>
-          <p:cNvPr id="20" name="Rectángulo redondeado 19"/>
-          <p:cNvSpPr/>
-          <p:nvPr/>
-        </p:nvSpPr>
-        <p:spPr>
-          <a:xfrm rot="5400000">
-            <a:off x="2837871" y="3401715"/>
-            <a:ext cx="5400000" cy="118800"/>
-          </a:xfrm>
-          <a:prstGeom prst="roundRect">
-            <a:avLst/>
-          </a:prstGeom>
-          <a:solidFill>
-            <a:srgbClr val="9AAE04"/>
-          </a:solidFill>
-          <a:ln>
-            <a:noFill/>
-          </a:ln>
-        </p:spPr>
-        <p:style>
-          <a:lnRef idx="2">
-            <a:schemeClr val="accent1">
-              <a:shade val="50000"/>
-            </a:schemeClr>
-          </a:lnRef>
-          <a:fillRef idx="1">
-            <a:schemeClr val="accent1"/>
-          </a:fillRef>
-          <a:effectRef idx="0">
-            <a:schemeClr val="accent1"/>
-          </a:effectRef>
-          <a:fontRef idx="minor">
-            <a:schemeClr val="lt1"/>
-          </a:fontRef>
-        </p:style>
-        <p:txBody>
-          <a:bodyPr rtlCol="0" anchor="ctr"/>
-          <a:lstStyle/>
-          <a:p>
-            <a:pPr algn="ctr"/>
-            <a:endParaRPr lang="en-GB"/>
-          </a:p>
-        </p:txBody>
-      </p:sp>
-      <p:sp>
-        <p:nvSpPr>
-          <p:cNvPr id="21" name="Elipse 20"/>
-          <p:cNvSpPr/>
-          <p:nvPr/>
-        </p:nvSpPr>
-        <p:spPr>
-          <a:xfrm rot="5400000">
-            <a:off x="5480206" y="728163"/>
-            <a:ext cx="115330" cy="115330"/>
-          </a:xfrm>
-          <a:prstGeom prst="ellipse">
-            <a:avLst/>
-          </a:prstGeom>
-          <a:ln>
-            <a:noFill/>
-          </a:ln>
-        </p:spPr>
-        <p:style>
-          <a:lnRef idx="2">
-            <a:schemeClr val="dk1">
-              <a:shade val="50000"/>
-            </a:schemeClr>
-          </a:lnRef>
-          <a:fillRef idx="1">
-            <a:schemeClr val="dk1"/>
-          </a:fillRef>
-          <a:effectRef idx="0">
-            <a:schemeClr val="dk1"/>
-          </a:effectRef>
-          <a:fontRef idx="minor">
-            <a:schemeClr val="lt1"/>
-          </a:fontRef>
-        </p:style>
-        <p:txBody>
-          <a:bodyPr rtlCol="0" anchor="ctr"/>
-          <a:lstStyle/>
-          <a:p>
-            <a:pPr algn="ctr"/>
-            <a:endParaRPr lang="en-GB"/>
-          </a:p>
-        </p:txBody>
-      </p:sp>
-      <p:sp>
-        <p:nvSpPr>
-          <p:cNvPr id="24" name="Rectángulo redondeado 23"/>
-          <p:cNvSpPr/>
-          <p:nvPr/>
-        </p:nvSpPr>
-        <p:spPr>
-          <a:xfrm rot="5400000">
-            <a:off x="4187871" y="4739319"/>
-            <a:ext cx="2700000" cy="122400"/>
-          </a:xfrm>
-          <a:prstGeom prst="roundRect">
-            <a:avLst/>
-          </a:prstGeom>
-          <a:solidFill>
-            <a:srgbClr val="F8FECA"/>
-          </a:solidFill>
-          <a:ln>
-            <a:noFill/>
-          </a:ln>
-        </p:spPr>
-        <p:style>
-          <a:lnRef idx="2">
-            <a:schemeClr val="accent1">
-              <a:shade val="50000"/>
-            </a:schemeClr>
-          </a:lnRef>
-          <a:fillRef idx="1">
-            <a:schemeClr val="accent1"/>
-          </a:fillRef>
-          <a:effectRef idx="0">
-            <a:schemeClr val="accent1"/>
-          </a:effectRef>
-          <a:fontRef idx="minor">
-            <a:schemeClr val="lt1"/>
-          </a:fontRef>
-        </p:style>
-        <p:txBody>
-          <a:bodyPr rtlCol="0" anchor="ctr"/>
-          <a:lstStyle/>
-          <a:p>
-            <a:pPr algn="ctr"/>
-            <a:endParaRPr lang="en-GB"/>
-          </a:p>
-        </p:txBody>
-      </p:sp>
-      <p:sp>
-        <p:nvSpPr>
-          <p:cNvPr id="45" name="Rectángulo redondeado 44"/>
-          <p:cNvSpPr/>
-          <p:nvPr/>
-        </p:nvSpPr>
-        <p:spPr>
-          <a:xfrm rot="5400000">
-            <a:off x="5267871" y="3657265"/>
-            <a:ext cx="540000" cy="118800"/>
-          </a:xfrm>
-          <a:prstGeom prst="roundRect">
-            <a:avLst/>
-          </a:prstGeom>
-          <a:gradFill flip="none" rotWithShape="1">
-            <a:gsLst>
-              <a:gs pos="61000">
-                <a:srgbClr val="E1EA99"/>
-              </a:gs>
-              <a:gs pos="0">
-                <a:srgbClr val="F8FECA"/>
-              </a:gs>
-              <a:gs pos="100000">
-                <a:srgbClr val="9AAE04"/>
-              </a:gs>
-            </a:gsLst>
-            <a:lin ang="10800000" scaled="1"/>
-            <a:tileRect/>
-          </a:gradFill>
-          <a:ln>
-            <a:noFill/>
-          </a:ln>
-        </p:spPr>
-        <p:style>
-          <a:lnRef idx="2">
-            <a:schemeClr val="accent1">
-              <a:shade val="50000"/>
-            </a:schemeClr>
-          </a:lnRef>
-          <a:fillRef idx="1">
-            <a:schemeClr val="accent1"/>
-          </a:fillRef>
-          <a:effectRef idx="0">
-            <a:schemeClr val="accent1"/>
-          </a:effectRef>
-          <a:fontRef idx="minor">
-            <a:schemeClr val="lt1"/>
-          </a:fontRef>
-        </p:style>
-        <p:txBody>
-          <a:bodyPr rtlCol="0" anchor="ctr"/>
-          <a:lstStyle/>
-          <a:p>
-            <a:pPr algn="ctr"/>
-            <a:endParaRPr lang="en-GB"/>
-          </a:p>
-        </p:txBody>
-      </p:sp>
-      <p:sp>
-        <p:nvSpPr>
-          <p:cNvPr id="25" name="Elipse 24"/>
-          <p:cNvSpPr/>
-          <p:nvPr/>
-        </p:nvSpPr>
-        <p:spPr>
-          <a:xfrm rot="5400000">
-            <a:off x="5480206" y="1798137"/>
-            <a:ext cx="115330" cy="115330"/>
-          </a:xfrm>
-          <a:prstGeom prst="ellipse">
-            <a:avLst/>
-          </a:prstGeom>
-          <a:ln>
-            <a:noFill/>
-          </a:ln>
-        </p:spPr>
-        <p:style>
-          <a:lnRef idx="2">
-            <a:schemeClr val="dk1">
-              <a:shade val="50000"/>
-            </a:schemeClr>
-          </a:lnRef>
-          <a:fillRef idx="1">
-            <a:schemeClr val="dk1"/>
-          </a:fillRef>
-          <a:effectRef idx="0">
-            <a:schemeClr val="dk1"/>
-          </a:effectRef>
-          <a:fontRef idx="minor">
-            <a:schemeClr val="lt1"/>
-          </a:fontRef>
-        </p:style>
-        <p:txBody>
-          <a:bodyPr rtlCol="0" anchor="ctr"/>
-          <a:lstStyle/>
-          <a:p>
-            <a:pPr algn="ctr"/>
-            <a:endParaRPr lang="en-GB"/>
-          </a:p>
-        </p:txBody>
-      </p:sp>
-      <p:sp>
-        <p:nvSpPr>
-          <p:cNvPr id="27" name="Elipse 26"/>
-          <p:cNvSpPr/>
-          <p:nvPr/>
-        </p:nvSpPr>
-        <p:spPr>
-          <a:xfrm rot="5400000">
-            <a:off x="5480206" y="6094514"/>
-            <a:ext cx="115330" cy="115330"/>
-          </a:xfrm>
-          <a:prstGeom prst="ellipse">
-            <a:avLst/>
-          </a:prstGeom>
-          <a:solidFill>
-            <a:schemeClr val="tx1">
-              <a:lumMod val="65000"/>
-              <a:lumOff val="35000"/>
-            </a:schemeClr>
-          </a:solidFill>
-          <a:ln>
-            <a:noFill/>
-          </a:ln>
-        </p:spPr>
-        <p:style>
-          <a:lnRef idx="2">
-            <a:schemeClr val="dk1">
-              <a:shade val="50000"/>
-            </a:schemeClr>
-          </a:lnRef>
-          <a:fillRef idx="1">
-            <a:schemeClr val="dk1"/>
-          </a:fillRef>
-          <a:effectRef idx="0">
-            <a:schemeClr val="dk1"/>
-          </a:effectRef>
-          <a:fontRef idx="minor">
-            <a:schemeClr val="lt1"/>
-          </a:fontRef>
-        </p:style>
-        <p:txBody>
-          <a:bodyPr rtlCol="0" anchor="ctr"/>
-          <a:lstStyle/>
-          <a:p>
-            <a:pPr algn="ctr"/>
-            <a:endParaRPr lang="en-GB"/>
-          </a:p>
-        </p:txBody>
-      </p:sp>
-      <p:sp>
-        <p:nvSpPr>
-          <p:cNvPr id="28" name="Elipse 27"/>
-          <p:cNvSpPr/>
-          <p:nvPr/>
-        </p:nvSpPr>
-        <p:spPr>
-          <a:xfrm rot="5400000">
-            <a:off x="5480206" y="2863762"/>
-            <a:ext cx="115330" cy="115330"/>
-          </a:xfrm>
-          <a:prstGeom prst="ellipse">
-            <a:avLst/>
-          </a:prstGeom>
-          <a:solidFill>
-            <a:schemeClr val="tx1">
-              <a:lumMod val="95000"/>
-              <a:lumOff val="5000"/>
-            </a:schemeClr>
-          </a:solidFill>
-          <a:ln>
-            <a:noFill/>
-          </a:ln>
-        </p:spPr>
-        <p:style>
-          <a:lnRef idx="2">
-            <a:schemeClr val="dk1">
-              <a:shade val="50000"/>
-            </a:schemeClr>
-          </a:lnRef>
-          <a:fillRef idx="1">
-            <a:schemeClr val="dk1"/>
-          </a:fillRef>
-          <a:effectRef idx="0">
-            <a:schemeClr val="dk1"/>
-          </a:effectRef>
-          <a:fontRef idx="minor">
-            <a:schemeClr val="lt1"/>
-          </a:fontRef>
-        </p:style>
-        <p:txBody>
-          <a:bodyPr rtlCol="0" anchor="ctr"/>
-          <a:lstStyle/>
-          <a:p>
-            <a:pPr algn="ctr"/>
-            <a:endParaRPr lang="en-GB">
-              <a:solidFill>
-                <a:sysClr val="windowText" lastClr="000000"/>
-              </a:solidFill>
-            </a:endParaRPr>
-          </a:p>
-        </p:txBody>
-      </p:sp>
-      <p:sp>
-        <p:nvSpPr>
-          <p:cNvPr id="30" name="Elipse 29"/>
-          <p:cNvSpPr/>
-          <p:nvPr/>
-        </p:nvSpPr>
-        <p:spPr>
-          <a:xfrm rot="5400000">
-            <a:off x="5480206" y="3927959"/>
-            <a:ext cx="115330" cy="115330"/>
-          </a:xfrm>
-          <a:prstGeom prst="ellipse">
-            <a:avLst/>
-          </a:prstGeom>
-          <a:solidFill>
-            <a:schemeClr val="tx1">
-              <a:lumMod val="65000"/>
-              <a:lumOff val="35000"/>
-            </a:schemeClr>
-          </a:solidFill>
-          <a:ln>
-            <a:noFill/>
-          </a:ln>
-        </p:spPr>
-        <p:style>
-          <a:lnRef idx="2">
-            <a:schemeClr val="dk1">
-              <a:shade val="50000"/>
-            </a:schemeClr>
-          </a:lnRef>
-          <a:fillRef idx="1">
-            <a:schemeClr val="dk1"/>
-          </a:fillRef>
-          <a:effectRef idx="0">
-            <a:schemeClr val="dk1"/>
-          </a:effectRef>
-          <a:fontRef idx="minor">
-            <a:schemeClr val="lt1"/>
-          </a:fontRef>
-        </p:style>
-        <p:txBody>
-          <a:bodyPr rtlCol="0" anchor="ctr"/>
-          <a:lstStyle/>
-          <a:p>
-            <a:pPr algn="ctr"/>
-            <a:endParaRPr lang="en-GB"/>
-          </a:p>
-        </p:txBody>
-      </p:sp>
-      <p:sp>
-        <p:nvSpPr>
-          <p:cNvPr id="32" name="Elipse 31"/>
-          <p:cNvSpPr/>
-          <p:nvPr/>
-        </p:nvSpPr>
-        <p:spPr>
-          <a:xfrm rot="5400000">
-            <a:off x="5480206" y="5036649"/>
-            <a:ext cx="115330" cy="115330"/>
-          </a:xfrm>
-          <a:prstGeom prst="ellipse">
-            <a:avLst/>
-          </a:prstGeom>
-          <a:solidFill>
-            <a:schemeClr val="tx1">
-              <a:lumMod val="65000"/>
-              <a:lumOff val="35000"/>
-            </a:schemeClr>
-          </a:solidFill>
-          <a:ln>
-            <a:noFill/>
-          </a:ln>
-        </p:spPr>
-        <p:style>
-          <a:lnRef idx="2">
-            <a:schemeClr val="dk1">
-              <a:shade val="50000"/>
-            </a:schemeClr>
-          </a:lnRef>
-          <a:fillRef idx="1">
-            <a:schemeClr val="dk1"/>
-          </a:fillRef>
-          <a:effectRef idx="0">
-            <a:schemeClr val="dk1"/>
-          </a:effectRef>
-          <a:fontRef idx="minor">
-            <a:schemeClr val="lt1"/>
-          </a:fontRef>
-        </p:style>
-        <p:txBody>
-          <a:bodyPr rtlCol="0" anchor="ctr"/>
-          <a:lstStyle/>
-          <a:p>
-            <a:pPr algn="ctr"/>
-            <a:endParaRPr lang="en-GB"/>
-          </a:p>
-        </p:txBody>
-      </p:sp>
-      <p:pic>
-        <p:nvPicPr>
-          <p:cNvPr id="34" name="Picture 2" descr="Image result for google maps location symbol png"/>
-          <p:cNvPicPr>
-            <a:picLocks noChangeAspect="1" noChangeArrowheads="1"/>
-          </p:cNvPicPr>
-          <p:nvPr/>
-        </p:nvPicPr>
-        <p:blipFill>
-          <a:blip r:embed="rId2" cstate="print">
-            <a:extLst>
-              <a:ext uri="{28A0092B-C50C-407E-A947-70E740481C1C}">
-                <a14:useLocalDpi xmlns:a14="http://schemas.microsoft.com/office/drawing/2010/main" val="0"/>
-              </a:ext>
-            </a:extLst>
-          </a:blip>
-          <a:srcRect/>
-          <a:stretch>
-            <a:fillRect/>
-          </a:stretch>
-        </p:blipFill>
-        <p:spPr bwMode="auto">
-          <a:xfrm rot="16200000" flipH="1" flipV="1">
-            <a:off x="5589033" y="3298730"/>
-            <a:ext cx="273358" cy="273358"/>
-          </a:xfrm>
-          <a:prstGeom prst="rect">
-            <a:avLst/>
-          </a:prstGeom>
-          <a:noFill/>
-          <a:extLst>
-            <a:ext uri="{909E8E84-426E-40DD-AFC4-6F175D3DCCD1}">
-              <a14:hiddenFill xmlns:a14="http://schemas.microsoft.com/office/drawing/2010/main">
-                <a:solidFill>
-                  <a:srgbClr val="FFFFFF"/>
-                </a:solidFill>
-              </a14:hiddenFill>
-            </a:ext>
-          </a:extLst>
-        </p:spPr>
-      </p:pic>
-      <p:sp>
-        <p:nvSpPr>
-          <p:cNvPr id="35" name="CuadroTexto 34"/>
-          <p:cNvSpPr txBox="1"/>
-          <p:nvPr/>
-        </p:nvSpPr>
-        <p:spPr>
-          <a:xfrm>
-            <a:off x="5643602" y="2055852"/>
-            <a:ext cx="4398531" cy="600164"/>
-          </a:xfrm>
-          <a:prstGeom prst="rect">
-            <a:avLst/>
-          </a:prstGeom>
-          <a:noFill/>
-        </p:spPr>
-        <p:txBody>
-          <a:bodyPr wrap="square" rtlCol="0">
-            <a:spAutoFit/>
-          </a:bodyPr>
-          <a:lstStyle/>
-          <a:p>
-            <a:r>
-              <a:rPr lang="en-GB" sz="1100" dirty="0" smtClean="0"/>
-              <a:t>9</a:t>
-            </a:r>
-            <a:r>
-              <a:rPr lang="en-GB" sz="1100" baseline="30000" dirty="0" smtClean="0"/>
-              <a:t>th</a:t>
-            </a:r>
-            <a:r>
-              <a:rPr lang="en-GB" sz="1100" dirty="0" smtClean="0"/>
-              <a:t> March:</a:t>
-            </a:r>
-          </a:p>
-          <a:p>
-            <a:pPr lvl="1"/>
-            <a:r>
-              <a:rPr lang="en-GB" sz="1100" dirty="0" smtClean="0"/>
-              <a:t>1. </a:t>
-            </a:r>
-            <a:r>
-              <a:rPr lang="en-GB" sz="1100" i="1" dirty="0" smtClean="0"/>
-              <a:t>Glossary </a:t>
-            </a:r>
-            <a:r>
-              <a:rPr lang="en-GB" sz="1100" i="1" dirty="0"/>
-              <a:t>a</a:t>
-            </a:r>
-            <a:r>
-              <a:rPr lang="en-GB" sz="1100" i="1" dirty="0" smtClean="0"/>
-              <a:t>cceptance by the Working Group.</a:t>
-            </a:r>
-          </a:p>
-          <a:p>
-            <a:pPr lvl="1"/>
-            <a:r>
-              <a:rPr lang="en-GB" sz="1100" dirty="0" smtClean="0"/>
-              <a:t>2. </a:t>
-            </a:r>
-            <a:r>
-              <a:rPr lang="en-GB" sz="1100" i="1" dirty="0"/>
-              <a:t>Sample Competency Questions available for the WG.</a:t>
-            </a:r>
-            <a:endParaRPr lang="en-GB" sz="1100" dirty="0"/>
-          </a:p>
-        </p:txBody>
-      </p:sp>
-      <p:sp>
-        <p:nvSpPr>
-          <p:cNvPr id="36" name="Elipse 35"/>
-          <p:cNvSpPr/>
-          <p:nvPr/>
-        </p:nvSpPr>
-        <p:spPr>
-          <a:xfrm rot="5400000">
-            <a:off x="5501871" y="2326580"/>
-            <a:ext cx="72000" cy="72000"/>
-          </a:xfrm>
-          <a:prstGeom prst="ellipse">
-            <a:avLst/>
-          </a:prstGeom>
-          <a:solidFill>
-            <a:schemeClr val="accent1">
-              <a:lumMod val="60000"/>
-              <a:lumOff val="40000"/>
-            </a:schemeClr>
-          </a:solidFill>
-          <a:ln>
-            <a:noFill/>
-          </a:ln>
-        </p:spPr>
-        <p:style>
-          <a:lnRef idx="2">
-            <a:schemeClr val="dk1">
-              <a:shade val="50000"/>
-            </a:schemeClr>
-          </a:lnRef>
-          <a:fillRef idx="1">
-            <a:schemeClr val="dk1"/>
-          </a:fillRef>
-          <a:effectRef idx="0">
-            <a:schemeClr val="dk1"/>
-          </a:effectRef>
-          <a:fontRef idx="minor">
-            <a:schemeClr val="lt1"/>
-          </a:fontRef>
-        </p:style>
-        <p:txBody>
-          <a:bodyPr rtlCol="0" anchor="ctr"/>
-          <a:lstStyle/>
-          <a:p>
-            <a:pPr algn="ctr"/>
-            <a:endParaRPr lang="en-GB"/>
-          </a:p>
-        </p:txBody>
-      </p:sp>
-      <p:sp>
-        <p:nvSpPr>
-          <p:cNvPr id="19" name="Elipse 18"/>
-          <p:cNvSpPr/>
-          <p:nvPr/>
-        </p:nvSpPr>
-        <p:spPr>
-          <a:xfrm rot="5400000">
-            <a:off x="5501871" y="2325364"/>
-            <a:ext cx="72000" cy="72000"/>
-          </a:xfrm>
-          <a:prstGeom prst="ellipse">
-            <a:avLst/>
-          </a:prstGeom>
-          <a:solidFill>
-            <a:schemeClr val="accent1">
-              <a:lumMod val="60000"/>
-              <a:lumOff val="40000"/>
-            </a:schemeClr>
-          </a:solidFill>
-          <a:ln>
-            <a:noFill/>
-          </a:ln>
-        </p:spPr>
-        <p:style>
-          <a:lnRef idx="2">
-            <a:schemeClr val="dk1">
-              <a:shade val="50000"/>
-            </a:schemeClr>
-          </a:lnRef>
-          <a:fillRef idx="1">
-            <a:schemeClr val="dk1"/>
-          </a:fillRef>
-          <a:effectRef idx="0">
-            <a:schemeClr val="dk1"/>
-          </a:effectRef>
-          <a:fontRef idx="minor">
-            <a:schemeClr val="lt1"/>
-          </a:fontRef>
-        </p:style>
-        <p:txBody>
-          <a:bodyPr rtlCol="0" anchor="ctr"/>
-          <a:lstStyle/>
-          <a:p>
-            <a:pPr algn="ctr"/>
-            <a:endParaRPr lang="en-GB"/>
-          </a:p>
-        </p:txBody>
-      </p:sp>
-      <p:sp>
-        <p:nvSpPr>
-          <p:cNvPr id="37" name="Elipse 36"/>
-          <p:cNvSpPr/>
-          <p:nvPr/>
-        </p:nvSpPr>
-        <p:spPr>
-          <a:xfrm rot="5400000">
-            <a:off x="5501871" y="2698055"/>
-            <a:ext cx="72000" cy="72000"/>
-          </a:xfrm>
-          <a:prstGeom prst="ellipse">
-            <a:avLst/>
-          </a:prstGeom>
-          <a:solidFill>
-            <a:schemeClr val="accent1">
-              <a:lumMod val="60000"/>
-              <a:lumOff val="40000"/>
-            </a:schemeClr>
-          </a:solidFill>
-          <a:ln>
-            <a:noFill/>
-          </a:ln>
-        </p:spPr>
-        <p:style>
-          <a:lnRef idx="2">
-            <a:schemeClr val="dk1">
-              <a:shade val="50000"/>
-            </a:schemeClr>
-          </a:lnRef>
-          <a:fillRef idx="1">
-            <a:schemeClr val="dk1"/>
-          </a:fillRef>
-          <a:effectRef idx="0">
-            <a:schemeClr val="dk1"/>
-          </a:effectRef>
-          <a:fontRef idx="minor">
-            <a:schemeClr val="lt1"/>
-          </a:fontRef>
-        </p:style>
-        <p:txBody>
-          <a:bodyPr rtlCol="0" anchor="ctr"/>
-          <a:lstStyle/>
-          <a:p>
-            <a:pPr algn="ctr"/>
-            <a:endParaRPr lang="en-GB"/>
-          </a:p>
-        </p:txBody>
-      </p:sp>
-      <p:sp>
-        <p:nvSpPr>
-          <p:cNvPr id="38" name="CuadroTexto 37"/>
-          <p:cNvSpPr txBox="1"/>
-          <p:nvPr/>
-        </p:nvSpPr>
-        <p:spPr>
-          <a:xfrm>
-            <a:off x="5657936" y="2604570"/>
-            <a:ext cx="4398531" cy="430887"/>
-          </a:xfrm>
-          <a:prstGeom prst="rect">
-            <a:avLst/>
-          </a:prstGeom>
-          <a:noFill/>
-        </p:spPr>
-        <p:txBody>
-          <a:bodyPr wrap="square" rtlCol="0">
-            <a:spAutoFit/>
-          </a:bodyPr>
-          <a:lstStyle/>
-          <a:p>
-            <a:r>
-              <a:rPr lang="en-GB" sz="1100" dirty="0" smtClean="0"/>
-              <a:t>23-26 March:</a:t>
-            </a:r>
-          </a:p>
-          <a:p>
-            <a:pPr lvl="1"/>
-            <a:r>
-              <a:rPr lang="en-GB" sz="1100" i="1" dirty="0" smtClean="0"/>
-              <a:t>Conceptual data model available</a:t>
-            </a:r>
-            <a:r>
-              <a:rPr lang="en-GB" sz="1100" i="1" dirty="0"/>
-              <a:t> </a:t>
-            </a:r>
-            <a:r>
-              <a:rPr lang="en-GB" sz="1100" i="1" dirty="0" smtClean="0"/>
-              <a:t>for revision by WG.</a:t>
-            </a:r>
-          </a:p>
-        </p:txBody>
-      </p:sp>
-      <p:sp>
-        <p:nvSpPr>
-          <p:cNvPr id="40" name="Elipse 39"/>
-          <p:cNvSpPr/>
-          <p:nvPr/>
-        </p:nvSpPr>
-        <p:spPr>
-          <a:xfrm rot="5400000">
-            <a:off x="5501871" y="3726755"/>
-            <a:ext cx="72000" cy="72000"/>
-          </a:xfrm>
-          <a:prstGeom prst="ellipse">
-            <a:avLst/>
-          </a:prstGeom>
-          <a:solidFill>
-            <a:schemeClr val="accent1">
-              <a:lumMod val="60000"/>
-              <a:lumOff val="40000"/>
-            </a:schemeClr>
-          </a:solidFill>
-          <a:ln>
-            <a:noFill/>
-          </a:ln>
-        </p:spPr>
-        <p:style>
-          <a:lnRef idx="2">
-            <a:schemeClr val="dk1">
-              <a:shade val="50000"/>
-            </a:schemeClr>
-          </a:lnRef>
-          <a:fillRef idx="1">
-            <a:schemeClr val="dk1"/>
-          </a:fillRef>
-          <a:effectRef idx="0">
-            <a:schemeClr val="dk1"/>
-          </a:effectRef>
-          <a:fontRef idx="minor">
-            <a:schemeClr val="lt1"/>
-          </a:fontRef>
-        </p:style>
-        <p:txBody>
-          <a:bodyPr rtlCol="0" anchor="ctr"/>
-          <a:lstStyle/>
-          <a:p>
-            <a:pPr algn="ctr"/>
-            <a:endParaRPr lang="en-GB"/>
-          </a:p>
-        </p:txBody>
-      </p:sp>
-      <p:sp>
-        <p:nvSpPr>
-          <p:cNvPr id="41" name="CuadroTexto 40"/>
-          <p:cNvSpPr txBox="1"/>
-          <p:nvPr/>
-        </p:nvSpPr>
-        <p:spPr>
-          <a:xfrm>
-            <a:off x="5657936" y="3626531"/>
-            <a:ext cx="3876589" cy="430887"/>
-          </a:xfrm>
-          <a:prstGeom prst="rect">
-            <a:avLst/>
-          </a:prstGeom>
-          <a:noFill/>
-        </p:spPr>
-        <p:txBody>
-          <a:bodyPr wrap="square" rtlCol="0">
-            <a:spAutoFit/>
-          </a:bodyPr>
-          <a:lstStyle/>
-          <a:p>
-            <a:r>
-              <a:rPr lang="en-GB" sz="1100" dirty="0" smtClean="0"/>
-              <a:t>14</a:t>
-            </a:r>
-            <a:r>
-              <a:rPr lang="en-GB" sz="1100" baseline="30000" dirty="0" smtClean="0"/>
-              <a:t>th</a:t>
-            </a:r>
-            <a:r>
-              <a:rPr lang="en-GB" sz="1100" dirty="0" smtClean="0"/>
-              <a:t> May: </a:t>
-            </a:r>
-            <a:r>
-              <a:rPr lang="en-GB" sz="1100" i="1" dirty="0" err="1" smtClean="0"/>
-              <a:t>PoC</a:t>
-            </a:r>
-            <a:r>
-              <a:rPr lang="en-GB" sz="1100" i="1" dirty="0" smtClean="0"/>
-              <a:t> and new version of the conceptual data model available</a:t>
-            </a:r>
-            <a:r>
-              <a:rPr lang="en-GB" sz="1100" i="1" dirty="0"/>
-              <a:t> </a:t>
-            </a:r>
-            <a:r>
-              <a:rPr lang="en-GB" sz="1100" i="1" dirty="0" smtClean="0"/>
-              <a:t>for revision by WG.</a:t>
-            </a:r>
-            <a:endParaRPr lang="en-GB" sz="1100" i="1" dirty="0"/>
-          </a:p>
-        </p:txBody>
-      </p:sp>
-      <p:sp>
-        <p:nvSpPr>
-          <p:cNvPr id="39" name="Elipse 38"/>
-          <p:cNvSpPr/>
-          <p:nvPr/>
-        </p:nvSpPr>
-        <p:spPr>
-          <a:xfrm rot="5400000">
-            <a:off x="5501871" y="5892515"/>
-            <a:ext cx="72000" cy="72000"/>
-          </a:xfrm>
-          <a:prstGeom prst="ellipse">
-            <a:avLst/>
-          </a:prstGeom>
-          <a:solidFill>
-            <a:schemeClr val="accent1">
-              <a:lumMod val="60000"/>
-              <a:lumOff val="40000"/>
-            </a:schemeClr>
-          </a:solidFill>
-          <a:ln>
-            <a:noFill/>
-          </a:ln>
-        </p:spPr>
-        <p:style>
-          <a:lnRef idx="2">
-            <a:schemeClr val="dk1">
-              <a:shade val="50000"/>
-            </a:schemeClr>
-          </a:lnRef>
-          <a:fillRef idx="1">
-            <a:schemeClr val="dk1"/>
-          </a:fillRef>
-          <a:effectRef idx="0">
-            <a:schemeClr val="dk1"/>
-          </a:effectRef>
-          <a:fontRef idx="minor">
-            <a:schemeClr val="lt1"/>
-          </a:fontRef>
-        </p:style>
-        <p:txBody>
-          <a:bodyPr rtlCol="0" anchor="ctr"/>
-          <a:lstStyle/>
-          <a:p>
-            <a:pPr algn="ctr"/>
-            <a:endParaRPr lang="en-GB"/>
-          </a:p>
-        </p:txBody>
-      </p:sp>
-      <p:sp>
-        <p:nvSpPr>
-          <p:cNvPr id="44" name="CuadroTexto 43"/>
-          <p:cNvSpPr txBox="1"/>
-          <p:nvPr/>
-        </p:nvSpPr>
-        <p:spPr>
-          <a:xfrm>
-            <a:off x="5658060" y="5792291"/>
-            <a:ext cx="3874317" cy="261610"/>
-          </a:xfrm>
-          <a:prstGeom prst="rect">
-            <a:avLst/>
-          </a:prstGeom>
-          <a:noFill/>
-        </p:spPr>
-        <p:txBody>
-          <a:bodyPr wrap="square" rtlCol="0">
-            <a:spAutoFit/>
-          </a:bodyPr>
-          <a:lstStyle/>
-          <a:p>
-            <a:r>
-              <a:rPr lang="en-GB" sz="1100" dirty="0" smtClean="0">
-                <a:solidFill>
-                  <a:schemeClr val="tx1">
-                    <a:lumMod val="65000"/>
-                    <a:lumOff val="35000"/>
-                  </a:schemeClr>
-                </a:solidFill>
-              </a:rPr>
-              <a:t>18</a:t>
-            </a:r>
-            <a:r>
-              <a:rPr lang="en-GB" sz="1100" baseline="30000" dirty="0" smtClean="0">
-                <a:solidFill>
-                  <a:schemeClr val="tx1">
-                    <a:lumMod val="65000"/>
-                    <a:lumOff val="35000"/>
-                  </a:schemeClr>
-                </a:solidFill>
-              </a:rPr>
-              <a:t>th</a:t>
-            </a:r>
-            <a:r>
-              <a:rPr lang="en-GB" sz="1100" dirty="0" smtClean="0">
-                <a:solidFill>
-                  <a:schemeClr val="tx1">
-                    <a:lumMod val="65000"/>
-                    <a:lumOff val="35000"/>
-                  </a:schemeClr>
-                </a:solidFill>
-              </a:rPr>
-              <a:t> June: Complete release v2.0.0 available for revision by WG.</a:t>
-            </a:r>
-            <a:endParaRPr lang="en-GB" sz="1100" i="1" dirty="0">
-              <a:solidFill>
-                <a:schemeClr val="tx1">
-                  <a:lumMod val="65000"/>
-                  <a:lumOff val="35000"/>
-                </a:schemeClr>
-              </a:solidFill>
-            </a:endParaRPr>
-          </a:p>
-        </p:txBody>
-      </p:sp>
+              </a:endParaRPr>
+            </a:p>
+          </p:txBody>
+        </p:sp>
+      </p:grpSp>
     </p:spTree>
     <p:extLst>
       <p:ext uri="{BB962C8B-B14F-4D97-AF65-F5344CB8AC3E}">

--- a/01_Resources/Timeline.pptx
+++ b/01_Resources/Timeline.pptx
@@ -3300,7 +3300,7 @@
           </p:nvSpPr>
           <p:spPr>
             <a:xfrm>
-              <a:off x="1037228" y="4934794"/>
+              <a:off x="1037228" y="5079178"/>
               <a:ext cx="4398534" cy="646331"/>
             </a:xfrm>
             <a:prstGeom prst="rect">
@@ -3324,7 +3324,7 @@
                     </a:schemeClr>
                   </a:solidFill>
                 </a:rPr>
-                <a:t>Working Group Meeting (14</a:t>
+                <a:t>Working Group Meeting (21</a:t>
               </a:r>
               <a:r>
                 <a:rPr lang="en-GB" sz="1200" baseline="30000" dirty="0" smtClean="0">
@@ -3335,7 +3335,7 @@
                     </a:schemeClr>
                   </a:solidFill>
                 </a:rPr>
-                <a:t>th</a:t>
+                <a:t>st</a:t>
               </a:r>
               <a:r>
                 <a:rPr lang="en-GB" sz="1200" dirty="0" smtClean="0">
@@ -3492,8 +3492,8 @@
           </p:nvSpPr>
           <p:spPr>
             <a:xfrm rot="5400000">
-              <a:off x="4187871" y="4739319"/>
-              <a:ext cx="2700000" cy="122400"/>
+              <a:off x="4871871" y="5426939"/>
+              <a:ext cx="1332000" cy="122400"/>
             </a:xfrm>
             <a:prstGeom prst="roundRect">
               <a:avLst/>
@@ -3538,8 +3538,8 @@
           </p:nvSpPr>
           <p:spPr>
             <a:xfrm rot="5400000">
-              <a:off x="5267871" y="3657265"/>
-              <a:ext cx="540000" cy="118800"/>
+              <a:off x="5123871" y="5076619"/>
+              <a:ext cx="828000" cy="118800"/>
             </a:xfrm>
             <a:prstGeom prst="roundRect">
               <a:avLst/>
@@ -3790,8 +3790,8 @@
           </p:nvSpPr>
           <p:spPr>
             <a:xfrm rot="5400000">
-              <a:off x="5480206" y="5036649"/>
-              <a:ext cx="115330" cy="115330"/>
+              <a:off x="5469536" y="5181033"/>
+              <a:ext cx="126000" cy="126000"/>
             </a:xfrm>
             <a:prstGeom prst="ellipse">
               <a:avLst/>
@@ -3854,7 +3854,7 @@
           </p:blipFill>
           <p:spPr bwMode="auto">
             <a:xfrm rot="16200000" flipH="1" flipV="1">
-              <a:off x="5589033" y="3298730"/>
+              <a:off x="5589033" y="4778618"/>
               <a:ext cx="273358" cy="273358"/>
             </a:xfrm>
             <a:prstGeom prst="rect">
@@ -4242,7 +4242,7 @@
           </p:nvSpPr>
           <p:spPr>
             <a:xfrm rot="5400000">
-              <a:off x="5501871" y="5892515"/>
+              <a:off x="5501871" y="5206707"/>
               <a:ext cx="72000" cy="72000"/>
             </a:xfrm>
             <a:prstGeom prst="ellipse">
@@ -4291,7 +4291,7 @@
           </p:nvSpPr>
           <p:spPr>
             <a:xfrm>
-              <a:off x="5658060" y="5792291"/>
+              <a:off x="5658060" y="5106483"/>
               <a:ext cx="3874317" cy="261610"/>
             </a:xfrm>
             <a:prstGeom prst="rect">
@@ -4336,18 +4336,7 @@
                     </a:schemeClr>
                   </a:solidFill>
                 </a:rPr>
-                <a:t> June</a:t>
-              </a:r>
-              <a:r>
-                <a:rPr lang="en-GB" sz="1100" dirty="0" smtClean="0">
-                  <a:solidFill>
-                    <a:schemeClr val="tx1">
-                      <a:lumMod val="65000"/>
-                      <a:lumOff val="35000"/>
-                    </a:schemeClr>
-                  </a:solidFill>
-                </a:rPr>
-                <a:t>: Complete release v2.0.0 available for revision by WG.</a:t>
+                <a:t> June: Complete release v2.0.0 available for revision by WG.</a:t>
               </a:r>
               <a:endParaRPr lang="en-GB" sz="1100" i="1" dirty="0">
                 <a:solidFill>

--- a/01_Resources/Timeline.pptx
+++ b/01_Resources/Timeline.pptx
@@ -4336,7 +4336,40 @@
                     </a:schemeClr>
                   </a:solidFill>
                 </a:rPr>
-                <a:t> June: Complete release v2.0.0 available for revision by WG.</a:t>
+                <a:t> June: </a:t>
+              </a:r>
+              <a:r>
+                <a:rPr lang="en-GB" sz="1100" dirty="0" err="1" smtClean="0">
+                  <a:solidFill>
+                    <a:schemeClr val="tx1">
+                      <a:lumMod val="65000"/>
+                      <a:lumOff val="35000"/>
+                    </a:schemeClr>
+                  </a:solidFill>
+                </a:rPr>
+                <a:t>PoC</a:t>
+              </a:r>
+              <a:r>
+                <a:rPr lang="en-GB" sz="1100" dirty="0" smtClean="0">
+                  <a:solidFill>
+                    <a:schemeClr val="tx1">
+                      <a:lumMod val="65000"/>
+                      <a:lumOff val="35000"/>
+                    </a:schemeClr>
+                  </a:solidFill>
+                </a:rPr>
+                <a:t> available </a:t>
+              </a:r>
+              <a:r>
+                <a:rPr lang="en-GB" sz="1100" dirty="0" smtClean="0">
+                  <a:solidFill>
+                    <a:schemeClr val="tx1">
+                      <a:lumMod val="65000"/>
+                      <a:lumOff val="35000"/>
+                    </a:schemeClr>
+                  </a:solidFill>
+                </a:rPr>
+                <a:t>for revision by WG.</a:t>
               </a:r>
               <a:endParaRPr lang="en-GB" sz="1100" i="1" dirty="0">
                 <a:solidFill>

--- a/01_Resources/Timeline.pptx
+++ b/01_Resources/Timeline.pptx
@@ -255,7 +255,7 @@
           <a:p>
             <a:fld id="{DD47B1ED-05C6-43AD-85E9-3FF99C9F49B3}" type="datetimeFigureOut">
               <a:rPr lang="en-GB" smtClean="0"/>
-              <a:t>05/06/2018</a:t>
+              <a:t>06/06/2018</a:t>
             </a:fld>
             <a:endParaRPr lang="en-GB"/>
           </a:p>
@@ -425,7 +425,7 @@
           <a:p>
             <a:fld id="{DD47B1ED-05C6-43AD-85E9-3FF99C9F49B3}" type="datetimeFigureOut">
               <a:rPr lang="en-GB" smtClean="0"/>
-              <a:t>05/06/2018</a:t>
+              <a:t>06/06/2018</a:t>
             </a:fld>
             <a:endParaRPr lang="en-GB"/>
           </a:p>
@@ -605,7 +605,7 @@
           <a:p>
             <a:fld id="{DD47B1ED-05C6-43AD-85E9-3FF99C9F49B3}" type="datetimeFigureOut">
               <a:rPr lang="en-GB" smtClean="0"/>
-              <a:t>05/06/2018</a:t>
+              <a:t>06/06/2018</a:t>
             </a:fld>
             <a:endParaRPr lang="en-GB"/>
           </a:p>
@@ -775,7 +775,7 @@
           <a:p>
             <a:fld id="{DD47B1ED-05C6-43AD-85E9-3FF99C9F49B3}" type="datetimeFigureOut">
               <a:rPr lang="en-GB" smtClean="0"/>
-              <a:t>05/06/2018</a:t>
+              <a:t>06/06/2018</a:t>
             </a:fld>
             <a:endParaRPr lang="en-GB"/>
           </a:p>
@@ -1021,7 +1021,7 @@
           <a:p>
             <a:fld id="{DD47B1ED-05C6-43AD-85E9-3FF99C9F49B3}" type="datetimeFigureOut">
               <a:rPr lang="en-GB" smtClean="0"/>
-              <a:t>05/06/2018</a:t>
+              <a:t>06/06/2018</a:t>
             </a:fld>
             <a:endParaRPr lang="en-GB"/>
           </a:p>
@@ -1253,7 +1253,7 @@
           <a:p>
             <a:fld id="{DD47B1ED-05C6-43AD-85E9-3FF99C9F49B3}" type="datetimeFigureOut">
               <a:rPr lang="en-GB" smtClean="0"/>
-              <a:t>05/06/2018</a:t>
+              <a:t>06/06/2018</a:t>
             </a:fld>
             <a:endParaRPr lang="en-GB"/>
           </a:p>
@@ -1620,7 +1620,7 @@
           <a:p>
             <a:fld id="{DD47B1ED-05C6-43AD-85E9-3FF99C9F49B3}" type="datetimeFigureOut">
               <a:rPr lang="en-GB" smtClean="0"/>
-              <a:t>05/06/2018</a:t>
+              <a:t>06/06/2018</a:t>
             </a:fld>
             <a:endParaRPr lang="en-GB"/>
           </a:p>
@@ -1738,7 +1738,7 @@
           <a:p>
             <a:fld id="{DD47B1ED-05C6-43AD-85E9-3FF99C9F49B3}" type="datetimeFigureOut">
               <a:rPr lang="en-GB" smtClean="0"/>
-              <a:t>05/06/2018</a:t>
+              <a:t>06/06/2018</a:t>
             </a:fld>
             <a:endParaRPr lang="en-GB"/>
           </a:p>
@@ -1833,7 +1833,7 @@
           <a:p>
             <a:fld id="{DD47B1ED-05C6-43AD-85E9-3FF99C9F49B3}" type="datetimeFigureOut">
               <a:rPr lang="en-GB" smtClean="0"/>
-              <a:t>05/06/2018</a:t>
+              <a:t>06/06/2018</a:t>
             </a:fld>
             <a:endParaRPr lang="en-GB"/>
           </a:p>
@@ -2110,7 +2110,7 @@
           <a:p>
             <a:fld id="{DD47B1ED-05C6-43AD-85E9-3FF99C9F49B3}" type="datetimeFigureOut">
               <a:rPr lang="en-GB" smtClean="0"/>
-              <a:t>05/06/2018</a:t>
+              <a:t>06/06/2018</a:t>
             </a:fld>
             <a:endParaRPr lang="en-GB"/>
           </a:p>
@@ -2363,7 +2363,7 @@
           <a:p>
             <a:fld id="{DD47B1ED-05C6-43AD-85E9-3FF99C9F49B3}" type="datetimeFigureOut">
               <a:rPr lang="en-GB" smtClean="0"/>
-              <a:t>05/06/2018</a:t>
+              <a:t>06/06/2018</a:t>
             </a:fld>
             <a:endParaRPr lang="en-GB"/>
           </a:p>
@@ -2576,7 +2576,7 @@
           <a:p>
             <a:fld id="{DD47B1ED-05C6-43AD-85E9-3FF99C9F49B3}" type="datetimeFigureOut">
               <a:rPr lang="en-GB" smtClean="0"/>
-              <a:t>05/06/2018</a:t>
+              <a:t>06/06/2018</a:t>
             </a:fld>
             <a:endParaRPr lang="en-GB"/>
           </a:p>
@@ -3052,8 +3052,8 @@
           </p:nvSpPr>
           <p:spPr>
             <a:xfrm>
-              <a:off x="3196751" y="5997339"/>
-              <a:ext cx="2239011" cy="276999"/>
+              <a:off x="1267890" y="5997339"/>
+              <a:ext cx="4167872" cy="276999"/>
             </a:xfrm>
             <a:prstGeom prst="rect">
               <a:avLst/>
@@ -3076,7 +3076,62 @@
                     </a:schemeClr>
                   </a:solidFill>
                 </a:rPr>
-                <a:t>Release version 2.0.0 (25</a:t>
+                <a:t>Draft r</a:t>
+              </a:r>
+              <a:r>
+                <a:rPr lang="en-GB" sz="1200" b="1" dirty="0" smtClean="0">
+                  <a:solidFill>
+                    <a:schemeClr val="tx1">
+                      <a:lumMod val="65000"/>
+                      <a:lumOff val="35000"/>
+                    </a:schemeClr>
+                  </a:solidFill>
+                </a:rPr>
+                <a:t>elease </a:t>
+              </a:r>
+              <a:r>
+                <a:rPr lang="en-GB" sz="1200" b="1" dirty="0" smtClean="0">
+                  <a:solidFill>
+                    <a:schemeClr val="tx1">
+                      <a:lumMod val="65000"/>
+                      <a:lumOff val="35000"/>
+                    </a:schemeClr>
+                  </a:solidFill>
+                </a:rPr>
+                <a:t>version </a:t>
+              </a:r>
+              <a:r>
+                <a:rPr lang="en-GB" sz="1200" b="1" dirty="0">
+                  <a:solidFill>
+                    <a:schemeClr val="tx1">
+                      <a:lumMod val="65000"/>
+                      <a:lumOff val="35000"/>
+                    </a:schemeClr>
+                  </a:solidFill>
+                </a:rPr>
+                <a:t>2.0.0 for </a:t>
+              </a:r>
+              <a:r>
+                <a:rPr lang="en-GB" sz="1200" b="1" dirty="0" smtClean="0">
+                  <a:solidFill>
+                    <a:schemeClr val="tx1">
+                      <a:lumMod val="65000"/>
+                      <a:lumOff val="35000"/>
+                    </a:schemeClr>
+                  </a:solidFill>
+                </a:rPr>
+                <a:t>validation by the WG (</a:t>
+              </a:r>
+              <a:r>
+                <a:rPr lang="en-GB" sz="1200" b="1" dirty="0" smtClean="0">
+                  <a:solidFill>
+                    <a:schemeClr val="tx1">
+                      <a:lumMod val="65000"/>
+                      <a:lumOff val="35000"/>
+                    </a:schemeClr>
+                  </a:solidFill>
+                </a:rPr>
+                <a:t>25</a:t>
               </a:r>
               <a:r>
                 <a:rPr lang="en-GB" sz="1200" b="1" baseline="30000" dirty="0" smtClean="0">
@@ -4358,18 +4413,7 @@
                     </a:schemeClr>
                   </a:solidFill>
                 </a:rPr>
-                <a:t> available </a:t>
-              </a:r>
-              <a:r>
-                <a:rPr lang="en-GB" sz="1100" dirty="0" smtClean="0">
-                  <a:solidFill>
-                    <a:schemeClr val="tx1">
-                      <a:lumMod val="65000"/>
-                      <a:lumOff val="35000"/>
-                    </a:schemeClr>
-                  </a:solidFill>
-                </a:rPr>
-                <a:t>for revision by WG.</a:t>
+                <a:t> available for revision by WG.</a:t>
               </a:r>
               <a:endParaRPr lang="en-GB" sz="1100" i="1" dirty="0">
                 <a:solidFill>
